--- a/slides/ch13-PKI-and-Key-distribution-2020.pptx
+++ b/slides/ch13-PKI-and-Key-distribution-2020.pptx
@@ -132,6 +132,11 @@
       </a:defRPr>
     </a:lvl9pPr>
   </p:defaultTextStyle>
+  <p:extLst>
+    <p:ext uri="{EFAFB233-063F-42B5-8137-9DF3F51BA10A}">
+      <p15:sldGuideLst xmlns:p15="http://schemas.microsoft.com/office/powerpoint/2012/main"/>
+    </p:ext>
+  </p:extLst>
 </p:presentation>
 </file>
 
@@ -325,7 +330,7 @@
           <a:p>
             <a:fld id="{762CD6BD-7546-4E5B-AEEF-17BA2030D417}" type="datetimeFigureOut">
               <a:rPr lang="it-IT" smtClean="0"/>
-              <a:t>20/10/2020</a:t>
+              <a:t>21/10/2020</a:t>
             </a:fld>
             <a:endParaRPr lang="it-IT"/>
           </a:p>
@@ -3089,7 +3094,7 @@
           <a:p>
             <a:fld id="{DD268F46-A143-4D49-98F9-74B8259B3C7B}" type="datetimeFigureOut">
               <a:rPr lang="it-IT" smtClean="0"/>
-              <a:t>20/10/2020</a:t>
+              <a:t>21/10/2020</a:t>
             </a:fld>
             <a:endParaRPr lang="it-IT"/>
           </a:p>
@@ -3289,7 +3294,7 @@
           <a:p>
             <a:fld id="{DD268F46-A143-4D49-98F9-74B8259B3C7B}" type="datetimeFigureOut">
               <a:rPr lang="it-IT" smtClean="0"/>
-              <a:t>20/10/2020</a:t>
+              <a:t>21/10/2020</a:t>
             </a:fld>
             <a:endParaRPr lang="it-IT"/>
           </a:p>
@@ -3499,7 +3504,7 @@
           <a:p>
             <a:fld id="{DD268F46-A143-4D49-98F9-74B8259B3C7B}" type="datetimeFigureOut">
               <a:rPr lang="it-IT" smtClean="0"/>
-              <a:t>20/10/2020</a:t>
+              <a:t>21/10/2020</a:t>
             </a:fld>
             <a:endParaRPr lang="it-IT"/>
           </a:p>
@@ -3699,7 +3704,7 @@
           <a:p>
             <a:fld id="{DD268F46-A143-4D49-98F9-74B8259B3C7B}" type="datetimeFigureOut">
               <a:rPr lang="it-IT" smtClean="0"/>
-              <a:t>20/10/2020</a:t>
+              <a:t>21/10/2020</a:t>
             </a:fld>
             <a:endParaRPr lang="it-IT"/>
           </a:p>
@@ -3975,7 +3980,7 @@
           <a:p>
             <a:fld id="{DD268F46-A143-4D49-98F9-74B8259B3C7B}" type="datetimeFigureOut">
               <a:rPr lang="it-IT" smtClean="0"/>
-              <a:t>20/10/2020</a:t>
+              <a:t>21/10/2020</a:t>
             </a:fld>
             <a:endParaRPr lang="it-IT"/>
           </a:p>
@@ -4243,7 +4248,7 @@
           <a:p>
             <a:fld id="{DD268F46-A143-4D49-98F9-74B8259B3C7B}" type="datetimeFigureOut">
               <a:rPr lang="it-IT" smtClean="0"/>
-              <a:t>20/10/2020</a:t>
+              <a:t>21/10/2020</a:t>
             </a:fld>
             <a:endParaRPr lang="it-IT"/>
           </a:p>
@@ -4658,7 +4663,7 @@
           <a:p>
             <a:fld id="{DD268F46-A143-4D49-98F9-74B8259B3C7B}" type="datetimeFigureOut">
               <a:rPr lang="it-IT" smtClean="0"/>
-              <a:t>20/10/2020</a:t>
+              <a:t>21/10/2020</a:t>
             </a:fld>
             <a:endParaRPr lang="it-IT"/>
           </a:p>
@@ -4800,7 +4805,7 @@
           <a:p>
             <a:fld id="{DD268F46-A143-4D49-98F9-74B8259B3C7B}" type="datetimeFigureOut">
               <a:rPr lang="it-IT" smtClean="0"/>
-              <a:t>20/10/2020</a:t>
+              <a:t>21/10/2020</a:t>
             </a:fld>
             <a:endParaRPr lang="it-IT"/>
           </a:p>
@@ -4913,7 +4918,7 @@
           <a:p>
             <a:fld id="{DD268F46-A143-4D49-98F9-74B8259B3C7B}" type="datetimeFigureOut">
               <a:rPr lang="it-IT" smtClean="0"/>
-              <a:t>20/10/2020</a:t>
+              <a:t>21/10/2020</a:t>
             </a:fld>
             <a:endParaRPr lang="it-IT"/>
           </a:p>
@@ -5226,7 +5231,7 @@
           <a:p>
             <a:fld id="{DD268F46-A143-4D49-98F9-74B8259B3C7B}" type="datetimeFigureOut">
               <a:rPr lang="it-IT" smtClean="0"/>
-              <a:t>20/10/2020</a:t>
+              <a:t>21/10/2020</a:t>
             </a:fld>
             <a:endParaRPr lang="it-IT"/>
           </a:p>
@@ -5515,7 +5520,7 @@
           <a:p>
             <a:fld id="{DD268F46-A143-4D49-98F9-74B8259B3C7B}" type="datetimeFigureOut">
               <a:rPr lang="it-IT" smtClean="0"/>
-              <a:t>20/10/2020</a:t>
+              <a:t>21/10/2020</a:t>
             </a:fld>
             <a:endParaRPr lang="it-IT"/>
           </a:p>
@@ -5758,7 +5763,7 @@
           <a:p>
             <a:fld id="{DD268F46-A143-4D49-98F9-74B8259B3C7B}" type="datetimeFigureOut">
               <a:rPr lang="it-IT" smtClean="0"/>
-              <a:t>20/10/2020</a:t>
+              <a:t>21/10/2020</a:t>
             </a:fld>
             <a:endParaRPr lang="it-IT"/>
           </a:p>
@@ -10916,8 +10921,8 @@
           </a:prstGeom>
         </p:spPr>
       </p:pic>
-      <mc:AlternateContent xmlns:mc="http://schemas.openxmlformats.org/markup-compatibility/2006">
-        <mc:Choice xmlns:p14="http://schemas.microsoft.com/office/powerpoint/2010/main" Requires="p14">
+      <mc:AlternateContent xmlns:mc="http://schemas.openxmlformats.org/markup-compatibility/2006" xmlns:p14="http://schemas.microsoft.com/office/powerpoint/2010/main">
+        <mc:Choice Requires="p14">
           <p:contentPart p14:bwMode="auto" r:id="rId3">
             <p14:nvContentPartPr>
               <p14:cNvPr id="6" name="Ink 5">
@@ -10936,7 +10941,7 @@
             </p14:xfrm>
           </p:contentPart>
         </mc:Choice>
-        <mc:Fallback>
+        <mc:Fallback xmlns="">
           <p:pic>
             <p:nvPicPr>
               <p:cNvPr id="6" name="Ink 5">
@@ -10967,8 +10972,8 @@
           </p:pic>
         </mc:Fallback>
       </mc:AlternateContent>
-      <mc:AlternateContent xmlns:mc="http://schemas.openxmlformats.org/markup-compatibility/2006">
-        <mc:Choice xmlns:p14="http://schemas.microsoft.com/office/powerpoint/2010/main" Requires="p14">
+      <mc:AlternateContent xmlns:mc="http://schemas.openxmlformats.org/markup-compatibility/2006" xmlns:p14="http://schemas.microsoft.com/office/powerpoint/2010/main">
+        <mc:Choice Requires="p14">
           <p:contentPart p14:bwMode="auto" r:id="rId5">
             <p14:nvContentPartPr>
               <p14:cNvPr id="7" name="Ink 6">
@@ -10987,7 +10992,7 @@
             </p14:xfrm>
           </p:contentPart>
         </mc:Choice>
-        <mc:Fallback>
+        <mc:Fallback xmlns="">
           <p:pic>
             <p:nvPicPr>
               <p:cNvPr id="7" name="Ink 6">
@@ -11018,8 +11023,8 @@
           </p:pic>
         </mc:Fallback>
       </mc:AlternateContent>
-      <mc:AlternateContent xmlns:mc="http://schemas.openxmlformats.org/markup-compatibility/2006">
-        <mc:Choice xmlns:p14="http://schemas.microsoft.com/office/powerpoint/2010/main" Requires="p14">
+      <mc:AlternateContent xmlns:mc="http://schemas.openxmlformats.org/markup-compatibility/2006" xmlns:p14="http://schemas.microsoft.com/office/powerpoint/2010/main">
+        <mc:Choice Requires="p14">
           <p:contentPart p14:bwMode="auto" r:id="rId7">
             <p14:nvContentPartPr>
               <p14:cNvPr id="8" name="Ink 7">
@@ -11038,7 +11043,7 @@
             </p14:xfrm>
           </p:contentPart>
         </mc:Choice>
-        <mc:Fallback>
+        <mc:Fallback xmlns="">
           <p:pic>
             <p:nvPicPr>
               <p:cNvPr id="8" name="Ink 7">
@@ -11069,8 +11074,8 @@
           </p:pic>
         </mc:Fallback>
       </mc:AlternateContent>
-      <mc:AlternateContent xmlns:mc="http://schemas.openxmlformats.org/markup-compatibility/2006">
-        <mc:Choice xmlns:p14="http://schemas.microsoft.com/office/powerpoint/2010/main" Requires="p14">
+      <mc:AlternateContent xmlns:mc="http://schemas.openxmlformats.org/markup-compatibility/2006" xmlns:p14="http://schemas.microsoft.com/office/powerpoint/2010/main">
+        <mc:Choice Requires="p14">
           <p:contentPart p14:bwMode="auto" r:id="rId8">
             <p14:nvContentPartPr>
               <p14:cNvPr id="9" name="Ink 8">
@@ -11089,7 +11094,7 @@
             </p14:xfrm>
           </p:contentPart>
         </mc:Choice>
-        <mc:Fallback>
+        <mc:Fallback xmlns="">
           <p:pic>
             <p:nvPicPr>
               <p:cNvPr id="9" name="Ink 8">
@@ -11558,6 +11563,81 @@
   <p:clrMapOvr>
     <a:masterClrMapping/>
   </p:clrMapOvr>
+  <p:timing>
+    <p:tnLst>
+      <p:par>
+        <p:cTn id="1" dur="indefinite" restart="never" nodeType="tmRoot">
+          <p:childTnLst>
+            <p:seq concurrent="1" nextAc="seek">
+              <p:cTn id="2" dur="indefinite" nodeType="mainSeq">
+                <p:childTnLst>
+                  <p:par>
+                    <p:cTn id="3" fill="hold">
+                      <p:stCondLst>
+                        <p:cond delay="indefinite"/>
+                      </p:stCondLst>
+                      <p:childTnLst>
+                        <p:par>
+                          <p:cTn id="4" fill="hold">
+                            <p:stCondLst>
+                              <p:cond delay="0"/>
+                            </p:stCondLst>
+                            <p:childTnLst>
+                              <p:par>
+                                <p:cTn id="5" presetID="1" presetClass="entr" presetSubtype="0" fill="hold" nodeType="clickEffect">
+                                  <p:stCondLst>
+                                    <p:cond delay="0"/>
+                                  </p:stCondLst>
+                                  <p:childTnLst>
+                                    <p:set>
+                                      <p:cBhvr>
+                                        <p:cTn id="6" dur="1" fill="hold">
+                                          <p:stCondLst>
+                                            <p:cond delay="0"/>
+                                          </p:stCondLst>
+                                        </p:cTn>
+                                        <p:tgtEl>
+                                          <p:spTgt spid="7"/>
+                                        </p:tgtEl>
+                                        <p:attrNameLst>
+                                          <p:attrName>style.visibility</p:attrName>
+                                        </p:attrNameLst>
+                                      </p:cBhvr>
+                                      <p:to>
+                                        <p:strVal val="visible"/>
+                                      </p:to>
+                                    </p:set>
+                                  </p:childTnLst>
+                                </p:cTn>
+                              </p:par>
+                            </p:childTnLst>
+                          </p:cTn>
+                        </p:par>
+                      </p:childTnLst>
+                    </p:cTn>
+                  </p:par>
+                </p:childTnLst>
+              </p:cTn>
+              <p:prevCondLst>
+                <p:cond evt="onPrev" delay="0">
+                  <p:tgtEl>
+                    <p:sldTgt/>
+                  </p:tgtEl>
+                </p:cond>
+              </p:prevCondLst>
+              <p:nextCondLst>
+                <p:cond evt="onNext" delay="0">
+                  <p:tgtEl>
+                    <p:sldTgt/>
+                  </p:tgtEl>
+                </p:cond>
+              </p:nextCondLst>
+            </p:seq>
+          </p:childTnLst>
+        </p:cTn>
+      </p:par>
+    </p:tnLst>
+  </p:timing>
 </p:sld>
 </file>
 

--- a/slides/ch13-PKI-and-Key-distribution-2020.pptx
+++ b/slides/ch13-PKI-and-Key-distribution-2020.pptx
@@ -330,7 +330,7 @@
           <a:p>
             <a:fld id="{762CD6BD-7546-4E5B-AEEF-17BA2030D417}" type="datetimeFigureOut">
               <a:rPr lang="it-IT" smtClean="0"/>
-              <a:t>21/10/2020</a:t>
+              <a:t>26/10/2020</a:t>
             </a:fld>
             <a:endParaRPr lang="it-IT"/>
           </a:p>
@@ -3094,7 +3094,7 @@
           <a:p>
             <a:fld id="{DD268F46-A143-4D49-98F9-74B8259B3C7B}" type="datetimeFigureOut">
               <a:rPr lang="it-IT" smtClean="0"/>
-              <a:t>21/10/2020</a:t>
+              <a:t>26/10/2020</a:t>
             </a:fld>
             <a:endParaRPr lang="it-IT"/>
           </a:p>
@@ -3294,7 +3294,7 @@
           <a:p>
             <a:fld id="{DD268F46-A143-4D49-98F9-74B8259B3C7B}" type="datetimeFigureOut">
               <a:rPr lang="it-IT" smtClean="0"/>
-              <a:t>21/10/2020</a:t>
+              <a:t>26/10/2020</a:t>
             </a:fld>
             <a:endParaRPr lang="it-IT"/>
           </a:p>
@@ -3504,7 +3504,7 @@
           <a:p>
             <a:fld id="{DD268F46-A143-4D49-98F9-74B8259B3C7B}" type="datetimeFigureOut">
               <a:rPr lang="it-IT" smtClean="0"/>
-              <a:t>21/10/2020</a:t>
+              <a:t>26/10/2020</a:t>
             </a:fld>
             <a:endParaRPr lang="it-IT"/>
           </a:p>
@@ -3704,7 +3704,7 @@
           <a:p>
             <a:fld id="{DD268F46-A143-4D49-98F9-74B8259B3C7B}" type="datetimeFigureOut">
               <a:rPr lang="it-IT" smtClean="0"/>
-              <a:t>21/10/2020</a:t>
+              <a:t>26/10/2020</a:t>
             </a:fld>
             <a:endParaRPr lang="it-IT"/>
           </a:p>
@@ -3980,7 +3980,7 @@
           <a:p>
             <a:fld id="{DD268F46-A143-4D49-98F9-74B8259B3C7B}" type="datetimeFigureOut">
               <a:rPr lang="it-IT" smtClean="0"/>
-              <a:t>21/10/2020</a:t>
+              <a:t>26/10/2020</a:t>
             </a:fld>
             <a:endParaRPr lang="it-IT"/>
           </a:p>
@@ -4248,7 +4248,7 @@
           <a:p>
             <a:fld id="{DD268F46-A143-4D49-98F9-74B8259B3C7B}" type="datetimeFigureOut">
               <a:rPr lang="it-IT" smtClean="0"/>
-              <a:t>21/10/2020</a:t>
+              <a:t>26/10/2020</a:t>
             </a:fld>
             <a:endParaRPr lang="it-IT"/>
           </a:p>
@@ -4663,7 +4663,7 @@
           <a:p>
             <a:fld id="{DD268F46-A143-4D49-98F9-74B8259B3C7B}" type="datetimeFigureOut">
               <a:rPr lang="it-IT" smtClean="0"/>
-              <a:t>21/10/2020</a:t>
+              <a:t>26/10/2020</a:t>
             </a:fld>
             <a:endParaRPr lang="it-IT"/>
           </a:p>
@@ -4805,7 +4805,7 @@
           <a:p>
             <a:fld id="{DD268F46-A143-4D49-98F9-74B8259B3C7B}" type="datetimeFigureOut">
               <a:rPr lang="it-IT" smtClean="0"/>
-              <a:t>21/10/2020</a:t>
+              <a:t>26/10/2020</a:t>
             </a:fld>
             <a:endParaRPr lang="it-IT"/>
           </a:p>
@@ -4918,7 +4918,7 @@
           <a:p>
             <a:fld id="{DD268F46-A143-4D49-98F9-74B8259B3C7B}" type="datetimeFigureOut">
               <a:rPr lang="it-IT" smtClean="0"/>
-              <a:t>21/10/2020</a:t>
+              <a:t>26/10/2020</a:t>
             </a:fld>
             <a:endParaRPr lang="it-IT"/>
           </a:p>
@@ -5231,7 +5231,7 @@
           <a:p>
             <a:fld id="{DD268F46-A143-4D49-98F9-74B8259B3C7B}" type="datetimeFigureOut">
               <a:rPr lang="it-IT" smtClean="0"/>
-              <a:t>21/10/2020</a:t>
+              <a:t>26/10/2020</a:t>
             </a:fld>
             <a:endParaRPr lang="it-IT"/>
           </a:p>
@@ -5520,7 +5520,7 @@
           <a:p>
             <a:fld id="{DD268F46-A143-4D49-98F9-74B8259B3C7B}" type="datetimeFigureOut">
               <a:rPr lang="it-IT" smtClean="0"/>
-              <a:t>21/10/2020</a:t>
+              <a:t>26/10/2020</a:t>
             </a:fld>
             <a:endParaRPr lang="it-IT"/>
           </a:p>
@@ -5763,7 +5763,7 @@
           <a:p>
             <a:fld id="{DD268F46-A143-4D49-98F9-74B8259B3C7B}" type="datetimeFigureOut">
               <a:rPr lang="it-IT" smtClean="0"/>
-              <a:t>21/10/2020</a:t>
+              <a:t>26/10/2020</a:t>
             </a:fld>
             <a:endParaRPr lang="it-IT"/>
           </a:p>
@@ -6777,6 +6777,14 @@
 <file path=ppt/slides/slide12.xml><?xml version="1.0" encoding="utf-8"?>
 <p:sld xmlns:a="http://schemas.openxmlformats.org/drawingml/2006/main" xmlns:r="http://schemas.openxmlformats.org/officeDocument/2006/relationships" xmlns:p="http://schemas.openxmlformats.org/presentationml/2006/main">
   <p:cSld>
+    <p:bg>
+      <p:bgPr>
+        <a:solidFill>
+          <a:schemeClr val="bg1"/>
+        </a:solidFill>
+        <a:effectLst/>
+      </p:bgPr>
+    </p:bg>
     <p:spTree>
       <p:nvGrpSpPr>
         <p:cNvPr id="1" name=""/>
@@ -6791,6 +6799,196 @@
           <a:chExt cx="0" cy="0"/>
         </a:xfrm>
       </p:grpSpPr>
+      <p:sp useBgFill="1">
+        <p:nvSpPr>
+          <p:cNvPr id="21" name="Rectangle 20">
+            <a:extLst>
+              <a:ext uri="{FF2B5EF4-FFF2-40B4-BE49-F238E27FC236}">
+                <a16:creationId xmlns:a16="http://schemas.microsoft.com/office/drawing/2014/main" id="{3B854194-185D-494D-905C-7C7CB2E30F6E}"/>
+              </a:ext>
+              <a:ext uri="{C183D7F6-B498-43B3-948B-1728B52AA6E4}">
+                <adec:decorative xmlns:adec="http://schemas.microsoft.com/office/drawing/2017/decorative" val="1"/>
+              </a:ext>
+            </a:extLst>
+          </p:cNvPr>
+          <p:cNvSpPr>
+            <a:spLocks noGrp="1" noRot="1" noChangeAspect="1" noMove="1" noResize="1" noEditPoints="1" noAdjustHandles="1" noChangeArrowheads="1" noChangeShapeType="1" noTextEdit="1"/>
+          </p:cNvSpPr>
+          <p:nvPr>
+            <p:extLst>
+              <p:ext uri="{386F3935-93C4-4BCD-93E2-E3B085C9AB24}">
+                <p16:designElem xmlns:p16="http://schemas.microsoft.com/office/powerpoint/2015/main" val="1"/>
+              </p:ext>
+            </p:extLst>
+          </p:nvPr>
+        </p:nvSpPr>
+        <p:spPr>
+          <a:xfrm>
+            <a:off x="1" y="0"/>
+            <a:ext cx="6082110" cy="6858000"/>
+          </a:xfrm>
+          <a:prstGeom prst="rect">
+            <a:avLst/>
+          </a:prstGeom>
+          <a:ln>
+            <a:noFill/>
+          </a:ln>
+        </p:spPr>
+        <p:style>
+          <a:lnRef idx="2">
+            <a:schemeClr val="accent1">
+              <a:shade val="50000"/>
+            </a:schemeClr>
+          </a:lnRef>
+          <a:fillRef idx="1">
+            <a:schemeClr val="accent1"/>
+          </a:fillRef>
+          <a:effectRef idx="0">
+            <a:schemeClr val="accent1"/>
+          </a:effectRef>
+          <a:fontRef idx="minor">
+            <a:schemeClr val="lt1"/>
+          </a:fontRef>
+        </p:style>
+        <p:txBody>
+          <a:bodyPr rtlCol="0" anchor="ctr"/>
+          <a:lstStyle/>
+          <a:p>
+            <a:pPr algn="ctr"/>
+            <a:endParaRPr lang="en-US"/>
+          </a:p>
+        </p:txBody>
+      </p:sp>
+      <p:sp>
+        <p:nvSpPr>
+          <p:cNvPr id="23" name="Rectangle 22">
+            <a:extLst>
+              <a:ext uri="{FF2B5EF4-FFF2-40B4-BE49-F238E27FC236}">
+                <a16:creationId xmlns:a16="http://schemas.microsoft.com/office/drawing/2014/main" id="{B4F5FA0D-0104-4987-8241-EFF7C85B88DE}"/>
+              </a:ext>
+              <a:ext uri="{C183D7F6-B498-43B3-948B-1728B52AA6E4}">
+                <adec:decorative xmlns:adec="http://schemas.microsoft.com/office/drawing/2017/decorative" val="1"/>
+              </a:ext>
+            </a:extLst>
+          </p:cNvPr>
+          <p:cNvSpPr>
+            <a:spLocks noGrp="1" noRot="1" noChangeAspect="1" noMove="1" noResize="1" noEditPoints="1" noAdjustHandles="1" noChangeArrowheads="1" noChangeShapeType="1" noTextEdit="1"/>
+          </p:cNvSpPr>
+          <p:nvPr>
+            <p:extLst>
+              <p:ext uri="{386F3935-93C4-4BCD-93E2-E3B085C9AB24}">
+                <p16:designElem xmlns:p16="http://schemas.microsoft.com/office/powerpoint/2015/main" val="1"/>
+              </p:ext>
+            </p:extLst>
+          </p:nvPr>
+        </p:nvSpPr>
+        <p:spPr>
+          <a:xfrm>
+            <a:off x="1" y="0"/>
+            <a:ext cx="12191998" cy="6858000"/>
+          </a:xfrm>
+          <a:prstGeom prst="rect">
+            <a:avLst/>
+          </a:prstGeom>
+          <a:gradFill>
+            <a:gsLst>
+              <a:gs pos="0">
+                <a:schemeClr val="accent1">
+                  <a:lumMod val="90000"/>
+                </a:schemeClr>
+              </a:gs>
+              <a:gs pos="25000">
+                <a:schemeClr val="accent1">
+                  <a:lumMod val="90000"/>
+                </a:schemeClr>
+              </a:gs>
+              <a:gs pos="94000">
+                <a:schemeClr val="bg2">
+                  <a:lumMod val="25000"/>
+                </a:schemeClr>
+              </a:gs>
+              <a:gs pos="100000">
+                <a:schemeClr val="bg2">
+                  <a:lumMod val="25000"/>
+                </a:schemeClr>
+              </a:gs>
+            </a:gsLst>
+            <a:lin ang="4200000" scaled="0"/>
+          </a:gradFill>
+          <a:ln>
+            <a:noFill/>
+          </a:ln>
+        </p:spPr>
+        <p:style>
+          <a:lnRef idx="2">
+            <a:schemeClr val="accent1">
+              <a:shade val="50000"/>
+            </a:schemeClr>
+          </a:lnRef>
+          <a:fillRef idx="1">
+            <a:schemeClr val="accent1"/>
+          </a:fillRef>
+          <a:effectRef idx="0">
+            <a:schemeClr val="accent1"/>
+          </a:effectRef>
+          <a:fontRef idx="minor">
+            <a:schemeClr val="lt1"/>
+          </a:fontRef>
+        </p:style>
+        <p:txBody>
+          <a:bodyPr rtlCol="0" anchor="ctr"/>
+          <a:lstStyle/>
+          <a:p>
+            <a:pPr algn="ctr"/>
+            <a:endParaRPr lang="en-US"/>
+          </a:p>
+        </p:txBody>
+      </p:sp>
+      <p:pic>
+        <p:nvPicPr>
+          <p:cNvPr id="25" name="Picture 24">
+            <a:extLst>
+              <a:ext uri="{FF2B5EF4-FFF2-40B4-BE49-F238E27FC236}">
+                <a16:creationId xmlns:a16="http://schemas.microsoft.com/office/drawing/2014/main" id="{2897127E-6CEF-446C-BE87-93B7C46E49D1}"/>
+              </a:ext>
+              <a:ext uri="{C183D7F6-B498-43B3-948B-1728B52AA6E4}">
+                <adec:decorative xmlns:adec="http://schemas.microsoft.com/office/drawing/2017/decorative" val="1"/>
+              </a:ext>
+            </a:extLst>
+          </p:cNvPr>
+          <p:cNvPicPr>
+            <a:picLocks noGrp="1" noRot="1" noChangeAspect="1" noMove="1" noResize="1" noEditPoints="1" noAdjustHandles="1" noChangeArrowheads="1" noChangeShapeType="1" noCrop="1"/>
+          </p:cNvPicPr>
+          <p:nvPr>
+            <p:extLst>
+              <p:ext uri="{386F3935-93C4-4BCD-93E2-E3B085C9AB24}">
+                <p16:designElem xmlns:p16="http://schemas.microsoft.com/office/powerpoint/2015/main" val="1"/>
+              </p:ext>
+            </p:extLst>
+          </p:nvPr>
+        </p:nvPicPr>
+        <p:blipFill>
+          <a:blip r:embed="rId2">
+            <a:extLst>
+              <a:ext uri="{28A0092B-C50C-407E-A947-70E740481C1C}">
+                <a14:useLocalDpi xmlns:a14="http://schemas.microsoft.com/office/drawing/2010/main" val="0"/>
+              </a:ext>
+            </a:extLst>
+          </a:blip>
+          <a:stretch>
+            <a:fillRect/>
+          </a:stretch>
+        </p:blipFill>
+        <p:spPr>
+          <a:xfrm>
+            <a:off x="0" y="0"/>
+            <a:ext cx="12192000" cy="6858000"/>
+          </a:xfrm>
+          <a:prstGeom prst="rect">
+            <a:avLst/>
+          </a:prstGeom>
+        </p:spPr>
+      </p:pic>
       <p:sp>
         <p:nvSpPr>
           <p:cNvPr id="2" name="Title 1">
@@ -6807,16 +7005,31 @@
             <p:ph type="title"/>
           </p:nvPr>
         </p:nvSpPr>
-        <p:spPr/>
-        <p:txBody>
-          <a:bodyPr/>
+        <p:spPr>
+          <a:xfrm>
+            <a:off x="640079" y="2053641"/>
+            <a:ext cx="3669161" cy="2760098"/>
+          </a:xfrm>
+        </p:spPr>
+        <p:txBody>
+          <a:bodyPr>
+            <a:normAutofit/>
+          </a:bodyPr>
           <a:lstStyle/>
           <a:p>
             <a:r>
-              <a:rPr lang="en-US" dirty="0"/>
-              <a:t>Assumptions</a:t>
-            </a:r>
-            <a:endParaRPr lang="it-IT" dirty="0"/>
+              <a:rPr lang="en-US">
+                <a:solidFill>
+                  <a:srgbClr val="FFFFFF"/>
+                </a:solidFill>
+              </a:rPr>
+              <a:t>The main, biggest assumption</a:t>
+            </a:r>
+            <a:endParaRPr lang="it-IT">
+              <a:solidFill>
+                <a:srgbClr val="FFFFFF"/>
+              </a:solidFill>
+            </a:endParaRPr>
           </a:p>
         </p:txBody>
       </p:sp>
@@ -6836,27 +7049,88 @@
             <p:ph idx="1"/>
           </p:nvPr>
         </p:nvSpPr>
-        <p:spPr/>
-        <p:txBody>
-          <a:bodyPr/>
+        <p:spPr>
+          <a:xfrm>
+            <a:off x="6090574" y="801866"/>
+            <a:ext cx="5306084" cy="5230634"/>
+          </a:xfrm>
+        </p:spPr>
+        <p:txBody>
+          <a:bodyPr anchor="ctr">
+            <a:normAutofit/>
+          </a:bodyPr>
           <a:lstStyle/>
           <a:p>
-            <a:r>
-              <a:rPr lang="en-US" dirty="0"/>
-              <a:t>The CA is trusted and its public key is pinned somewhere</a:t>
+            <a:endParaRPr lang="en-US" sz="2400" dirty="0">
+              <a:solidFill>
+                <a:srgbClr val="000000"/>
+              </a:solidFill>
+            </a:endParaRPr>
+          </a:p>
+          <a:p>
+            <a:endParaRPr lang="en-US" sz="2400" dirty="0">
+              <a:solidFill>
+                <a:srgbClr val="000000"/>
+              </a:solidFill>
+            </a:endParaRPr>
+          </a:p>
+          <a:p>
+            <a:r>
+              <a:rPr lang="en-US" sz="2400" dirty="0">
+                <a:solidFill>
+                  <a:srgbClr val="000000"/>
+                </a:solidFill>
+              </a:rPr>
+              <a:t>The CA is </a:t>
+            </a:r>
+            <a:r>
+              <a:rPr lang="en-US" sz="2400" b="1" dirty="0">
+                <a:solidFill>
+                  <a:srgbClr val="000000"/>
+                </a:solidFill>
+              </a:rPr>
+              <a:t>trusted</a:t>
+            </a:r>
+            <a:r>
+              <a:rPr lang="en-US" sz="2400" dirty="0">
+                <a:solidFill>
+                  <a:srgbClr val="000000"/>
+                </a:solidFill>
+              </a:rPr>
+              <a:t> and its public key is pinned somewhere </a:t>
+            </a:r>
+            <a:r>
+              <a:rPr lang="en-US" sz="2400" b="1" dirty="0">
+                <a:solidFill>
+                  <a:srgbClr val="000000"/>
+                </a:solidFill>
+              </a:rPr>
+              <a:t>in a secure place</a:t>
             </a:r>
           </a:p>
           <a:p>
             <a:pPr lvl="1"/>
             <a:r>
-              <a:rPr lang="en-US" dirty="0"/>
+              <a:rPr lang="en-US" dirty="0">
+                <a:solidFill>
+                  <a:srgbClr val="000000"/>
+                </a:solidFill>
+              </a:rPr>
               <a:t>In the operating system / browser / java </a:t>
             </a:r>
             <a:r>
-              <a:rPr lang="en-US" dirty="0" err="1"/>
+              <a:rPr lang="en-US" dirty="0" err="1">
+                <a:solidFill>
+                  <a:srgbClr val="000000"/>
+                </a:solidFill>
+              </a:rPr>
               <a:t>keystore</a:t>
             </a:r>
-            <a:endParaRPr lang="it-IT" dirty="0"/>
+            <a:endParaRPr lang="it-IT" dirty="0">
+              <a:solidFill>
+                <a:srgbClr val="000000"/>
+              </a:solidFill>
+            </a:endParaRPr>
           </a:p>
         </p:txBody>
       </p:sp>

--- a/slides/ch13-PKI-and-Key-distribution-2020.pptx
+++ b/slides/ch13-PKI-and-Key-distribution-2020.pptx
@@ -248,6 +248,80 @@
 </inkml:ink>
 </file>
 
+<file path=ppt/ink/ink5.xml><?xml version="1.0" encoding="utf-8"?>
+<inkml:ink xmlns:inkml="http://www.w3.org/2003/InkML">
+  <inkml:definitions>
+    <inkml:context xml:id="ctx0">
+      <inkml:inkSource xml:id="inkSrc0">
+        <inkml:traceFormat>
+          <inkml:channel name="X" type="integer" max="13768" units="cm"/>
+          <inkml:channel name="Y" type="integer" max="7744" units="cm"/>
+          <inkml:channel name="T" type="integer" max="2.14748E9" units="dev"/>
+        </inkml:traceFormat>
+        <inkml:channelProperties>
+          <inkml:channelProperty channel="X" name="resolution" value="400" units="1/cm"/>
+          <inkml:channelProperty channel="Y" name="resolution" value="400" units="1/cm"/>
+          <inkml:channelProperty channel="T" name="resolution" value="1" units="1/dev"/>
+        </inkml:channelProperties>
+      </inkml:inkSource>
+      <inkml:timestamp xml:id="ts0" timeString="2020-10-27T07:56:37.453"/>
+    </inkml:context>
+    <inkml:brush xml:id="br0">
+      <inkml:brushProperty name="width" value="0.05292" units="cm"/>
+      <inkml:brushProperty name="height" value="0.05292" units="cm"/>
+    </inkml:brush>
+    <inkml:context xml:id="ctx1">
+      <inkml:inkSource xml:id="inkSrc27">
+        <inkml:traceFormat>
+          <inkml:channel name="X" type="integer" max="3840" units="cm"/>
+          <inkml:channel name="Y" type="integer" max="2160" units="cm"/>
+          <inkml:channel name="T" type="integer" max="2.14748E9" units="dev"/>
+        </inkml:traceFormat>
+        <inkml:channelProperties>
+          <inkml:channelProperty channel="X" name="resolution" value="111.62791" units="1/cm"/>
+          <inkml:channelProperty channel="Y" name="resolution" value="111.34021" units="1/cm"/>
+          <inkml:channelProperty channel="T" name="resolution" value="1" units="1/dev"/>
+        </inkml:channelProperties>
+      </inkml:inkSource>
+      <inkml:timestamp xml:id="ts1" timeString="2020-10-27T07:58:57.931"/>
+    </inkml:context>
+  </inkml:definitions>
+  <inkml:trace contextRef="#ctx0" brushRef="#br0">7999 11257 0,'0'0'0,"0"0"0,0 0 16,-29-10-16,4 5 15,-14 3-15,-15 4 16,-20 10-1,-20 13 1,6 12-16,9 10 16,5 7-16,15 5 15,0 10-15,0 17 16,5 12 0,5 18-16,15 9 15,14 1-15,15-1 16,10 6-1,15-1-15,14 3 16,10-3 0,5-7-16,1-7 15,9-11-15,0-9 16,15-5 0,9-4-16,6-9 31,4-9-31,1-10 0,4-15 15,10-7-15,0-12 16,1-8-16,4-5 16,5-4-1,0-6-15,0-4 16,5-8-16,15-10 16,9-14-1,-4-10-15,-5-10 47,-10-3-47,-20 5 0,-15 3 0,-4 5 0,0-5 16,-11-6-1,-14-1-15,-10-3 16,-9 0-16,-11 2 16,-4-4-1,-6-6-15,-4-6 16,-10-1-16,-5 2 15,-10 1 1,0-5-16,-10-8 16,0-2-16,-9 0 15,-11 0 1,-9 5-16,-10 2 16,-15-5-1,-5 3-15,-9 2 16,-16 1-16,-9-1 15,-10 0 1,-10-2-16,-5 2 16,0 10-16,5 8 15,-4 4 1,9 6-16,0 9 16,-15 10-16,-10 12 15,-19 20 1,-54 20-16</inkml:trace>
+  <inkml:trace contextRef="#ctx0" brushRef="#br0" timeOffset="1796.65">8176 12369 0,'0'0'16,"0"0"-16,0 0 16,5 34-16,-5-2 15,5 17 1,5 13-16,5 2 16,0-5-1,-1-5-15,1-10 16,0-4-16,-5-8 15,0-5 1,-1-5-16,1-7 16,-5-6-16,0-1 15</inkml:trace>
+  <inkml:trace contextRef="#ctx0" brushRef="#br0" timeOffset="2437.77">7857 12101 0,'0'0'16,"0"0"-16,0 0 15,0 0-15,0 0 16,0 0 0,0 0-16,0 0 15,44-23-15,-15 11 16,16-5-1,9-3-15,5-2 16,-5 2 0,-5 3-16,-5 2 15,-9 6-15,-1 4 16,1 5 0,-1 5-16,1 4 15,4 6-15,0 7 16,1 10-1,-11 8-15,-9 4 16,-5 0-16,-15-4 16,-5-8-1,-5-3-15,-10-2 16,-9-5-16,-1-2 16,1-3-1,-1-2-15,1-3 16,-1-2-1,1 0-15,-6-5 16,-4-3-16,-1 1 16,-9-6-1,0-2-15</inkml:trace>
+  <inkml:trace contextRef="#ctx0" brushRef="#br0" timeOffset="3196.03">9180 12091 0,'0'0'0,"0"0"16,0 0-16,0 0 15,0 0 1,0 0-16,0 0 15,-30 0-15,16 2 16,-16 3 0,-4 7-16,-15 11 15,-6 6-15,1 8 16,0 5 0,5-3-16,5-2 15,4-5-15,6-5 16,4-2-1,6-3-15,4-5 16,5 0 0,6-2-16,4-3 15,5-2-15,5 2 16,4 3 0,6 2-16,10 1 15,4 1-15,11-1 16,9-1-1,10 0-15,5 0 16,5 0 0,0-4-16,-15-3 15,-5-5-15,-5-3 16,10-4 0</inkml:trace>
+  <inkml:trace contextRef="#ctx0" brushRef="#br0" timeOffset="6090.53">8732 13498 0,'0'0'0,"0"0"0,0 0 16,0 0-1,0 0-15,0 0 16,0 0-16,10 44 16,0-9-1,0 16-15,0 18 16,0 17 0,-1 5-16,1-2 15,0-8-15,0-5 16,0-2-1,-5-5-15,0-8 16,-1-6-16,1-14 16,-5-9-1,5-7-15,-5-5 16,5-8-16,-5-2 16,0-5-1</inkml:trace>
+  <inkml:trace contextRef="#ctx0" brushRef="#br0" timeOffset="6448.06">9273 13370 0,'0'0'16,"0"0"-16,0 0 16,0 0-16,0 0 15,0 0 1,0 44-16,5-2 16,0 27-16,0 22 15,5 15 1,-5 7-16,0 0 15,0-7 1,0-5-16,-5-8 16,5-9-16,0-10 15,-5-6 1,-5 4-16,0 14 16</inkml:trace>
+  <inkml:trace contextRef="#ctx0" brushRef="#br0" timeOffset="8547.27">8895 14912 0,'0'0'0,"0"0"16,0 0-16,-30-22 15,10 3-15,1-4 16,-1-1 0,5 2-16,1 4 15,4 6 1,5 5-16,0 2 16,0 2-16,5 1 15,-5 2 1,5 0-16,0 0 15,0 2-15,0 1 16,0-1 0,0-2-16,0 0 15,0 0 1,25 47-16,-11-20 16,11 3-16,5-3 15,9 0 1,0-5-16,10-5 15,1-2-15,-1-3 16,-5-4 0,0-4-16,1-1 15,-6-1-15,5-4 16,1-3 0,9-2-16,0-3 15,0 0-15,-10-2 16,-4-1-1,-11 3-15,-4 1 16,-1-4 0,-9 3-16,0 1 15,0-1-15,-1 0 16,1 3 0,-5-1-16,5 1 15,-5-1-15,-1 1 16,1 0-1,-5-1-15,5 1 16,-5 0-16,0-1 16,-5-2-1,0 0-15,0 10 16,-5-24-16,-5 7 16,-10-3-1,-4 0-15,-16 1 16,-14-1-1,-20 0-15,-14 3 16,-25 0-16,-10 0 16,5 2-1,19 3-15,26 4 16,23 3-16,11 5 16,9 3-1,6 2-15,9 2 16,0 0-16,6 6 15,4 1 1,-5 4-16,5 4 16,0 0-1,5 0-15,-5-2 16,5-3-16,-5-5 16,5-2-16,0-2 15,0-4 1,0-1-16,0-1 15,0 1 1,0-1-16,0-2 16,0 0-16,0 0 15,0 0 1,0 0-16,0 0 16,0-2-16,0-1 15,0 1 1,0-1-16,0 1 15,0 0 1,0 2-16,0 0 16,0 0-16,0 0 15,0 0 1,10 19-16,-10-2 16,5 8-16,0 9 15,5 18 1,-1 15-16,1 21 15,0 15-15,0 8 16,0-3 0,5-4-16,-6-13 15,6-13 1,-5-14-16,0-14 16,0-9-16,0-4 15,-1-2 1,1-8-16,-5-5 15,0-5-15,0-5 16,0-2 0,0-5-16,-5-2 15,5-3-15</inkml:trace>
+  <inkml:trace contextRef="#ctx0" brushRef="#br0" timeOffset="9573.37">9879 14728 0,'0'0'0,"0"0"15,0 0-15,0 0 16,0 0-16,0 0 16,0 0-1,0 0-15,0 0 16,0 0-1,0 0-15,9 29 16,1 13-16,5 17 16,0 15-1,-5 7-15,-1 3 16,1-1-16,-10-4 16,5-5-1,-5-3-15,0-2 16,5-2-16,-5-8 15,0-8 1,0-6-16,0-11 16,0-4-1,0-8-15,0-5 16,0-5-16,0-2 16,0-3-16,0-2 15,0 0 1,0 0-16,0-2 15,0-1 1,0 1-16,0 1 16,0 1-16,5 0 15,-5 3 1,5 2-16,-5-1 16,5 1-16,0 0 15,-5 2 1,0-2-16,0 0 15,0 0-15,0 2 16,-5 0 0,-5 1-16,0 2 15,0 2 1,-4 2-16,-6 4 16,-5 4-16,1 2 15,-6 3 1,-4 0-16,4-2 15,-4-3-15,-6-3 16,1-2 0,0-4-16,-1-4 15,1-4-15,-5-2 16,4-3 0,-4-3-16,-5-2 15,-5-2-15,-10-6 16,-5-4-1,0-3-15,5-5 16,15 1 0,10-1-16,9 0 15,6 1-15,4 2 16,0-3 0,0-2-16</inkml:trace>
+  <inkml:trace contextRef="#ctx0" brushRef="#br0" timeOffset="11209.22">7212 15092 0,'0'0'0,"0"0"0,0 0 16,-44 12 0,0 3-16,-15 2 15,-20 5 1,-5-2-16,-14-5 15,4-8-15,11-4 16,4-6 0,10 1-16,5-3 15,5 2 1,15 1-16,14 2 16</inkml:trace>
+  <inkml:trace contextRef="#ctx0" brushRef="#br0" timeOffset="11441.96">6528 15296 0,'0'0'15,"0"0"-15,0 0 16,15 49-1,5-2-15,4 15 16,6 9-16,-1 0 16,-4-7-1,5-7-15,-6-3 16,1-2 0</inkml:trace>
+  <inkml:trace contextRef="#ctx0" brushRef="#br0" timeOffset="12190.59">6907 15572 0,'0'0'16,"0"0"-16,0 34 15,10 5 1,0 18-16,0 12 16,4 2-1,1-7-15,-5-7 16,-5-13-16,0-14 16,0-11-1,-5-6-15,0-6 16,0-5-16,0-2 15,0-2 1,0-5-16,0 7 16,-5-47-16,5 7 15,-5-6 1,5-4-16,5-1 16,0 2-16,5 2 15,4 8 1,1 7-16,10 4 15,-1 6 1,6 5-16,4 2 16,-9 6-16,-1 4 15,-9 5 1,-5 2-16,-5 3 16,0 5-16,-5 5 15,-5 9 1,-20 16-16,-14 6 15,-5-1-15,-1-9 16,11-8 0,9-9-16,6-4 15,9-3 1,5-4-16,0-1 16,5 0-16,5 1 15,10 2 1,4 2-16,11 5 15,9 0-15,1 1 16,-6-4 0,-4-1-16,-6-4 15,-9-1-15,0-3 16,0-5 0</inkml:trace>
+  <inkml:trace contextRef="#ctx0" brushRef="#br0" timeOffset="12577.16">7448 15692 0,'0'0'0,"0"0"16,0 0-1,5 30-15,10-1 16,5 8-16,4 2 16,1 1-1,4-8-15,1-8 16,-6-6 0,-4-9-16,-5-4 15,0-5-15,-5-5 16,-1-2-1,1-5-15,0-8 16,0-2-16,-10-5 16,0-5-1,-10-5-15,-5-12 16,-19-15-16</inkml:trace>
+  <inkml:trace contextRef="#ctx0" brushRef="#br0" timeOffset="13201.24">7926 15417 0,'0'0'16,"0"0"-16,0 0 15,-25 0 1,-5 0-16,-4 0 31,-10-3-31,9 3 0,6 0 16,9 0-16,10 3 15,5 2-15,5-5 16,0 0 0,49 51-16,-4-14 15,4 7-15,0 1 16,-5-4 0,-4-4-16,-6-5 15,-14-2 1,0-6-16,-11 1 15,-4-3-15,-5 0 16,0 3 0,-10 2-16,1 3 15,-6-3-15,0-3 16,-5-4 0,1-3-16</inkml:trace>
+  <inkml:trace contextRef="#ctx0" brushRef="#br0" timeOffset="13685.86">8565 15466 0,'0'0'15,"0"0"-15,0 0 16,0 0-16,0 0 16,-29 0-1,-1-3-15,-19 1 16,-10-1-16,-5 1 16,0 0-1,15-1-15,9 1 16,11-1-16,9 1 15,10-1 1,0 1-16,10-1 16,0 1-16,0 2 15,0 0 1,0 0-16,0 0 16,0 0-1,64 0-15,-39 10 16,0 4-16,4 11 15,-4 9 1,-1 13-16,-4 10 16,-5 7-16,0 7 15,-6 13 1,-4 22-16</inkml:trace>
+  <inkml:trace contextRef="#ctx0" brushRef="#br0" timeOffset="34119.12">9820 15660 0,'0'0'0,"0"0"15,0 0-15,0 0 16,0 0-16,0 0 16,0 0-1,-25-15-15,15 13 16,0-1-16,-4 3 16,-6 0-1,0 3-15,0 2 16,-4 0-1,4 2-15,5 1 16,1-1-16,-1 0 16,5 3-1,0 2-15,0 1 16,5 2-16,1-1 16,4 1-1,4 2-15,1 3 16,10 2-16,0 0 15,0-2 1,4-5-16,-4-6 16,-5-1-1,0-6-15,0 1 16,-1-3-16,1-3 16,0 1-1,0-1-15,0-2 16,-5 1-16,0-4 15,0 1 1,0-3-16,-5 0 16,0 0-1,0-2-15,0 12 16,-5-30-16,5 16 16,-5 1-1,0 4-15,0 4 16,-10 2-16,-24 6 15</inkml:trace>
+  <inkml:trace contextRef="#ctx0" brushRef="#br0" timeOffset="35309.24">9884 15862 0,'0'0'0,"0"0"15,0 0 1,0 0-16,0 0 16,0 0-16,0 0 15,0 0 1,0 0-16,29-15 16,-9 8-16,9-3 15,11 0 1,9-2-16,0-1 15,5 1 1,5 2-16,10 0 16,10 3-16,-1 0 15,1 2 1,0 0-16,0 2 16,4 6-16,1-1 15,-1 1 1,-9 2-16,-5 0 15,-10 2-15,0 0 16,-5-2 0,-7 0-16,-10-2 15,-10-1-15,-10 1 16</inkml:trace>
+  <inkml:trace contextRef="#ctx0" brushRef="#br0" timeOffset="45223.3">11699 15412 0,'0'0'0,"0"0"0,0 0 16,0 0 0,0 0-16,0 0 15,0 0-15,0 0 16,0 0-1,0 0-15,12-30 16,-4 1-16,4-13 16,0-7-1,3-1-15,-3 11 16,0 5 0,1 7-16,2 2 15,-3 3-15,3 0 16,2-5-1,0-8-15,0-7 16,0-2-16,1 2 16,-6 8-1,-2 12-15,0 4 16,-3 9-16,0 1 16,1 6-1,-3 2-15,0 0 16,2 2-16,5 6 15,3 6 1,2 11-16,5 7 16,1 7-16,-1 6 15,0-1 1,-2 0-16,-3 0 16,0 1-1,-2-3-15,-3-1 16,0-1-16,-2-6 15,0-4 1,-3-6-16,1-2 16,-1-2-16,1-3 15,-4-2 1,1-3-16,0-2 16,-2-5-16,-3 0 15,0-2 1</inkml:trace>
+  <inkml:trace contextRef="#ctx0" brushRef="#br0" timeOffset="45585.18">12206 15333 0,'0'0'0,"0"0"16,0 0 0,0 0-16,0 0 15,0 0-15,0 0 16,0 0 0,-35-12-16,18 9 15,-5 1-15,-10-1 16,-10-2-1,-5 0-15,-2-2 16,7 0 0,5 2-16,8 2 15,7 3-15,2 3 16,-5 4 0</inkml:trace>
+  <inkml:trace contextRef="#ctx0" brushRef="#br0" timeOffset="46329.22">12088 14671 0,'0'0'16,"0"0"-16,0 0 16,0 0-1,0 0-15,0 0 16,0 0-16,0 0 16,27 47-1,-3-5-15,11 14 16,9 6-16,3-3 15,-1 0 1,-1 2-16,1 3 16,1 5-16,-3 0 15,-2-2 1,-2-8-16,-6-8 16,-4-6-16,-3-11 15,-3-4 1,-4-8-16,-5-8 15,-3-4 1,-5-5-16,-2-5 16,-2-2-16,2-3 15,-1-5 1,1-5-16,3-7 16,-1-7-16,3-6 15,0-7 1,2-4-16,5-9 15,6-1-15,4 2 16,5 2 0,2 8-16,-2 4 15,-3 1 1,-1 2-16,1-5 16,10-9-16</inkml:trace>
+  <inkml:trace contextRef="#ctx0" brushRef="#br0" timeOffset="70058.7">20065 9095 0,'0'0'0,"0"0"16,-52 9-16,-5 6 15,-16 10 1,-21 17-16,-12 14 15,1 15-15,9 16 16,7 13 0,13 9-16,7 11 15,12 6-15,16-8 16,14-13 0,14-11-16,13-8 15,13 0-15,11 5 16,13 3-1,10-3-15,14 0 16,18 2 0,19-2-16,13-5 15,10-7-15,-1-17 16,-2-18 0,-2-10-16,-5-12 15,-1-9-15,-2-8 16,1-8-1,4-4-15,2-8 16,1-7-16,-5-8 16,-8-4-1,-7-8-15,-3-7 16,1-8-16,-8-2 16,-10-2-1,-12-3-15,-10-5 16,-9-7-1,-8-3-15,-8-5 16,-7 1-16,-7-6 16,-8 3-1,-9-3-15,-8-9 16,-15-20-16,-21-17 16,-28-15-1,-25 0-15,-11 17 16,-11 12-1,-2 18-15,-7 19 16,-18 13-16,-9 22 16,-23 27-1,-58 36-15,-80 50 16</inkml:trace>
+  <inkml:trace contextRef="#ctx0" brushRef="#br0" timeOffset="71742.14">19639 9532 0,'0'0'0,"0"0"16,0 0-16,0 0 15,0 0 1,0 0-16,0 0 16,0 27-1,0 8-15,3 19 16,-1 15-16,1 7 15,1 5 1,-1-2-16,2-8 16,0-7-16,0-10 15,-3-14 1,1-8-16,-3-8 16,0-6-16,-3-6 15,1-5 1,-3-4-16,5-3 15,-25-15-15,-2-17 16,-7-22 0,2-13-16,7 1 15,13 2-15,7 3 16,7-1 0,11-2-16,9 3 15,7 7-15,8 7 16,3 10-1,-4 12-15,1 6 16,0 4 0,0 7-16,0 6 15,-3 2-15,3 5 16,-5 2 0,-5 3-16,-7 2 15,-10 3-15,-8-3 16,-7 3-1,-9 7-15,-16 8 16,-14 2 0,-8-3-16,-2-4 15,2-5-15,6-3 16,9-2 0,7-3-16,11 0 15,9-2-15,5 0 16,7 2-1,8 3-15,15 10 16,12 9-16,7 8 16,5 5-1,-2-1-15,0 1 16,-3-3-16,-5-4 16,-9-11-1,-6-4-15,-6-5 16,-4-6-16</inkml:trace>
+  <inkml:trace contextRef="#ctx0" brushRef="#br0" timeOffset="72180.31">20340 9987 0,'0'0'0,"0"0"16,0 0-16,0 0 16,-7 42-1,2-12-15,2 2 16,1 0-16,4 0 15,1-3 1,4 1-16,6-6 16,1-1-16,8-4 15,3-2 1,5-4-16,4-3 16,0-6-16,1 1 15,-3-2 1,-3-3-16,-6 0 15,-4 0-15,-4 0 16,-3 0 0,-4 0-16</inkml:trace>
+  <inkml:trace contextRef="#ctx0" brushRef="#br0" timeOffset="72510.03">20257 9968 0,'0'0'0,"0"0"0,0 0 16,0 0-1,0 0-15,0 0 16,0 0 0,29-3-16,-9 1 15,9-1-15,8 1 16,3-1 0,-1 1-16,-5 0 15,-7-1-15,-7 1 16,-5-1-1</inkml:trace>
+  <inkml:trace contextRef="#ctx0" brushRef="#br0" timeOffset="72711.75">20254 9783 0,'0'0'16,"0"0"-16,0 0 16,0 0-1,0 0-15,0 0 16,44 0-16,6-10 16,43-24-1</inkml:trace>
+  <inkml:trace contextRef="#ctx0" brushRef="#br0" timeOffset="73802.25">20958 9569 0,'0'0'0,"0"0"16,0 0-16,0 0 16,0 0-16,0 0 15,0 27 1,0-12-16,2 5 16,1 7-16,1 7 15,1 6 1,0 1-16,0 1 15,0-2 1,0-3-16,0-5 16,0-3-16,0-4 15,0-3 1,0-3-16,-3-4 16,1-2-16,-1-1 15,0-2 1,-2-3-16,0-2 15,0-3-15,0 1 16,0-1 0,0 1-16,0-1 15,0 1-15,0-1 16,0 1 0,3-1-16,-1-2 15,1 0 1,-1 0-16,1 0 15,-1 0-15,1 0 16,-1 0 0,1 0-16,-3 0 15,0 0-15,0 0 16,0 0 0,0 0-16,0 0 15,0 0-15,0 0 16,0 0-1,0 0-15,0 0 16,0 0-16,-15-49 16,10 37-1,0-3-15,0-2 16,0-3 0,0-7-16,-2-5 15,-1-5-15,1-7 16,2-1-1,3 1-15,2 7 16,2 3-16,6 2 16,1 5-1,4 2-15,1 5 16,4 3-16,1 0 16,1 2-1,0 5-15,-1 1 16,4 1-1,-1 3-15,0 5 16,2 3-16,6 4 16,2 5-1,0 6-15,-5 4 16,-5 2-16,-7 1 16,-8-3-1,-7-5-15,-5 1 16,-7-1-16,-13-2 15,-19-6 1,-25-9-16,-37-14 16,-44-16-16,-14-7 15,-6 3 1</inkml:trace>
+  <inkml:trace contextRef="#ctx0" brushRef="#br0" timeOffset="85895.74">9667 11668 0,'0'0'0,"0"0"0,0 0 16,0 0 0,0 0-16,0 0 15,0 0-15,0 0 16,0 0-1,0 0-15,0 0 16,0 0-16,0 0 16,0 0-1,0 0-15,0 0 32,0 0-32,0 0 0,25-23 15,-16 19-15,1-4 16,5-2-1,5-4-15,4-1 16,1-5-16,9-2 16,11-3-1,-1-2-15,5 0 16,0-2-16,5-3 16,-9 2-1,-1 1-15,0-1 16,1 3-16,-1 3 15,10-1 1,0 3-16,5 0 16,0 0-16,0-3 15,-5 0 1,5 1-16,0-1 16,10 1-1,5-1-15,-5 0 16,0 3-16,0 0 15,-5 2 1,4 1-16,6-1 16,0 3-16,-3 2 15,-4 0 1,-1 3-16,-2 0 16,5-1-16,0 4 15,2 1 1,-2 1-16,-2-1 15,-8 4 1,0-1-16,2 0 16,1 0-16,2 2 15,-5 1 1,-5-1-16,-5 3 16,-5 0-16,-2 0 15,-3 0 1,3 0-16,0 0 15,0 0-15,2 0 16,0 0 0,-4 0-16,-3 3 15,-5-3 1,-3 0-16,-2 0 16,-5 0-16,-2 0 15,-5 0 1,0 0-16,-3 0 15,-2 0-15,0 0 16,-3 0 0,0 0-16,-2 0 15,0-3-15,-2 1 16,-1-1 0,0 1-16,-2 0 15,0-3-15,0 5 16,0 0-1,-27-35-15,5 15 16,-10-2 0,-7 0-16,-5-2 15,-1-1-15,4 0 16,4 3 0,5 3-16,5 1 15,5 4-15,2 1 16,3 1-1,2 2-15,3 0 16,-1 0-16,3 3 16,3 2-1,2 0-15,3 3 16,-1-1 0,3 1-16,0-1 15,0 3-15,3 0 16,2 0-16,-5 0 15,27 8 1,7 2-16,15 7 16,13 5-1,-1 5-15,-7 0 16,-9 0-16,-11 0 16,-4-2-1,-6-1-15,-4-1 16,-5-4-16,-3 1 15,-2-3 1,0-2-16,-3 0 16,-2-1-16,-3-1 15,-4 2 1,-3 2-16,-5 5 16,-10 7-1,-14 6-15,-13 2 16,-4 0-16,-6 2 15,1 5 1,-13 23-16,-15 46 16</inkml:trace>
+  <inkml:trace contextRef="#ctx0" brushRef="#br0" timeOffset="104538.91">13239 10735 0,'0'0'0,"0"0"16,0 0-16,0 0 16,0 0-1,0 0-15,0 0 16,0 0-16,22 25 15,-17-8 1,0 10-16,2 13 16,-2 6-16,-3 8 15,-2 3 1,0 0-16,-2 4 16,-3 3-16,-2 7 15,-3 3 1,-2 0-16,-3 0 15,-2 2 1,-3 10-16,-2 5 16,2 0-16,0-5 15,1 0 1,-3 0-16,-3 1 16,0-4-16,-4 6 15,-6 2 1,-6 7-16,-4 3 15,-1 0 1,4-5-16,0 0 16,10-8-16,5-7 15,5-7 1,2-5-16,3 5 16,0 2-16,-1 0 15,1 1 1,2-3-16,1 2 15,-1 0-15,0-2 16,3-5 0,2-10-16,0-12 15,3-11-15,2-6 16,0-5 0,3-6-16,-1-2 15,1-2-15,-1-3 16,3 1-1,0-3-15,0-1 16,0-1 0,0-1-16,-2-2 15,-3-2-15,-3-1 16,-6-4 0,-13-6-16,-15-9 15,-7-10-15,2-5 16,5-2-1,3-1-15,4 1 16,6 4-16,7 8 16,4 5-1,4 4-15,4 6 16,0 2 0,3 0-16,-1 3 15,3-1-15,0 1 16,0 2-16,3 0 15,-1 0 1,1 0-16,2 0 16,0 2-1,0-2-15,0 0 16,0 0-16,0 0 16,39 54-1,-19-26-15,2-1 16,0 0-1,0 0-15,-2-3 16,0-2-16,-1-2 16,1-3-16,0-2 15,-3-3 1,0 1-16,1-3 16,-1-1-1,0-1-15,0-1 16,3 1-16,0-4 15,2-1 1,0-3-16,0-3 16,5-1-16,3-6 15,1-3 1,4-4-16,4-7 16,3-4-1,2-6-15,3-5 16,0-6-16,2-4 15,0 0-15,0 0 16,-4 5 0,1-1-16,11-6 15</inkml:trace>
+  <inkml:trace contextRef="#ctx1" brushRef="#br0">13203 13652 0</inkml:trace>
+  <inkml:trace contextRef="#ctx1" brushRef="#br0" timeOffset="3314.14">13397 13026 0,'17'-70'63,"19"-54"-63,61-299 47,-62 326-47,-17 0 15,79-388 16,-97 423-15,70-105 0,-52 114-16,-1-36 15,19-105 1,-19 106 0,10-35-16,43-177 15,-52 238 1,0 9-16,8-106 31,-26 124-15,0 9-16,18-45 31,-1 36-31,-17-80 16,0-61 15,0 158-16,-8 9 17,-1 9-17,-9 0 17,9 0-17,-17 18 1,-27 9-1,-44 34 1,-132 72 15,202-107-15,-35 9 0,-96-8 15,114-27-31,-1 0 0,-43 0 15,-9 0 1,0 0 0,44 0-1,9 0-15,0 0 16,-9 0 15,44 0-31,-17 0 16,8 0-16,1 0 15,-1 0 17,9 0 327,-8 0-359,8 0 16,-18-18-16,-17-35 31,44 44-31,0-17 16,0-9-1,0-9-15,0-1 16,9 10-16,-9 9 15,0-1-15,0-26 32,-18 71 186,-17 35-202,0 0 0,0 17-16,-54 89 31,54-124-15,26-17-16,0-9 15,-52 53 1,52-54-1,9 1 17,26-9-1,-8 0-31,-9 0 16,17 0-1,-17 0-15,9 0 16,-10 0-1,10 0-15,9 0 16,-10 0 0,1 0-16,-9 0 15,17 0-15,54 0 16,-54 18-16,0-18 16,54 35-1,-63-26-15,10 9 16,-9 8-16,17 0 15,9 1 1,-18-1 0,10-17 15</inkml:trace>
+  <inkml:trace contextRef="#ctx0" brushRef="#br0" timeOffset="145803.18">13253 13203 0,'0'0'0,"0"0"0,0 0 16,0 0-16,0 0 16,0 0-1,10-30-15,-5 6 16,3-11-16,6-19 15,11-25 1,7-22-16,7-17 16,3-12-16,-3-10 15,1-8 1,-6-12-16,-4-2 16,-3-3-16,-5-5 15,-2 8 1,-3-3-16,-2 15 15,-3 15 1,-2 9-16,-3 11 16,-4 9-16,-1 5 15,-4 3 1,-1 4-16,-4-4 16,-3-3-16,-2 7 15,-1 11 1,1 9-16,2 15 15,0 12-15,3 10 16,0 10 0,2 10-16,0 5 15,0 4 1,0 3-16,0 3 16,0 0-16,0 2 15,-2 0 1,7 0-16,-22 7 15,4 0-15,-4 6 16,-2 1 0,-3 4-16,-10 1 15,-10 8-15,-17 3 16,-27 9 0,-25 8-16,-14 2 15,0-2-15,4-3 16,1-2-1,4-8-15,3-4 16,5-3-16,5-5 16,9-2-1,8-5-15,8-3 16,11-5 0,11-2-16,7-2 15,7-3-15,10-3 16,8-2-1,7 0-15,7 3 16,5-1-16,5 1 16,3-1-1,2 3-15,0 0 16,0 0-16,0 0 16,0 0-1,0 0-15,0 0 16,0 0-16,0 0 15,0 0 1,0 0-16,0 0 16,0 0-1,44-17-15,-44 15 16</inkml:trace>
+  <inkml:trace contextRef="#ctx0" brushRef="#br0" timeOffset="146318.51">11433 9953 0,'0'0'16,"0"0"-16,0 0 16,0 0-16,0 0 15,0 0 1,0 0-16,-27 39 16,3-2-16,-16 20 15,-7 17 1,3 4-16,10-4 15,9-7-15,10-11 16,6-12 0,4-9-16,5-10 15,5-6-15,-5-2 16,4-4 0,1-1-16,5-2 15,-5-3 1,5-2-16,5 0 15,-5-2-15,4-3 16,1 0 0,0 0-16,0-3 15,2 3-15,3 0 16,2 0 0</inkml:trace>
+  <inkml:trace contextRef="#ctx0" brushRef="#br0" timeOffset="151425.57">13605 14775 0,'0'0'0,"0"0"0,0 0 16,0 0-1,0 0-15,0 0 16,0 0-16,0 0 15,35-27 1,-8-3-16,17-17 16,15-19-1,10-13-15,-3-2 16,-4 2-16,2 5 16,0 1-1,7-9-15,13-6 16,2-1-16,5 1 15,5-1 1,7-2-16,5-2 16,5 2-1,3 5-15,-3 4 16,5-1-16,0-3 16,3 2-1,-1 0-15,3 3 16,5-2-16,3-6 15,-6 5 1,-2 3-16,7-2 16,3-4-16,0-1 15,2-1 1,1 3-16,-6 3 16,0-1-16,1-2 15,-1 0 1,-9 10-16,-1 2 15,-4 0 1,-3-2-16,-2-1 16,-3 4-16,-5 6 15,-2 6 1,-5 4-16,-3 5 16,-1 1-16,-11 6 15,-10 11 1,-9 7-16,-6 5 15,-4 5-15,-3 2 16,-2 3 0,-8 2-16,-5 0 15,-4 3-15,-10-1 16,-6 1 0,-6 2-16,-3 2 15,-5 1 1,0-1-16,-3 1 15,-9 0-15,-13-3 16,-19-3 0,-20 1-16,-17-1 15,-10 1-15,-5 0 16,5-1 0,10 1-16,12 0 15,7-1-15,6 1 16,4-1-1,5 4-15,8-1 16,10 0-16,4 2 16,8 1-1,4-1-15,6 3 16,5 0 0,2 0-16,2 0 15,3 0-15,5 0 16,12 3-1,8-1-15,11 1 16,9 2-16,6-3 16,3-2-1,3-2-15,-1-3 16,-7-3 0,-7 3-16,-8 0 15,-7 3-15,-5 2 16,-2 0-1,-3 2-15,0 3 16,-2 0-16,-5 3 16,-3-1-1,-2 0-15,-3 3 16,-2 3-16,-2-1 16,-3 5-1,-3 13-15,-7 11 16,-7 18-16,-12 15 15,-8 5 1,-5 2-16,-2 0 16,-1 3-16,-6 9 15,-8 18 1</inkml:trace>
+  <inkml:trace contextRef="#ctx0" brushRef="#br0" timeOffset="154776.96">19794 11267 0,'0'0'0,"0"0"16,0 0-16,0 0 15,0 0 1,0 0-16,0 0 16,-34 41-1,4-6-15,-14 17 16,-15 12-16,-8 9 16,-1 11-1,1 7-15,3 5 16,-5 10-16,-5 7 15,-7 7 1,-2 1-16,4-3 16,0-7-16,-4-3 15,-13 3 1,0-6-16,-5-4 16,3-5-1,2-5-15,0-7 16,0-5-16,2-6 15,-2 1 1,-2 0-16,-5-5 16,-1-3-16,3-7 15,1-5 1,-1 6-16,-7 3 16,7 4-16,5-1 15,0 1 1,-3-3-16,-1 5 15,1 2-15,6-2 16,2-5 0,0-3-16,2-7 15,3-4-15,5-4 16,0-1 0,-5 1-16,-5 1 15,2-3 1,5-4-16,6-6 15,1 1-15,1-6 16,-3 1 0,1-3-16,9-3 15,0 3 1,3 0-16,-6 3 16,-6 2-16,-4 2 15,4 3-15,4 0 16,5-2-1,7-3-15,3-5 16,3-3 0,2-2-16,5-2 15,2-3-15,3 0 16,2 1 0,0-4-16,-2 1 15,-3-2-15,-2-1 16,-3-2-1,5-1-15,3-1 16,5-3-16,2 0 16,5-3-1,5 1-15,2-1 16,1 1-16,4-1 16,0-2-1,3 2-15,0-2 16,2 0-16,3 0 15,-1 0 1,4 0-16,1 0 16,1 0-1,2 3-15,0-3 16,2 0-16,1 0 16,0 0-1,-1 0-15,3 0 16,0 0-16,0-3 15,0 1 1,0 2-16,0 0 16,0 0-1,0 0-15,0 0 16,20-25-16,-13 18 16,1-3-1,1-2-15,4 0 16,4-3-16,3 0 15,-1-2 1,3 0-16,3-3 16,-3 3-16,0 0 15,0-1 1,-2 4-16,0-1 16,-1 0-16,-1 0 15,-4 0 1,1 1-16,-3 1 15,-2 1-15,0 2 16,-2 3 0,-4 0-16,-1 2 15,-1 2 1,-2 1-16,0 2 16,0 0-16,0 0 15,0 0 1,0 0-16,0 0 15,0 0-15,-56 54 16,24-22 0,-8 10-16,-4 7 15,2 2-15,3 4 16,5-1 0,4-5-16,8-10 15,5-7-15,4-7 16,6-5-1,2-8 17,3-2-32,2-3 0,0 0 0,2-2 15,3 0-15,2 3 16,8 1 0,10 1-16,12 0 15,14 0-15,11 0 16,-3-3-1,0 1-15,-3 1 16,11 4-16,24 4 16</inkml:trace>
+</inkml:ink>
+</file>
+
 <file path=ppt/notesMasters/notesMaster1.xml><?xml version="1.0" encoding="utf-8"?>
 <p:notesMaster xmlns:a="http://schemas.openxmlformats.org/drawingml/2006/main" xmlns:r="http://schemas.openxmlformats.org/officeDocument/2006/relationships" xmlns:p="http://schemas.openxmlformats.org/presentationml/2006/main">
   <p:cSld>
@@ -330,7 +404,7 @@
           <a:p>
             <a:fld id="{762CD6BD-7546-4E5B-AEEF-17BA2030D417}" type="datetimeFigureOut">
               <a:rPr lang="it-IT" smtClean="0"/>
-              <a:t>26/10/2020</a:t>
+              <a:t>27/10/2020</a:t>
             </a:fld>
             <a:endParaRPr lang="it-IT"/>
           </a:p>
@@ -3094,7 +3168,7 @@
           <a:p>
             <a:fld id="{DD268F46-A143-4D49-98F9-74B8259B3C7B}" type="datetimeFigureOut">
               <a:rPr lang="it-IT" smtClean="0"/>
-              <a:t>26/10/2020</a:t>
+              <a:t>27/10/2020</a:t>
             </a:fld>
             <a:endParaRPr lang="it-IT"/>
           </a:p>
@@ -3294,7 +3368,7 @@
           <a:p>
             <a:fld id="{DD268F46-A143-4D49-98F9-74B8259B3C7B}" type="datetimeFigureOut">
               <a:rPr lang="it-IT" smtClean="0"/>
-              <a:t>26/10/2020</a:t>
+              <a:t>27/10/2020</a:t>
             </a:fld>
             <a:endParaRPr lang="it-IT"/>
           </a:p>
@@ -3504,7 +3578,7 @@
           <a:p>
             <a:fld id="{DD268F46-A143-4D49-98F9-74B8259B3C7B}" type="datetimeFigureOut">
               <a:rPr lang="it-IT" smtClean="0"/>
-              <a:t>26/10/2020</a:t>
+              <a:t>27/10/2020</a:t>
             </a:fld>
             <a:endParaRPr lang="it-IT"/>
           </a:p>
@@ -3704,7 +3778,7 @@
           <a:p>
             <a:fld id="{DD268F46-A143-4D49-98F9-74B8259B3C7B}" type="datetimeFigureOut">
               <a:rPr lang="it-IT" smtClean="0"/>
-              <a:t>26/10/2020</a:t>
+              <a:t>27/10/2020</a:t>
             </a:fld>
             <a:endParaRPr lang="it-IT"/>
           </a:p>
@@ -3980,7 +4054,7 @@
           <a:p>
             <a:fld id="{DD268F46-A143-4D49-98F9-74B8259B3C7B}" type="datetimeFigureOut">
               <a:rPr lang="it-IT" smtClean="0"/>
-              <a:t>26/10/2020</a:t>
+              <a:t>27/10/2020</a:t>
             </a:fld>
             <a:endParaRPr lang="it-IT"/>
           </a:p>
@@ -4248,7 +4322,7 @@
           <a:p>
             <a:fld id="{DD268F46-A143-4D49-98F9-74B8259B3C7B}" type="datetimeFigureOut">
               <a:rPr lang="it-IT" smtClean="0"/>
-              <a:t>26/10/2020</a:t>
+              <a:t>27/10/2020</a:t>
             </a:fld>
             <a:endParaRPr lang="it-IT"/>
           </a:p>
@@ -4663,7 +4737,7 @@
           <a:p>
             <a:fld id="{DD268F46-A143-4D49-98F9-74B8259B3C7B}" type="datetimeFigureOut">
               <a:rPr lang="it-IT" smtClean="0"/>
-              <a:t>26/10/2020</a:t>
+              <a:t>27/10/2020</a:t>
             </a:fld>
             <a:endParaRPr lang="it-IT"/>
           </a:p>
@@ -4805,7 +4879,7 @@
           <a:p>
             <a:fld id="{DD268F46-A143-4D49-98F9-74B8259B3C7B}" type="datetimeFigureOut">
               <a:rPr lang="it-IT" smtClean="0"/>
-              <a:t>26/10/2020</a:t>
+              <a:t>27/10/2020</a:t>
             </a:fld>
             <a:endParaRPr lang="it-IT"/>
           </a:p>
@@ -4918,7 +4992,7 @@
           <a:p>
             <a:fld id="{DD268F46-A143-4D49-98F9-74B8259B3C7B}" type="datetimeFigureOut">
               <a:rPr lang="it-IT" smtClean="0"/>
-              <a:t>26/10/2020</a:t>
+              <a:t>27/10/2020</a:t>
             </a:fld>
             <a:endParaRPr lang="it-IT"/>
           </a:p>
@@ -5231,7 +5305,7 @@
           <a:p>
             <a:fld id="{DD268F46-A143-4D49-98F9-74B8259B3C7B}" type="datetimeFigureOut">
               <a:rPr lang="it-IT" smtClean="0"/>
-              <a:t>26/10/2020</a:t>
+              <a:t>27/10/2020</a:t>
             </a:fld>
             <a:endParaRPr lang="it-IT"/>
           </a:p>
@@ -5520,7 +5594,7 @@
           <a:p>
             <a:fld id="{DD268F46-A143-4D49-98F9-74B8259B3C7B}" type="datetimeFigureOut">
               <a:rPr lang="it-IT" smtClean="0"/>
-              <a:t>26/10/2020</a:t>
+              <a:t>27/10/2020</a:t>
             </a:fld>
             <a:endParaRPr lang="it-IT"/>
           </a:p>
@@ -5763,7 +5837,7 @@
           <a:p>
             <a:fld id="{DD268F46-A143-4D49-98F9-74B8259B3C7B}" type="datetimeFigureOut">
               <a:rPr lang="it-IT" smtClean="0"/>
-              <a:t>26/10/2020</a:t>
+              <a:t>27/10/2020</a:t>
             </a:fld>
             <a:endParaRPr lang="it-IT"/>
           </a:p>
@@ -7982,6 +8056,57 @@
           </a:p>
         </p:txBody>
       </p:sp>
+      <mc:AlternateContent xmlns:mc="http://schemas.openxmlformats.org/markup-compatibility/2006">
+        <mc:Choice xmlns:p14="http://schemas.microsoft.com/office/powerpoint/2010/main" Requires="p14">
+          <p:contentPart p14:bwMode="auto" r:id="rId2">
+            <p14:nvContentPartPr>
+              <p14:cNvPr id="4" name="Ink 3">
+                <a:extLst>
+                  <a:ext uri="{FF2B5EF4-FFF2-40B4-BE49-F238E27FC236}">
+                    <a16:creationId xmlns:a16="http://schemas.microsoft.com/office/drawing/2014/main" id="{373198D6-725B-4233-9C8E-35BB61EB8B4A}"/>
+                  </a:ext>
+                </a:extLst>
+              </p14:cNvPr>
+              <p14:cNvContentPartPr/>
+              <p14:nvPr/>
+            </p14:nvContentPartPr>
+            <p14:xfrm>
+              <a:off x="2261520" y="3206880"/>
+              <a:ext cx="5575680" cy="2677320"/>
+            </p14:xfrm>
+          </p:contentPart>
+        </mc:Choice>
+        <mc:Fallback>
+          <p:pic>
+            <p:nvPicPr>
+              <p:cNvPr id="4" name="Ink 3">
+                <a:extLst>
+                  <a:ext uri="{FF2B5EF4-FFF2-40B4-BE49-F238E27FC236}">
+                    <a16:creationId xmlns:a16="http://schemas.microsoft.com/office/drawing/2014/main" id="{373198D6-725B-4233-9C8E-35BB61EB8B4A}"/>
+                  </a:ext>
+                </a:extLst>
+              </p:cNvPr>
+              <p:cNvPicPr/>
+              <p:nvPr/>
+            </p:nvPicPr>
+            <p:blipFill>
+              <a:blip r:embed="rId3"/>
+              <a:stretch>
+                <a:fillRect/>
+              </a:stretch>
+            </p:blipFill>
+            <p:spPr>
+              <a:xfrm>
+                <a:off x="2252160" y="3197520"/>
+                <a:ext cx="5594400" cy="2696040"/>
+              </a:xfrm>
+              <a:prstGeom prst="rect">
+                <a:avLst/>
+              </a:prstGeom>
+            </p:spPr>
+          </p:pic>
+        </mc:Fallback>
+      </mc:AlternateContent>
     </p:spTree>
     <p:extLst>
       <p:ext uri="{BB962C8B-B14F-4D97-AF65-F5344CB8AC3E}">

--- a/slides/ch13-PKI-and-Key-distribution-2020.pptx
+++ b/slides/ch13-PKI-and-Key-distribution-2020.pptx
@@ -5,7 +5,7 @@
     <p:sldMasterId id="2147483648" r:id="rId1"/>
   </p:sldMasterIdLst>
   <p:notesMasterIdLst>
-    <p:notesMasterId r:id="rId28"/>
+    <p:notesMasterId r:id="rId29"/>
   </p:notesMasterIdLst>
   <p:sldIdLst>
     <p:sldId id="256" r:id="rId2"/>
@@ -30,10 +30,11 @@
     <p:sldId id="333" r:id="rId21"/>
     <p:sldId id="329" r:id="rId22"/>
     <p:sldId id="330" r:id="rId23"/>
-    <p:sldId id="331" r:id="rId24"/>
-    <p:sldId id="320" r:id="rId25"/>
-    <p:sldId id="321" r:id="rId26"/>
-    <p:sldId id="339" r:id="rId27"/>
+    <p:sldId id="344" r:id="rId24"/>
+    <p:sldId id="331" r:id="rId25"/>
+    <p:sldId id="320" r:id="rId26"/>
+    <p:sldId id="321" r:id="rId27"/>
+    <p:sldId id="339" r:id="rId28"/>
   </p:sldIdLst>
   <p:sldSz cx="12192000" cy="6858000"/>
   <p:notesSz cx="6858000" cy="9144000"/>
@@ -293,18 +294,18 @@
   <inkml:trace contextRef="#ctx0" brushRef="#br0" timeOffset="6090.53">8732 13498 0,'0'0'0,"0"0"0,0 0 16,0 0-1,0 0-15,0 0 16,0 0-16,10 44 16,0-9-1,0 16-15,0 18 16,0 17 0,-1 5-16,1-2 15,0-8-15,0-5 16,0-2-1,-5-5-15,0-8 16,-1-6-16,1-14 16,-5-9-1,5-7-15,-5-5 16,5-8-16,-5-2 16,0-5-1</inkml:trace>
   <inkml:trace contextRef="#ctx0" brushRef="#br0" timeOffset="6448.06">9273 13370 0,'0'0'16,"0"0"-16,0 0 16,0 0-16,0 0 15,0 0 1,0 44-16,5-2 16,0 27-16,0 22 15,5 15 1,-5 7-16,0 0 15,0-7 1,0-5-16,-5-8 16,5-9-16,0-10 15,-5-6 1,-5 4-16,0 14 16</inkml:trace>
   <inkml:trace contextRef="#ctx0" brushRef="#br0" timeOffset="8547.27">8895 14912 0,'0'0'0,"0"0"16,0 0-16,-30-22 15,10 3-15,1-4 16,-1-1 0,5 2-16,1 4 15,4 6 1,5 5-16,0 2 16,0 2-16,5 1 15,-5 2 1,5 0-16,0 0 15,0 2-15,0 1 16,0-1 0,0-2-16,0 0 15,0 0 1,25 47-16,-11-20 16,11 3-16,5-3 15,9 0 1,0-5-16,10-5 15,1-2-15,-1-3 16,-5-4 0,0-4-16,1-1 15,-6-1-15,5-4 16,1-3 0,9-2-16,0-3 15,0 0-15,-10-2 16,-4-1-1,-11 3-15,-4 1 16,-1-4 0,-9 3-16,0 1 15,0-1-15,-1 0 16,1 3 0,-5-1-16,5 1 15,-5-1-15,-1 1 16,1 0-1,-5-1-15,5 1 16,-5 0-16,0-1 16,-5-2-1,0 0-15,0 10 16,-5-24-16,-5 7 16,-10-3-1,-4 0-15,-16 1 16,-14-1-1,-20 0-15,-14 3 16,-25 0-16,-10 0 16,5 2-1,19 3-15,26 4 16,23 3-16,11 5 16,9 3-1,6 2-15,9 2 16,0 0-16,6 6 15,4 1 1,-5 4-16,5 4 16,0 0-1,5 0-15,-5-2 16,5-3-16,-5-5 16,5-2-16,0-2 15,0-4 1,0-1-16,0-1 15,0 1 1,0-1-16,0-2 16,0 0-16,0 0 15,0 0 1,0 0-16,0 0 16,0-2-16,0-1 15,0 1 1,0-1-16,0 1 15,0 0 1,0 2-16,0 0 16,0 0-16,0 0 15,0 0 1,10 19-16,-10-2 16,5 8-16,0 9 15,5 18 1,-1 15-16,1 21 15,0 15-15,0 8 16,0-3 0,5-4-16,-6-13 15,6-13 1,-5-14-16,0-14 16,0-9-16,0-4 15,-1-2 1,1-8-16,-5-5 15,0-5-15,0-5 16,0-2 0,0-5-16,-5-2 15,5-3-15</inkml:trace>
-  <inkml:trace contextRef="#ctx0" brushRef="#br0" timeOffset="9573.37">9879 14728 0,'0'0'0,"0"0"15,0 0-15,0 0 16,0 0-16,0 0 16,0 0-1,0 0-15,0 0 16,0 0-1,0 0-15,9 29 16,1 13-16,5 17 16,0 15-1,-5 7-15,-1 3 16,1-1-16,-10-4 16,5-5-1,-5-3-15,0-2 16,5-2-16,-5-8 15,0-8 1,0-6-16,0-11 16,0-4-1,0-8-15,0-5 16,0-5-16,0-2 16,0-3-16,0-2 15,0 0 1,0 0-16,0-2 15,0-1 1,0 1-16,0 1 16,0 1-16,5 0 15,-5 3 1,5 2-16,-5-1 16,5 1-16,0 0 15,-5 2 1,0-2-16,0 0 15,0 0-15,0 2 16,-5 0 0,-5 1-16,0 2 15,0 2 1,-4 2-16,-6 4 16,-5 4-16,1 2 15,-6 3 1,-4 0-16,4-2 15,-4-3-15,-6-3 16,1-2 0,0-4-16,-1-4 15,1-4-15,-5-2 16,4-3 0,-4-3-16,-5-2 15,-5-2-15,-10-6 16,-5-4-1,0-3-15,5-5 16,15 1 0,10-1-16,9 0 15,6 1-15,4 2 16,0-3 0,0-2-16</inkml:trace>
+  <inkml:trace contextRef="#ctx0" brushRef="#br0" timeOffset="9573.36">9879 14728 0,'0'0'0,"0"0"15,0 0-15,0 0 16,0 0-16,0 0 16,0 0-1,0 0-15,0 0 16,0 0-1,0 0-15,9 29 16,1 13-16,5 17 16,0 15-1,-5 7-15,-1 3 16,1-1-16,-10-4 16,5-5-1,-5-3-15,0-2 16,5-2-16,-5-8 15,0-8 1,0-6-16,0-11 16,0-4-1,0-8-15,0-5 16,0-5-16,0-2 16,0-3-16,0-2 15,0 0 1,0 0-16,0-2 15,0-1 1,0 1-16,0 1 16,0 1-16,5 0 15,-5 3 1,5 2-16,-5-1 16,5 1-16,0 0 15,-5 2 1,0-2-16,0 0 15,0 0-15,0 2 16,-5 0 0,-5 1-16,0 2 15,0 2 1,-4 2-16,-6 4 16,-5 4-16,1 2 15,-6 3 1,-4 0-16,4-2 15,-4-3-15,-6-3 16,1-2 0,0-4-16,-1-4 15,1-4-15,-5-2 16,4-3 0,-4-3-16,-5-2 15,-5-2-15,-10-6 16,-5-4-1,0-3-15,5-5 16,15 1 0,10-1-16,9 0 15,6 1-15,4 2 16,0-3 0,0-2-16</inkml:trace>
   <inkml:trace contextRef="#ctx0" brushRef="#br0" timeOffset="11209.22">7212 15092 0,'0'0'0,"0"0"0,0 0 16,-44 12 0,0 3-16,-15 2 15,-20 5 1,-5-2-16,-14-5 15,4-8-15,11-4 16,4-6 0,10 1-16,5-3 15,5 2 1,15 1-16,14 2 16</inkml:trace>
   <inkml:trace contextRef="#ctx0" brushRef="#br0" timeOffset="11441.96">6528 15296 0,'0'0'15,"0"0"-15,0 0 16,15 49-1,5-2-15,4 15 16,6 9-16,-1 0 16,-4-7-1,5-7-15,-6-3 16,1-2 0</inkml:trace>
   <inkml:trace contextRef="#ctx0" brushRef="#br0" timeOffset="12190.59">6907 15572 0,'0'0'16,"0"0"-16,0 34 15,10 5 1,0 18-16,0 12 16,4 2-1,1-7-15,-5-7 16,-5-13-16,0-14 16,0-11-1,-5-6-15,0-6 16,0-5-16,0-2 15,0-2 1,0-5-16,0 7 16,-5-47-16,5 7 15,-5-6 1,5-4-16,5-1 16,0 2-16,5 2 15,4 8 1,1 7-16,10 4 15,-1 6 1,6 5-16,4 2 16,-9 6-16,-1 4 15,-9 5 1,-5 2-16,-5 3 16,0 5-16,-5 5 15,-5 9 1,-20 16-16,-14 6 15,-5-1-15,-1-9 16,11-8 0,9-9-16,6-4 15,9-3 1,5-4-16,0-1 16,5 0-16,5 1 15,10 2 1,4 2-16,11 5 15,9 0-15,1 1 16,-6-4 0,-4-1-16,-6-4 15,-9-1-15,0-3 16,0-5 0</inkml:trace>
   <inkml:trace contextRef="#ctx0" brushRef="#br0" timeOffset="12577.16">7448 15692 0,'0'0'0,"0"0"16,0 0-1,5 30-15,10-1 16,5 8-16,4 2 16,1 1-1,4-8-15,1-8 16,-6-6 0,-4-9-16,-5-4 15,0-5-15,-5-5 16,-1-2-1,1-5-15,0-8 16,0-2-16,-10-5 16,0-5-1,-10-5-15,-5-12 16,-19-15-16</inkml:trace>
   <inkml:trace contextRef="#ctx0" brushRef="#br0" timeOffset="13201.24">7926 15417 0,'0'0'16,"0"0"-16,0 0 15,-25 0 1,-5 0-16,-4 0 31,-10-3-31,9 3 0,6 0 16,9 0-16,10 3 15,5 2-15,5-5 16,0 0 0,49 51-16,-4-14 15,4 7-15,0 1 16,-5-4 0,-4-4-16,-6-5 15,-14-2 1,0-6-16,-11 1 15,-4-3-15,-5 0 16,0 3 0,-10 2-16,1 3 15,-6-3-15,0-3 16,-5-4 0,1-3-16</inkml:trace>
-  <inkml:trace contextRef="#ctx0" brushRef="#br0" timeOffset="13685.86">8565 15466 0,'0'0'15,"0"0"-15,0 0 16,0 0-16,0 0 16,-29 0-1,-1-3-15,-19 1 16,-10-1-16,-5 1 16,0 0-1,15-1-15,9 1 16,11-1-16,9 1 15,10-1 1,0 1-16,10-1 16,0 1-16,0 2 15,0 0 1,0 0-16,0 0 16,0 0-1,64 0-15,-39 10 16,0 4-16,4 11 15,-4 9 1,-1 13-16,-4 10 16,-5 7-16,0 7 15,-6 13 1,-4 22-16</inkml:trace>
-  <inkml:trace contextRef="#ctx0" brushRef="#br0" timeOffset="34119.12">9820 15660 0,'0'0'0,"0"0"15,0 0-15,0 0 16,0 0-16,0 0 16,0 0-1,-25-15-15,15 13 16,0-1-16,-4 3 16,-6 0-1,0 3-15,0 2 16,-4 0-1,4 2-15,5 1 16,1-1-16,-1 0 16,5 3-1,0 2-15,0 1 16,5 2-16,1-1 16,4 1-1,4 2-15,1 3 16,10 2-16,0 0 15,0-2 1,4-5-16,-4-6 16,-5-1-1,0-6-15,0 1 16,-1-3-16,1-3 16,0 1-1,0-1-15,0-2 16,-5 1-16,0-4 15,0 1 1,0-3-16,-5 0 16,0 0-1,0-2-15,0 12 16,-5-30-16,5 16 16,-5 1-1,0 4-15,0 4 16,-10 2-16,-24 6 15</inkml:trace>
+  <inkml:trace contextRef="#ctx0" brushRef="#br0" timeOffset="13685.85">8565 15466 0,'0'0'15,"0"0"-15,0 0 16,0 0-16,0 0 16,-29 0-1,-1-3-15,-19 1 16,-10-1-16,-5 1 16,0 0-1,15-1-15,9 1 16,11-1-16,9 1 15,10-1 1,0 1-16,10-1 16,0 1-16,0 2 15,0 0 1,0 0-16,0 0 16,0 0-1,64 0-15,-39 10 16,0 4-16,4 11 15,-4 9 1,-1 13-16,-4 10 16,-5 7-16,0 7 15,-6 13 1,-4 22-16</inkml:trace>
+  <inkml:trace contextRef="#ctx0" brushRef="#br0" timeOffset="34119.11">9820 15660 0,'0'0'0,"0"0"15,0 0-15,0 0 16,0 0-16,0 0 16,0 0-1,-25-15-15,15 13 16,0-1-16,-4 3 16,-6 0-1,0 3-15,0 2 16,-4 0-1,4 2-15,5 1 16,1-1-16,-1 0 16,5 3-1,0 2-15,0 1 16,5 2-16,1-1 16,4 1-1,4 2-15,1 3 16,10 2-16,0 0 15,0-2 1,4-5-16,-4-6 16,-5-1-1,0-6-15,0 1 16,-1-3-16,1-3 16,0 1-1,0-1-15,0-2 16,-5 1-16,0-4 15,0 1 1,0-3-16,-5 0 16,0 0-1,0-2-15,0 12 16,-5-30-16,5 16 16,-5 1-1,0 4-15,0 4 16,-10 2-16,-24 6 15</inkml:trace>
   <inkml:trace contextRef="#ctx0" brushRef="#br0" timeOffset="35309.24">9884 15862 0,'0'0'0,"0"0"15,0 0 1,0 0-16,0 0 16,0 0-16,0 0 15,0 0 1,0 0-16,29-15 16,-9 8-16,9-3 15,11 0 1,9-2-16,0-1 15,5 1 1,5 2-16,10 0 16,10 3-16,-1 0 15,1 2 1,0 0-16,0 2 16,4 6-16,1-1 15,-1 1 1,-9 2-16,-5 0 15,-10 2-15,0 0 16,-5-2 0,-7 0-16,-10-2 15,-10-1-15,-10 1 16</inkml:trace>
   <inkml:trace contextRef="#ctx0" brushRef="#br0" timeOffset="45223.3">11699 15412 0,'0'0'0,"0"0"0,0 0 16,0 0 0,0 0-16,0 0 15,0 0-15,0 0 16,0 0-1,0 0-15,12-30 16,-4 1-16,4-13 16,0-7-1,3-1-15,-3 11 16,0 5 0,1 7-16,2 2 15,-3 3-15,3 0 16,2-5-1,0-8-15,0-7 16,0-2-16,1 2 16,-6 8-1,-2 12-15,0 4 16,-3 9-16,0 1 16,1 6-1,-3 2-15,0 0 16,2 2-16,5 6 15,3 6 1,2 11-16,5 7 16,1 7-16,-1 6 15,0-1 1,-2 0-16,-3 0 16,0 1-1,-2-3-15,-3-1 16,0-1-16,-2-6 15,0-4 1,-3-6-16,1-2 16,-1-2-16,1-3 15,-4-2 1,1-3-16,0-2 16,-2-5-16,-3 0 15,0-2 1</inkml:trace>
   <inkml:trace contextRef="#ctx0" brushRef="#br0" timeOffset="45585.18">12206 15333 0,'0'0'0,"0"0"16,0 0 0,0 0-16,0 0 15,0 0-15,0 0 16,0 0 0,-35-12-16,18 9 15,-5 1-15,-10-1 16,-10-2-1,-5 0-15,-2-2 16,7 0 0,5 2-16,8 2 15,7 3-15,2 3 16,-5 4 0</inkml:trace>
-  <inkml:trace contextRef="#ctx0" brushRef="#br0" timeOffset="46329.22">12088 14671 0,'0'0'16,"0"0"-16,0 0 16,0 0-1,0 0-15,0 0 16,0 0-16,0 0 16,27 47-1,-3-5-15,11 14 16,9 6-16,3-3 15,-1 0 1,-1 2-16,1 3 16,1 5-16,-3 0 15,-2-2 1,-2-8-16,-6-8 16,-4-6-16,-3-11 15,-3-4 1,-4-8-16,-5-8 15,-3-4 1,-5-5-16,-2-5 16,-2-2-16,2-3 15,-1-5 1,1-5-16,3-7 16,-1-7-16,3-6 15,0-7 1,2-4-16,5-9 15,6-1-15,4 2 16,5 2 0,2 8-16,-2 4 15,-3 1 1,-1 2-16,1-5 16,10-9-16</inkml:trace>
+  <inkml:trace contextRef="#ctx0" brushRef="#br0" timeOffset="46329.21">12088 14671 0,'0'0'16,"0"0"-16,0 0 16,0 0-1,0 0-15,0 0 16,0 0-16,0 0 16,27 47-1,-3-5-15,11 14 16,9 6-16,3-3 15,-1 0 1,-1 2-16,1 3 16,1 5-16,-3 0 15,-2-2 1,-2-8-16,-6-8 16,-4-6-16,-3-11 15,-3-4 1,-4-8-16,-5-8 15,-3-4 1,-5-5-16,-2-5 16,-2-2-16,2-3 15,-1-5 1,1-5-16,3-7 16,-1-7-16,3-6 15,0-7 1,2-4-16,5-9 15,6-1-15,4 2 16,5 2 0,2 8-16,-2 4 15,-3 1 1,-1 2-16,1-5 16,10-9-16</inkml:trace>
   <inkml:trace contextRef="#ctx0" brushRef="#br0" timeOffset="70058.7">20065 9095 0,'0'0'0,"0"0"16,-52 9-16,-5 6 15,-16 10 1,-21 17-16,-12 14 15,1 15-15,9 16 16,7 13 0,13 9-16,7 11 15,12 6-15,16-8 16,14-13 0,14-11-16,13-8 15,13 0-15,11 5 16,13 3-1,10-3-15,14 0 16,18 2 0,19-2-16,13-5 15,10-7-15,-1-17 16,-2-18 0,-2-10-16,-5-12 15,-1-9-15,-2-8 16,1-8-1,4-4-15,2-8 16,1-7-16,-5-8 16,-8-4-1,-7-8-15,-3-7 16,1-8-16,-8-2 16,-10-2-1,-12-3-15,-10-5 16,-9-7-1,-8-3-15,-8-5 16,-7 1-16,-7-6 16,-8 3-1,-9-3-15,-8-9 16,-15-20-16,-21-17 16,-28-15-1,-25 0-15,-11 17 16,-11 12-1,-2 18-15,-7 19 16,-18 13-16,-9 22 16,-23 27-1,-58 36-15,-80 50 16</inkml:trace>
   <inkml:trace contextRef="#ctx0" brushRef="#br0" timeOffset="71742.14">19639 9532 0,'0'0'0,"0"0"16,0 0-16,0 0 15,0 0 1,0 0-16,0 0 16,0 27-1,0 8-15,3 19 16,-1 15-16,1 7 15,1 5 1,-1-2-16,2-8 16,0-7-16,0-10 15,-3-14 1,1-8-16,-3-8 16,0-6-16,-3-6 15,1-5 1,-3-4-16,5-3 15,-25-15-15,-2-17 16,-7-22 0,2-13-16,7 1 15,13 2-15,7 3 16,7-1 0,11-2-16,9 3 15,7 7-15,8 7 16,3 10-1,-4 12-15,1 6 16,0 4 0,0 7-16,0 6 15,-3 2-15,3 5 16,-5 2 0,-5 3-16,-7 2 15,-10 3-15,-8-3 16,-7 3-1,-9 7-15,-16 8 16,-14 2 0,-8-3-16,-2-4 15,2-5-15,6-3 16,9-2 0,7-3-16,11 0 15,9-2-15,5 0 16,7 2-1,8 3-15,15 10 16,12 9-16,7 8 16,5 5-1,-2-1-15,0 1 16,-3-3-16,-5-4 16,-9-11-1,-6-4-15,-6-5 16,-4-6-16</inkml:trace>
   <inkml:trace contextRef="#ctx0" brushRef="#br0" timeOffset="72180.31">20340 9987 0,'0'0'0,"0"0"16,0 0-16,0 0 16,-7 42-1,2-12-15,2 2 16,1 0-16,4 0 15,1-3 1,4 1-16,6-6 16,1-1-16,8-4 15,3-2 1,5-4-16,4-3 16,0-6-16,1 1 15,-3-2 1,-3-3-16,-6 0 15,-4 0-15,-4 0 16,-3 0 0,-4 0-16</inkml:trace>
@@ -312,7 +313,7 @@
   <inkml:trace contextRef="#ctx0" brushRef="#br0" timeOffset="72711.75">20254 9783 0,'0'0'16,"0"0"-16,0 0 16,0 0-1,0 0-15,0 0 16,44 0-16,6-10 16,43-24-1</inkml:trace>
   <inkml:trace contextRef="#ctx0" brushRef="#br0" timeOffset="73802.25">20958 9569 0,'0'0'0,"0"0"16,0 0-16,0 0 16,0 0-16,0 0 15,0 27 1,0-12-16,2 5 16,1 7-16,1 7 15,1 6 1,0 1-16,0 1 15,0-2 1,0-3-16,0-5 16,0-3-16,0-4 15,0-3 1,0-3-16,-3-4 16,1-2-16,-1-1 15,0-2 1,-2-3-16,0-2 15,0-3-15,0 1 16,0-1 0,0 1-16,0-1 15,0 1-15,0-1 16,0 1 0,3-1-16,-1-2 15,1 0 1,-1 0-16,1 0 15,-1 0-15,1 0 16,-1 0 0,1 0-16,-3 0 15,0 0-15,0 0 16,0 0 0,0 0-16,0 0 15,0 0-15,0 0 16,0 0-1,0 0-15,0 0 16,0 0-16,-15-49 16,10 37-1,0-3-15,0-2 16,0-3 0,0-7-16,-2-5 15,-1-5-15,1-7 16,2-1-1,3 1-15,2 7 16,2 3-16,6 2 16,1 5-1,4 2-15,1 5 16,4 3-16,1 0 16,1 2-1,0 5-15,-1 1 16,4 1-1,-1 3-15,0 5 16,2 3-16,6 4 16,2 5-1,0 6-15,-5 4 16,-5 2-16,-7 1 16,-8-3-1,-7-5-15,-5 1 16,-7-1-16,-13-2 15,-19-6 1,-25-9-16,-37-14 16,-44-16-16,-14-7 15,-6 3 1</inkml:trace>
   <inkml:trace contextRef="#ctx0" brushRef="#br0" timeOffset="85895.74">9667 11668 0,'0'0'0,"0"0"0,0 0 16,0 0 0,0 0-16,0 0 15,0 0-15,0 0 16,0 0-1,0 0-15,0 0 16,0 0-16,0 0 16,0 0-1,0 0-15,0 0 32,0 0-32,0 0 0,25-23 15,-16 19-15,1-4 16,5-2-1,5-4-15,4-1 16,1-5-16,9-2 16,11-3-1,-1-2-15,5 0 16,0-2-16,5-3 16,-9 2-1,-1 1-15,0-1 16,1 3-16,-1 3 15,10-1 1,0 3-16,5 0 16,0 0-16,0-3 15,-5 0 1,5 1-16,0-1 16,10 1-1,5-1-15,-5 0 16,0 3-16,0 0 15,-5 2 1,4 1-16,6-1 16,0 3-16,-3 2 15,-4 0 1,-1 3-16,-2 0 16,5-1-16,0 4 15,2 1 1,-2 1-16,-2-1 15,-8 4 1,0-1-16,2 0 16,1 0-16,2 2 15,-5 1 1,-5-1-16,-5 3 16,-5 0-16,-2 0 15,-3 0 1,3 0-16,0 0 15,0 0-15,2 0 16,0 0 0,-4 0-16,-3 3 15,-5-3 1,-3 0-16,-2 0 16,-5 0-16,-2 0 15,-5 0 1,0 0-16,-3 0 15,-2 0-15,0 0 16,-3 0 0,0 0-16,-2 0 15,0-3-15,-2 1 16,-1-1 0,0 1-16,-2 0 15,0-3-15,0 5 16,0 0-1,-27-35-15,5 15 16,-10-2 0,-7 0-16,-5-2 15,-1-1-15,4 0 16,4 3 0,5 3-16,5 1 15,5 4-15,2 1 16,3 1-1,2 2-15,3 0 16,-1 0-16,3 3 16,3 2-1,2 0-15,3 3 16,-1-1 0,3 1-16,0-1 15,0 3-15,3 0 16,2 0-16,-5 0 15,27 8 1,7 2-16,15 7 16,13 5-1,-1 5-15,-7 0 16,-9 0-16,-11 0 16,-4-2-1,-6-1-15,-4-1 16,-5-4-16,-3 1 15,-2-3 1,0-2-16,-3 0 16,-2-1-16,-3-1 15,-4 2 1,-3 2-16,-5 5 16,-10 7-1,-14 6-15,-13 2 16,-4 0-16,-6 2 15,1 5 1,-13 23-16,-15 46 16</inkml:trace>
-  <inkml:trace contextRef="#ctx0" brushRef="#br0" timeOffset="104538.91">13239 10735 0,'0'0'0,"0"0"16,0 0-16,0 0 16,0 0-1,0 0-15,0 0 16,0 0-16,22 25 15,-17-8 1,0 10-16,2 13 16,-2 6-16,-3 8 15,-2 3 1,0 0-16,-2 4 16,-3 3-16,-2 7 15,-3 3 1,-2 0-16,-3 0 15,-2 2 1,-3 10-16,-2 5 16,2 0-16,0-5 15,1 0 1,-3 0-16,-3 1 16,0-4-16,-4 6 15,-6 2 1,-6 7-16,-4 3 15,-1 0 1,4-5-16,0 0 16,10-8-16,5-7 15,5-7 1,2-5-16,3 5 16,0 2-16,-1 0 15,1 1 1,2-3-16,1 2 15,-1 0-15,0-2 16,3-5 0,2-10-16,0-12 15,3-11-15,2-6 16,0-5 0,3-6-16,-1-2 15,1-2-15,-1-3 16,3 1-1,0-3-15,0-1 16,0-1 0,0-1-16,-2-2 15,-3-2-15,-3-1 16,-6-4 0,-13-6-16,-15-9 15,-7-10-15,2-5 16,5-2-1,3-1-15,4 1 16,6 4-16,7 8 16,4 5-1,4 4-15,4 6 16,0 2 0,3 0-16,-1 3 15,3-1-15,0 1 16,0 2-16,3 0 15,-1 0 1,1 0-16,2 0 16,0 2-1,0-2-15,0 0 16,0 0-16,0 0 16,39 54-1,-19-26-15,2-1 16,0 0-1,0 0-15,-2-3 16,0-2-16,-1-2 16,1-3-16,0-2 15,-3-3 1,0 1-16,1-3 16,-1-1-1,0-1-15,0-1 16,3 1-16,0-4 15,2-1 1,0-3-16,0-3 16,5-1-16,3-6 15,1-3 1,4-4-16,4-7 16,3-4-1,2-6-15,3-5 16,0-6-16,2-4 15,0 0-15,0 0 16,-4 5 0,1-1-16,11-6 15</inkml:trace>
+  <inkml:trace contextRef="#ctx0" brushRef="#br0" timeOffset="104538.9">13239 10735 0,'0'0'0,"0"0"16,0 0-16,0 0 16,0 0-1,0 0-15,0 0 16,0 0-16,22 25 15,-17-8 1,0 10-16,2 13 16,-2 6-16,-3 8 15,-2 3 1,0 0-16,-2 4 16,-3 3-16,-2 7 15,-3 3 1,-2 0-16,-3 0 15,-2 2 1,-3 10-16,-2 5 16,2 0-16,0-5 15,1 0 1,-3 0-16,-3 1 16,0-4-16,-4 6 15,-6 2 1,-6 7-16,-4 3 15,-1 0 1,4-5-16,0 0 16,10-8-16,5-7 15,5-7 1,2-5-16,3 5 16,0 2-16,-1 0 15,1 1 1,2-3-16,1 2 15,-1 0-15,0-2 16,3-5 0,2-10-16,0-12 15,3-11-15,2-6 16,0-5 0,3-6-16,-1-2 15,1-2-15,-1-3 16,3 1-1,0-3-15,0-1 16,0-1 0,0-1-16,-2-2 15,-3-2-15,-3-1 16,-6-4 0,-13-6-16,-15-9 15,-7-10-15,2-5 16,5-2-1,3-1-15,4 1 16,6 4-16,7 8 16,4 5-1,4 4-15,4 6 16,0 2 0,3 0-16,-1 3 15,3-1-15,0 1 16,0 2-16,3 0 15,-1 0 1,1 0-16,2 0 16,0 2-1,0-2-15,0 0 16,0 0-16,0 0 16,39 54-1,-19-26-15,2-1 16,0 0-1,0 0-15,-2-3 16,0-2-16,-1-2 16,1-3-16,0-2 15,-3-3 1,0 1-16,1-3 16,-1-1-1,0-1-15,0-1 16,3 1-16,0-4 15,2-1 1,0-3-16,0-3 16,5-1-16,3-6 15,1-3 1,4-4-16,4-7 16,3-4-1,2-6-15,3-5 16,0-6-16,2-4 15,0 0-15,0 0 16,-4 5 0,1-1-16,11-6 15</inkml:trace>
   <inkml:trace contextRef="#ctx1" brushRef="#br0">13203 13652 0</inkml:trace>
   <inkml:trace contextRef="#ctx1" brushRef="#br0" timeOffset="3314.14">13397 13026 0,'17'-70'63,"19"-54"-63,61-299 47,-62 326-47,-17 0 15,79-388 16,-97 423-15,70-105 0,-52 114-16,-1-36 15,19-105 1,-19 106 0,10-35-16,43-177 15,-52 238 1,0 9-16,8-106 31,-26 124-15,0 9-16,18-45 31,-1 36-31,-17-80 16,0-61 15,0 158-16,-8 9 17,-1 9-17,-9 0 17,9 0-17,-17 18 1,-27 9-1,-44 34 1,-132 72 15,202-107-15,-35 9 0,-96-8 15,114-27-31,-1 0 0,-43 0 15,-9 0 1,0 0 0,44 0-1,9 0-15,0 0 16,-9 0 15,44 0-31,-17 0 16,8 0-16,1 0 15,-1 0 17,9 0 327,-8 0-359,8 0 16,-18-18-16,-17-35 31,44 44-31,0-17 16,0-9-1,0-9-15,0-1 16,9 10-16,-9 9 15,0-1-15,0-26 32,-18 71 186,-17 35-202,0 0 0,0 17-16,-54 89 31,54-124-15,26-17-16,0-9 15,-52 53 1,52-54-1,9 1 17,26-9-1,-8 0-31,-9 0 16,17 0-1,-17 0-15,9 0 16,-10 0-1,10 0-15,9 0 16,-10 0 0,1 0-16,-9 0 15,17 0-15,54 0 16,-54 18-16,0-18 16,54 35-1,-63-26-15,10 9 16,-9 8-16,17 0 15,9 1 1,-18-1 0,10-17 15</inkml:trace>
   <inkml:trace contextRef="#ctx0" brushRef="#br0" timeOffset="145803.18">13253 13203 0,'0'0'0,"0"0"0,0 0 16,0 0-16,0 0 16,0 0-1,10-30-15,-5 6 16,3-11-16,6-19 15,11-25 1,7-22-16,7-17 16,3-12-16,-3-10 15,1-8 1,-6-12-16,-4-2 16,-3-3-16,-5-5 15,-2 8 1,-3-3-16,-2 15 15,-3 15 1,-2 9-16,-3 11 16,-4 9-16,-1 5 15,-4 3 1,-1 4-16,-4-4 16,-3-3-16,-2 7 15,-1 11 1,1 9-16,2 15 15,0 12-15,3 10 16,0 10 0,2 10-16,0 5 15,0 4 1,0 3-16,0 3 16,0 0-16,0 2 15,-2 0 1,7 0-16,-22 7 15,4 0-15,-4 6 16,-2 1 0,-3 4-16,-10 1 15,-10 8-15,-17 3 16,-27 9 0,-25 8-16,-14 2 15,0-2-15,4-3 16,1-2-1,4-8-15,3-4 16,5-3-16,5-5 16,9-2-1,8-5-15,8-3 16,11-5 0,11-2-16,7-2 15,7-3-15,10-3 16,8-2-1,7 0-15,7 3 16,5-1-16,5 1 16,3-1-1,2 3-15,0 0 16,0 0-16,0 0 16,0 0-1,0 0-15,0 0 16,0 0-16,0 0 15,0 0 1,0 0-16,0 0 16,0 0-1,44-17-15,-44 15 16</inkml:trace>
@@ -404,7 +405,7 @@
           <a:p>
             <a:fld id="{762CD6BD-7546-4E5B-AEEF-17BA2030D417}" type="datetimeFigureOut">
               <a:rPr lang="it-IT" smtClean="0"/>
-              <a:t>27/10/2020</a:t>
+              <a:t>19/10/2021</a:t>
             </a:fld>
             <a:endParaRPr lang="it-IT"/>
           </a:p>
@@ -2729,7 +2730,7 @@
                   <a:spcPct val="0"/>
                 </a:spcBef>
               </a:pPr>
-              <a:t>24</a:t>
+              <a:t>25</a:t>
             </a:fld>
             <a:endParaRPr lang="en-AU" altLang="it-IT"/>
           </a:p>
@@ -3005,7 +3006,7 @@
                   <a:spcPct val="0"/>
                 </a:spcBef>
               </a:pPr>
-              <a:t>25</a:t>
+              <a:t>26</a:t>
             </a:fld>
             <a:endParaRPr lang="en-AU" altLang="it-IT"/>
           </a:p>
@@ -3168,7 +3169,7 @@
           <a:p>
             <a:fld id="{DD268F46-A143-4D49-98F9-74B8259B3C7B}" type="datetimeFigureOut">
               <a:rPr lang="it-IT" smtClean="0"/>
-              <a:t>27/10/2020</a:t>
+              <a:t>19/10/2021</a:t>
             </a:fld>
             <a:endParaRPr lang="it-IT"/>
           </a:p>
@@ -3368,7 +3369,7 @@
           <a:p>
             <a:fld id="{DD268F46-A143-4D49-98F9-74B8259B3C7B}" type="datetimeFigureOut">
               <a:rPr lang="it-IT" smtClean="0"/>
-              <a:t>27/10/2020</a:t>
+              <a:t>19/10/2021</a:t>
             </a:fld>
             <a:endParaRPr lang="it-IT"/>
           </a:p>
@@ -3578,7 +3579,7 @@
           <a:p>
             <a:fld id="{DD268F46-A143-4D49-98F9-74B8259B3C7B}" type="datetimeFigureOut">
               <a:rPr lang="it-IT" smtClean="0"/>
-              <a:t>27/10/2020</a:t>
+              <a:t>19/10/2021</a:t>
             </a:fld>
             <a:endParaRPr lang="it-IT"/>
           </a:p>
@@ -3778,7 +3779,7 @@
           <a:p>
             <a:fld id="{DD268F46-A143-4D49-98F9-74B8259B3C7B}" type="datetimeFigureOut">
               <a:rPr lang="it-IT" smtClean="0"/>
-              <a:t>27/10/2020</a:t>
+              <a:t>19/10/2021</a:t>
             </a:fld>
             <a:endParaRPr lang="it-IT"/>
           </a:p>
@@ -4054,7 +4055,7 @@
           <a:p>
             <a:fld id="{DD268F46-A143-4D49-98F9-74B8259B3C7B}" type="datetimeFigureOut">
               <a:rPr lang="it-IT" smtClean="0"/>
-              <a:t>27/10/2020</a:t>
+              <a:t>19/10/2021</a:t>
             </a:fld>
             <a:endParaRPr lang="it-IT"/>
           </a:p>
@@ -4322,7 +4323,7 @@
           <a:p>
             <a:fld id="{DD268F46-A143-4D49-98F9-74B8259B3C7B}" type="datetimeFigureOut">
               <a:rPr lang="it-IT" smtClean="0"/>
-              <a:t>27/10/2020</a:t>
+              <a:t>19/10/2021</a:t>
             </a:fld>
             <a:endParaRPr lang="it-IT"/>
           </a:p>
@@ -4737,7 +4738,7 @@
           <a:p>
             <a:fld id="{DD268F46-A143-4D49-98F9-74B8259B3C7B}" type="datetimeFigureOut">
               <a:rPr lang="it-IT" smtClean="0"/>
-              <a:t>27/10/2020</a:t>
+              <a:t>19/10/2021</a:t>
             </a:fld>
             <a:endParaRPr lang="it-IT"/>
           </a:p>
@@ -4879,7 +4880,7 @@
           <a:p>
             <a:fld id="{DD268F46-A143-4D49-98F9-74B8259B3C7B}" type="datetimeFigureOut">
               <a:rPr lang="it-IT" smtClean="0"/>
-              <a:t>27/10/2020</a:t>
+              <a:t>19/10/2021</a:t>
             </a:fld>
             <a:endParaRPr lang="it-IT"/>
           </a:p>
@@ -4992,7 +4993,7 @@
           <a:p>
             <a:fld id="{DD268F46-A143-4D49-98F9-74B8259B3C7B}" type="datetimeFigureOut">
               <a:rPr lang="it-IT" smtClean="0"/>
-              <a:t>27/10/2020</a:t>
+              <a:t>19/10/2021</a:t>
             </a:fld>
             <a:endParaRPr lang="it-IT"/>
           </a:p>
@@ -5305,7 +5306,7 @@
           <a:p>
             <a:fld id="{DD268F46-A143-4D49-98F9-74B8259B3C7B}" type="datetimeFigureOut">
               <a:rPr lang="it-IT" smtClean="0"/>
-              <a:t>27/10/2020</a:t>
+              <a:t>19/10/2021</a:t>
             </a:fld>
             <a:endParaRPr lang="it-IT"/>
           </a:p>
@@ -5594,7 +5595,7 @@
           <a:p>
             <a:fld id="{DD268F46-A143-4D49-98F9-74B8259B3C7B}" type="datetimeFigureOut">
               <a:rPr lang="it-IT" smtClean="0"/>
-              <a:t>27/10/2020</a:t>
+              <a:t>19/10/2021</a:t>
             </a:fld>
             <a:endParaRPr lang="it-IT"/>
           </a:p>
@@ -5837,7 +5838,7 @@
           <a:p>
             <a:fld id="{DD268F46-A143-4D49-98F9-74B8259B3C7B}" type="datetimeFigureOut">
               <a:rPr lang="it-IT" smtClean="0"/>
-              <a:t>27/10/2020</a:t>
+              <a:t>19/10/2021</a:t>
             </a:fld>
             <a:endParaRPr lang="it-IT"/>
           </a:p>
@@ -7092,14 +7093,14 @@
           <a:lstStyle/>
           <a:p>
             <a:r>
-              <a:rPr lang="en-US">
+              <a:rPr lang="en-US" dirty="0">
                 <a:solidFill>
                   <a:srgbClr val="FFFFFF"/>
                 </a:solidFill>
               </a:rPr>
               <a:t>The main, biggest assumption</a:t>
             </a:r>
-            <a:endParaRPr lang="it-IT">
+            <a:endParaRPr lang="it-IT" dirty="0">
               <a:solidFill>
                 <a:srgbClr val="FFFFFF"/>
               </a:solidFill>
@@ -7171,14 +7172,30 @@
                   <a:srgbClr val="000000"/>
                 </a:solidFill>
               </a:rPr>
-              <a:t> and its public key is pinned somewhere </a:t>
+              <a:t> and its public key is </a:t>
             </a:r>
             <a:r>
               <a:rPr lang="en-US" sz="2400" b="1" dirty="0">
                 <a:solidFill>
+                  <a:srgbClr val="FF0000"/>
+                </a:solidFill>
+              </a:rPr>
+              <a:t>pinned</a:t>
+            </a:r>
+            <a:r>
+              <a:rPr lang="en-US" sz="2400" dirty="0">
+                <a:solidFill>
                   <a:srgbClr val="000000"/>
                 </a:solidFill>
               </a:rPr>
+              <a:t> somewhere </a:t>
+            </a:r>
+            <a:r>
+              <a:rPr lang="en-US" sz="2400" b="1" dirty="0">
+                <a:solidFill>
+                  <a:srgbClr val="000000"/>
+                </a:solidFill>
+              </a:rPr>
               <a:t>in a secure place</a:t>
             </a:r>
           </a:p>
@@ -7190,15 +7207,7 @@
                   <a:srgbClr val="000000"/>
                 </a:solidFill>
               </a:rPr>
-              <a:t>In the operating system / browser / java </a:t>
-            </a:r>
-            <a:r>
-              <a:rPr lang="en-US" dirty="0" err="1">
-                <a:solidFill>
-                  <a:srgbClr val="000000"/>
-                </a:solidFill>
-              </a:rPr>
-              <a:t>keystore</a:t>
+              <a:t>E.g. in the operating system / browser / java keystore</a:t>
             </a:r>
             <a:endParaRPr lang="it-IT" dirty="0">
               <a:solidFill>
@@ -8056,8 +8065,8 @@
           </a:p>
         </p:txBody>
       </p:sp>
-      <mc:AlternateContent xmlns:mc="http://schemas.openxmlformats.org/markup-compatibility/2006">
-        <mc:Choice xmlns:p14="http://schemas.microsoft.com/office/powerpoint/2010/main" Requires="p14">
+      <mc:AlternateContent xmlns:mc="http://schemas.openxmlformats.org/markup-compatibility/2006" xmlns:p14="http://schemas.microsoft.com/office/powerpoint/2010/main">
+        <mc:Choice Requires="p14">
           <p:contentPart p14:bwMode="auto" r:id="rId2">
             <p14:nvContentPartPr>
               <p14:cNvPr id="4" name="Ink 3">
@@ -8076,7 +8085,7 @@
             </p14:xfrm>
           </p:contentPart>
         </mc:Choice>
-        <mc:Fallback>
+        <mc:Fallback xmlns="">
           <p:pic>
             <p:nvPicPr>
               <p:cNvPr id="4" name="Ink 3">
@@ -9413,10 +9422,10 @@
       </p:grpSpPr>
       <p:sp>
         <p:nvSpPr>
-          <p:cNvPr id="57346" name="Titolo 1">
-            <a:extLst>
-              <a:ext uri="{FF2B5EF4-FFF2-40B4-BE49-F238E27FC236}">
-                <a16:creationId xmlns:a16="http://schemas.microsoft.com/office/drawing/2014/main" id="{397BC71E-38D7-4B04-86CF-D378199F21D6}"/>
+          <p:cNvPr id="2" name="Title 1">
+            <a:extLst>
+              <a:ext uri="{FF2B5EF4-FFF2-40B4-BE49-F238E27FC236}">
+                <a16:creationId xmlns:a16="http://schemas.microsoft.com/office/drawing/2014/main" id="{9C867D60-A375-49EA-9B9B-66966548488F}"/>
               </a:ext>
             </a:extLst>
           </p:cNvPr>
@@ -9433,18 +9442,19 @@
           <a:lstStyle/>
           <a:p>
             <a:r>
-              <a:rPr lang="it-IT" altLang="it-IT"/>
-              <a:t>Extended key usages</a:t>
-            </a:r>
-          </a:p>
-        </p:txBody>
-      </p:sp>
-      <p:sp>
-        <p:nvSpPr>
-          <p:cNvPr id="57347" name="Segnaposto contenuto 2">
-            <a:extLst>
-              <a:ext uri="{FF2B5EF4-FFF2-40B4-BE49-F238E27FC236}">
-                <a16:creationId xmlns:a16="http://schemas.microsoft.com/office/drawing/2014/main" id="{F2B8323A-AF25-43B3-9807-A30CC415C73F}"/>
+              <a:rPr lang="en-US" dirty="0"/>
+              <a:t>Other known PKIs – Usages	</a:t>
+            </a:r>
+            <a:endParaRPr lang="it-IT" dirty="0"/>
+          </a:p>
+        </p:txBody>
+      </p:sp>
+      <p:sp>
+        <p:nvSpPr>
+          <p:cNvPr id="3" name="Content Placeholder 2">
+            <a:extLst>
+              <a:ext uri="{FF2B5EF4-FFF2-40B4-BE49-F238E27FC236}">
+                <a16:creationId xmlns:a16="http://schemas.microsoft.com/office/drawing/2014/main" id="{033B3825-AEB2-43F6-A04F-DA779948FFD4}"/>
               </a:ext>
             </a:extLst>
           </p:cNvPr>
@@ -9457,130 +9467,35 @@
         </p:nvSpPr>
         <p:spPr/>
         <p:txBody>
-          <a:bodyPr>
-            <a:normAutofit lnSpcReduction="10000"/>
-          </a:bodyPr>
+          <a:bodyPr/>
           <a:lstStyle/>
           <a:p>
             <a:r>
-              <a:rPr lang="it-IT" altLang="it-IT" sz="1600">
-                <a:latin typeface="Courier New" panose="02070309020205020404" pitchFamily="49" charset="0"/>
-                <a:cs typeface="Courier New" panose="02070309020205020404" pitchFamily="49" charset="0"/>
-              </a:rPr>
-              <a:t>Value                  Meaning</a:t>
-            </a:r>
-          </a:p>
-          <a:p>
-            <a:r>
-              <a:rPr lang="it-IT" altLang="it-IT" sz="1600">
-                <a:latin typeface="Courier New" panose="02070309020205020404" pitchFamily="49" charset="0"/>
-                <a:cs typeface="Courier New" panose="02070309020205020404" pitchFamily="49" charset="0"/>
-              </a:rPr>
-              <a:t> -----                  -------</a:t>
-            </a:r>
-          </a:p>
-          <a:p>
-            <a:r>
-              <a:rPr lang="it-IT" altLang="it-IT" sz="1600">
-                <a:latin typeface="Courier New" panose="02070309020205020404" pitchFamily="49" charset="0"/>
-                <a:cs typeface="Courier New" panose="02070309020205020404" pitchFamily="49" charset="0"/>
-              </a:rPr>
-              <a:t> serverAuth             SSL/TLS Web Server Authentication.</a:t>
-            </a:r>
-          </a:p>
-          <a:p>
-            <a:r>
-              <a:rPr lang="it-IT" altLang="it-IT" sz="1600">
-                <a:latin typeface="Courier New" panose="02070309020205020404" pitchFamily="49" charset="0"/>
-                <a:cs typeface="Courier New" panose="02070309020205020404" pitchFamily="49" charset="0"/>
-              </a:rPr>
-              <a:t> clientAuth             SSL/TLS Web Client Authentication.</a:t>
-            </a:r>
-          </a:p>
-          <a:p>
-            <a:r>
-              <a:rPr lang="it-IT" altLang="it-IT" sz="1600">
-                <a:latin typeface="Courier New" panose="02070309020205020404" pitchFamily="49" charset="0"/>
-                <a:cs typeface="Courier New" panose="02070309020205020404" pitchFamily="49" charset="0"/>
-              </a:rPr>
-              <a:t> codeSigning            Code signing.</a:t>
-            </a:r>
-          </a:p>
-          <a:p>
-            <a:r>
-              <a:rPr lang="it-IT" altLang="it-IT" sz="1600">
-                <a:latin typeface="Courier New" panose="02070309020205020404" pitchFamily="49" charset="0"/>
-                <a:cs typeface="Courier New" panose="02070309020205020404" pitchFamily="49" charset="0"/>
-              </a:rPr>
-              <a:t> emailProtection        E-mail Protection (S/MIME).</a:t>
-            </a:r>
-          </a:p>
-          <a:p>
-            <a:r>
-              <a:rPr lang="it-IT" altLang="it-IT" sz="1600">
-                <a:latin typeface="Courier New" panose="02070309020205020404" pitchFamily="49" charset="0"/>
-                <a:cs typeface="Courier New" panose="02070309020205020404" pitchFamily="49" charset="0"/>
-              </a:rPr>
-              <a:t> timeStamping           Trusted Timestamping</a:t>
-            </a:r>
-          </a:p>
-          <a:p>
-            <a:r>
-              <a:rPr lang="it-IT" altLang="it-IT" sz="1600">
-                <a:latin typeface="Courier New" panose="02070309020205020404" pitchFamily="49" charset="0"/>
-                <a:cs typeface="Courier New" panose="02070309020205020404" pitchFamily="49" charset="0"/>
-              </a:rPr>
-              <a:t> OCSPSigning            OCSP Signing</a:t>
-            </a:r>
-          </a:p>
-          <a:p>
-            <a:r>
-              <a:rPr lang="it-IT" altLang="it-IT" sz="1600">
-                <a:latin typeface="Courier New" panose="02070309020205020404" pitchFamily="49" charset="0"/>
-                <a:cs typeface="Courier New" panose="02070309020205020404" pitchFamily="49" charset="0"/>
-              </a:rPr>
-              <a:t> ipsecIKE               ipsec Internet Key Exchange</a:t>
-            </a:r>
-          </a:p>
-          <a:p>
-            <a:r>
-              <a:rPr lang="it-IT" altLang="it-IT" sz="1600">
-                <a:latin typeface="Courier New" panose="02070309020205020404" pitchFamily="49" charset="0"/>
-                <a:cs typeface="Courier New" panose="02070309020205020404" pitchFamily="49" charset="0"/>
-              </a:rPr>
-              <a:t> msCodeInd              Microsoft Individual Code Signing (authenticode)</a:t>
-            </a:r>
-          </a:p>
-          <a:p>
-            <a:r>
-              <a:rPr lang="it-IT" altLang="it-IT" sz="1600">
-                <a:latin typeface="Courier New" panose="02070309020205020404" pitchFamily="49" charset="0"/>
-                <a:cs typeface="Courier New" panose="02070309020205020404" pitchFamily="49" charset="0"/>
-              </a:rPr>
-              <a:t> msCodeCom              Microsoft Commercial Code Signing (authenticode)</a:t>
-            </a:r>
-          </a:p>
-          <a:p>
-            <a:r>
-              <a:rPr lang="it-IT" altLang="it-IT" sz="1600">
-                <a:latin typeface="Courier New" panose="02070309020205020404" pitchFamily="49" charset="0"/>
-                <a:cs typeface="Courier New" panose="02070309020205020404" pitchFamily="49" charset="0"/>
-              </a:rPr>
-              <a:t> msCTLSign              Microsoft Trust List Signing</a:t>
-            </a:r>
-          </a:p>
-          <a:p>
-            <a:r>
-              <a:rPr lang="it-IT" altLang="it-IT" sz="1600">
-                <a:latin typeface="Courier New" panose="02070309020205020404" pitchFamily="49" charset="0"/>
-                <a:cs typeface="Courier New" panose="02070309020205020404" pitchFamily="49" charset="0"/>
-              </a:rPr>
-              <a:t> msEFS                  Microsoft Encrypted File System</a:t>
-            </a:r>
+              <a:rPr lang="en-US" dirty="0"/>
+              <a:t>Code signing</a:t>
+            </a:r>
+          </a:p>
+          <a:p>
+            <a:r>
+              <a:rPr lang="en-US" dirty="0"/>
+              <a:t>Public administration</a:t>
+            </a:r>
+          </a:p>
+          <a:p>
+            <a:r>
+              <a:rPr lang="en-US" dirty="0"/>
+              <a:t>Digital Rights Management</a:t>
+            </a:r>
+            <a:endParaRPr lang="it-IT" dirty="0"/>
           </a:p>
         </p:txBody>
       </p:sp>
     </p:spTree>
+    <p:extLst>
+      <p:ext uri="{BB962C8B-B14F-4D97-AF65-F5344CB8AC3E}">
+        <p14:creationId xmlns:p14="http://schemas.microsoft.com/office/powerpoint/2010/main" val="1678698923"/>
+      </p:ext>
+    </p:extLst>
   </p:cSld>
   <p:clrMapOvr>
     <a:masterClrMapping/>
@@ -9607,10 +9522,10 @@
       </p:grpSpPr>
       <p:sp>
         <p:nvSpPr>
-          <p:cNvPr id="82946" name="Titolo 1">
-            <a:extLst>
-              <a:ext uri="{FF2B5EF4-FFF2-40B4-BE49-F238E27FC236}">
-                <a16:creationId xmlns:a16="http://schemas.microsoft.com/office/drawing/2014/main" id="{854CAB9A-452E-4344-8F6C-CB6FDF99A009}"/>
+          <p:cNvPr id="57346" name="Titolo 1">
+            <a:extLst>
+              <a:ext uri="{FF2B5EF4-FFF2-40B4-BE49-F238E27FC236}">
+                <a16:creationId xmlns:a16="http://schemas.microsoft.com/office/drawing/2014/main" id="{397BC71E-38D7-4B04-86CF-D378199F21D6}"/>
               </a:ext>
             </a:extLst>
           </p:cNvPr>
@@ -9626,99 +9541,19 @@
           <a:bodyPr/>
           <a:lstStyle/>
           <a:p>
-            <a:pPr eaLnBrk="1" hangingPunct="1"/>
-            <a:r>
-              <a:rPr lang="it-IT" altLang="it-IT" dirty="0">
-                <a:ea typeface="MS PGothic" panose="020B0600070205080204" pitchFamily="34" charset="-128"/>
-              </a:rPr>
-              <a:t>PKI </a:t>
-            </a:r>
-            <a:r>
-              <a:rPr lang="it-IT" altLang="it-IT" dirty="0" err="1">
-                <a:ea typeface="MS PGothic" panose="020B0600070205080204" pitchFamily="34" charset="-128"/>
-              </a:rPr>
-              <a:t>Assumptions</a:t>
-            </a:r>
-            <a:r>
-              <a:rPr lang="it-IT" altLang="it-IT" dirty="0">
-                <a:ea typeface="MS PGothic" panose="020B0600070205080204" pitchFamily="34" charset="-128"/>
-              </a:rPr>
-              <a:t> and </a:t>
-            </a:r>
-            <a:r>
-              <a:rPr lang="it-IT" altLang="it-IT" dirty="0" err="1">
-                <a:ea typeface="MS PGothic" panose="020B0600070205080204" pitchFamily="34" charset="-128"/>
-              </a:rPr>
-              <a:t>its</a:t>
-            </a:r>
-            <a:r>
-              <a:rPr lang="it-IT" altLang="it-IT" dirty="0">
-                <a:ea typeface="MS PGothic" panose="020B0600070205080204" pitchFamily="34" charset="-128"/>
-              </a:rPr>
-              <a:t> </a:t>
-            </a:r>
-            <a:r>
-              <a:rPr lang="it-IT" altLang="it-IT" dirty="0" err="1">
-                <a:ea typeface="MS PGothic" panose="020B0600070205080204" pitchFamily="34" charset="-128"/>
-              </a:rPr>
-              <a:t>attack</a:t>
-            </a:r>
-            <a:r>
-              <a:rPr lang="it-IT" altLang="it-IT" dirty="0">
-                <a:ea typeface="MS PGothic" panose="020B0600070205080204" pitchFamily="34" charset="-128"/>
-              </a:rPr>
-              <a:t> </a:t>
-            </a:r>
-            <a:r>
-              <a:rPr lang="it-IT" altLang="it-IT" dirty="0" err="1">
-                <a:ea typeface="MS PGothic" panose="020B0600070205080204" pitchFamily="34" charset="-128"/>
-              </a:rPr>
-              <a:t>surface</a:t>
-            </a:r>
-            <a:br>
-              <a:rPr lang="it-IT" altLang="it-IT" dirty="0">
-                <a:ea typeface="MS PGothic" panose="020B0600070205080204" pitchFamily="34" charset="-128"/>
-              </a:rPr>
-            </a:br>
-            <a:r>
-              <a:rPr lang="it-IT" altLang="it-IT" sz="2400" dirty="0">
-                <a:ea typeface="MS PGothic" panose="020B0600070205080204" pitchFamily="34" charset="-128"/>
-              </a:rPr>
-              <a:t>from </a:t>
-            </a:r>
-            <a:r>
-              <a:rPr lang="it-IT" altLang="it-IT" sz="2400" dirty="0">
-                <a:ea typeface="MS PGothic" panose="020B0600070205080204" pitchFamily="34" charset="-128"/>
-                <a:hlinkClick r:id="rId3"/>
-              </a:rPr>
-              <a:t>«</a:t>
-            </a:r>
-            <a:r>
-              <a:rPr lang="it-IT" altLang="it-IT" sz="2400" dirty="0" err="1">
-                <a:ea typeface="MS PGothic" panose="020B0600070205080204" pitchFamily="34" charset="-128"/>
-                <a:hlinkClick r:id="rId3"/>
-              </a:rPr>
-              <a:t>ten</a:t>
-            </a:r>
-            <a:r>
-              <a:rPr lang="it-IT" altLang="it-IT" sz="2400" dirty="0">
-                <a:ea typeface="MS PGothic" panose="020B0600070205080204" pitchFamily="34" charset="-128"/>
-                <a:hlinkClick r:id="rId3"/>
-              </a:rPr>
-              <a:t> risks of PKI»</a:t>
-            </a:r>
-            <a:endParaRPr lang="it-IT" altLang="it-IT" sz="2400" dirty="0">
-              <a:ea typeface="MS PGothic" panose="020B0600070205080204" pitchFamily="34" charset="-128"/>
-            </a:endParaRPr>
-          </a:p>
-        </p:txBody>
-      </p:sp>
-      <p:sp>
-        <p:nvSpPr>
-          <p:cNvPr id="45059" name="Segnaposto contenuto 2">
-            <a:extLst>
-              <a:ext uri="{FF2B5EF4-FFF2-40B4-BE49-F238E27FC236}">
-                <a16:creationId xmlns:a16="http://schemas.microsoft.com/office/drawing/2014/main" id="{6B9E76DD-15A2-4268-A2E3-C6F6C1057875}"/>
+            <a:r>
+              <a:rPr lang="it-IT" altLang="it-IT"/>
+              <a:t>Extended key usages</a:t>
+            </a:r>
+          </a:p>
+        </p:txBody>
+      </p:sp>
+      <p:sp>
+        <p:nvSpPr>
+          <p:cNvPr id="57347" name="Segnaposto contenuto 2">
+            <a:extLst>
+              <a:ext uri="{FF2B5EF4-FFF2-40B4-BE49-F238E27FC236}">
+                <a16:creationId xmlns:a16="http://schemas.microsoft.com/office/drawing/2014/main" id="{F2B8323A-AF25-43B3-9807-A30CC415C73F}"/>
               </a:ext>
             </a:extLst>
           </p:cNvPr>
@@ -9731,419 +9566,125 @@
         </p:nvSpPr>
         <p:spPr/>
         <p:txBody>
-          <a:bodyPr rtlCol="0">
-            <a:normAutofit/>
+          <a:bodyPr>
+            <a:normAutofit lnSpcReduction="10000"/>
           </a:bodyPr>
           <a:lstStyle/>
           <a:p>
-            <a:pPr marL="514350" indent="-514350">
-              <a:buFont typeface="Franklin Gothic Medium" pitchFamily="34" charset="0"/>
-              <a:buAutoNum type="arabicPeriod"/>
-              <a:defRPr/>
-            </a:pPr>
-            <a:r>
-              <a:rPr lang="it-IT" altLang="it-IT" dirty="0">
-                <a:ea typeface="ＭＳ Ｐゴシック" pitchFamily="34" charset="-128"/>
-              </a:rPr>
-              <a:t>Trust </a:t>
-            </a:r>
-            <a:r>
-              <a:rPr lang="it-IT" altLang="it-IT" dirty="0" err="1">
-                <a:ea typeface="ＭＳ Ｐゴシック" pitchFamily="34" charset="-128"/>
-              </a:rPr>
-              <a:t>your</a:t>
-            </a:r>
-            <a:r>
-              <a:rPr lang="it-IT" altLang="it-IT" dirty="0">
-                <a:ea typeface="ＭＳ Ｐゴシック" pitchFamily="34" charset="-128"/>
-              </a:rPr>
-              <a:t> CA and </a:t>
-            </a:r>
-            <a:r>
-              <a:rPr lang="it-IT" altLang="it-IT" dirty="0" err="1">
-                <a:ea typeface="ＭＳ Ｐゴシック" pitchFamily="34" charset="-128"/>
-              </a:rPr>
-              <a:t>its</a:t>
-            </a:r>
-            <a:r>
-              <a:rPr lang="it-IT" altLang="it-IT" dirty="0">
-                <a:ea typeface="ＭＳ Ｐゴシック" pitchFamily="34" charset="-128"/>
-              </a:rPr>
-              <a:t> CPS (Certificate </a:t>
-            </a:r>
-            <a:r>
-              <a:rPr lang="it-IT" altLang="it-IT" dirty="0" err="1">
-                <a:ea typeface="ＭＳ Ｐゴシック" pitchFamily="34" charset="-128"/>
-              </a:rPr>
-              <a:t>Practice</a:t>
-            </a:r>
-            <a:r>
-              <a:rPr lang="it-IT" altLang="it-IT" dirty="0">
-                <a:ea typeface="ＭＳ Ｐゴシック" pitchFamily="34" charset="-128"/>
-              </a:rPr>
-              <a:t> Statement)</a:t>
-            </a:r>
-          </a:p>
-          <a:p>
-            <a:pPr marL="514350" indent="-514350">
-              <a:buFont typeface="Franklin Gothic Medium" pitchFamily="34" charset="0"/>
-              <a:buAutoNum type="arabicPeriod"/>
-              <a:defRPr/>
-            </a:pPr>
-            <a:r>
-              <a:rPr lang="it-IT" altLang="it-IT" dirty="0">
-                <a:ea typeface="ＭＳ Ｐゴシック" pitchFamily="34" charset="-128"/>
-              </a:rPr>
-              <a:t>Trust </a:t>
-            </a:r>
-            <a:r>
-              <a:rPr lang="it-IT" altLang="it-IT" dirty="0" err="1">
-                <a:ea typeface="ＭＳ Ｐゴシック" pitchFamily="34" charset="-128"/>
-              </a:rPr>
-              <a:t>that</a:t>
-            </a:r>
-            <a:r>
-              <a:rPr lang="it-IT" altLang="it-IT" dirty="0">
-                <a:ea typeface="ＭＳ Ｐゴシック" pitchFamily="34" charset="-128"/>
-              </a:rPr>
-              <a:t> a private </a:t>
-            </a:r>
-            <a:r>
-              <a:rPr lang="it-IT" altLang="it-IT" dirty="0" err="1">
-                <a:ea typeface="ＭＳ Ｐゴシック" pitchFamily="34" charset="-128"/>
-              </a:rPr>
-              <a:t>key</a:t>
-            </a:r>
-            <a:r>
-              <a:rPr lang="it-IT" altLang="it-IT" dirty="0">
-                <a:ea typeface="ＭＳ Ｐゴシック" pitchFamily="34" charset="-128"/>
-              </a:rPr>
-              <a:t> </a:t>
-            </a:r>
-            <a:r>
-              <a:rPr lang="it-IT" altLang="it-IT" dirty="0" err="1">
-                <a:ea typeface="ＭＳ Ｐゴシック" pitchFamily="34" charset="-128"/>
-              </a:rPr>
-              <a:t>will</a:t>
-            </a:r>
-            <a:r>
-              <a:rPr lang="it-IT" altLang="it-IT" dirty="0">
-                <a:ea typeface="ＭＳ Ｐゴシック" pitchFamily="34" charset="-128"/>
-              </a:rPr>
-              <a:t> be </a:t>
-            </a:r>
-            <a:r>
-              <a:rPr lang="it-IT" altLang="it-IT" dirty="0" err="1">
-                <a:ea typeface="ＭＳ Ｐゴシック" pitchFamily="34" charset="-128"/>
-              </a:rPr>
-              <a:t>handled</a:t>
-            </a:r>
-            <a:r>
-              <a:rPr lang="it-IT" altLang="it-IT" dirty="0">
-                <a:ea typeface="ＭＳ Ｐゴシック" pitchFamily="34" charset="-128"/>
-              </a:rPr>
-              <a:t> </a:t>
-            </a:r>
-            <a:r>
-              <a:rPr lang="it-IT" altLang="it-IT" dirty="0" err="1">
-                <a:ea typeface="ＭＳ Ｐゴシック" pitchFamily="34" charset="-128"/>
-              </a:rPr>
-              <a:t>only</a:t>
-            </a:r>
-            <a:r>
-              <a:rPr lang="it-IT" altLang="it-IT" dirty="0">
-                <a:ea typeface="ＭＳ Ｐゴシック" pitchFamily="34" charset="-128"/>
-              </a:rPr>
-              <a:t> by the </a:t>
-            </a:r>
-            <a:r>
-              <a:rPr lang="it-IT" altLang="it-IT" dirty="0" err="1">
-                <a:ea typeface="ＭＳ Ｐゴシック" pitchFamily="34" charset="-128"/>
-              </a:rPr>
-              <a:t>legitimate</a:t>
-            </a:r>
-            <a:r>
-              <a:rPr lang="it-IT" altLang="it-IT" dirty="0">
-                <a:ea typeface="ＭＳ Ｐゴシック" pitchFamily="34" charset="-128"/>
-              </a:rPr>
-              <a:t> </a:t>
-            </a:r>
-            <a:r>
-              <a:rPr lang="it-IT" altLang="it-IT" dirty="0" err="1">
-                <a:ea typeface="ＭＳ Ｐゴシック" pitchFamily="34" charset="-128"/>
-              </a:rPr>
-              <a:t>handler</a:t>
-            </a:r>
-            <a:r>
-              <a:rPr lang="it-IT" altLang="it-IT" dirty="0">
-                <a:ea typeface="ＭＳ Ｐゴシック" pitchFamily="34" charset="-128"/>
-              </a:rPr>
-              <a:t> (</a:t>
-            </a:r>
-            <a:r>
-              <a:rPr lang="it-IT" altLang="it-IT" dirty="0" err="1">
-                <a:ea typeface="ＭＳ Ｐゴシック" pitchFamily="34" charset="-128"/>
-              </a:rPr>
-              <a:t>legal</a:t>
-            </a:r>
-            <a:r>
-              <a:rPr lang="it-IT" altLang="it-IT" dirty="0">
-                <a:ea typeface="ＭＳ Ｐゴシック" pitchFamily="34" charset="-128"/>
-              </a:rPr>
-              <a:t> </a:t>
-            </a:r>
-            <a:r>
-              <a:rPr lang="it-IT" altLang="it-IT" dirty="0" err="1">
-                <a:ea typeface="ＭＳ Ｐゴシック" pitchFamily="34" charset="-128"/>
-              </a:rPr>
-              <a:t>assumptions</a:t>
-            </a:r>
-            <a:r>
-              <a:rPr lang="it-IT" altLang="it-IT" dirty="0">
-                <a:ea typeface="ＭＳ Ｐゴシック" pitchFamily="34" charset="-128"/>
-              </a:rPr>
-              <a:t>)</a:t>
-            </a:r>
-          </a:p>
-          <a:p>
-            <a:pPr marL="514350" indent="-514350">
-              <a:buFont typeface="Franklin Gothic Medium" pitchFamily="34" charset="0"/>
-              <a:buAutoNum type="arabicPeriod"/>
-              <a:defRPr/>
-            </a:pPr>
-            <a:r>
-              <a:rPr lang="it-IT" altLang="it-IT" dirty="0">
-                <a:ea typeface="ＭＳ Ｐゴシック" pitchFamily="34" charset="-128"/>
-              </a:rPr>
-              <a:t>Trust the </a:t>
-            </a:r>
-            <a:r>
-              <a:rPr lang="it-IT" altLang="it-IT" dirty="0" err="1">
-                <a:ea typeface="ＭＳ Ｐゴシック" pitchFamily="34" charset="-128"/>
-              </a:rPr>
-              <a:t>verifying</a:t>
-            </a:r>
-            <a:r>
-              <a:rPr lang="it-IT" altLang="it-IT" dirty="0">
-                <a:ea typeface="ＭＳ Ｐゴシック" pitchFamily="34" charset="-128"/>
-              </a:rPr>
-              <a:t> computer/browser and </a:t>
-            </a:r>
-            <a:r>
-              <a:rPr lang="it-IT" altLang="it-IT" dirty="0" err="1">
-                <a:ea typeface="ＭＳ Ｐゴシック" pitchFamily="34" charset="-128"/>
-              </a:rPr>
-              <a:t>its</a:t>
-            </a:r>
-            <a:r>
-              <a:rPr lang="it-IT" altLang="it-IT" dirty="0">
-                <a:ea typeface="ＭＳ Ｐゴシック" pitchFamily="34" charset="-128"/>
-              </a:rPr>
-              <a:t> </a:t>
-            </a:r>
-            <a:r>
-              <a:rPr lang="it-IT" altLang="it-IT" dirty="0" err="1">
-                <a:ea typeface="ＭＳ Ｐゴシック" pitchFamily="34" charset="-128"/>
-              </a:rPr>
-              <a:t>own</a:t>
-            </a:r>
-            <a:r>
-              <a:rPr lang="it-IT" altLang="it-IT" dirty="0">
-                <a:ea typeface="ＭＳ Ｐゴシック" pitchFamily="34" charset="-128"/>
-              </a:rPr>
-              <a:t> root certificate list</a:t>
-            </a:r>
-          </a:p>
-          <a:p>
-            <a:pPr marL="514350" indent="-514350">
-              <a:buFont typeface="Franklin Gothic Medium" pitchFamily="34" charset="0"/>
-              <a:buAutoNum type="arabicPeriod"/>
-              <a:defRPr/>
-            </a:pPr>
-            <a:r>
-              <a:rPr lang="it-IT" altLang="it-IT" sz="2800" dirty="0">
-                <a:ea typeface="ＭＳ Ｐゴシック" pitchFamily="34" charset="-128"/>
-              </a:rPr>
-              <a:t>The CA </a:t>
-            </a:r>
-            <a:r>
-              <a:rPr lang="it-IT" altLang="it-IT" sz="2800" dirty="0" err="1">
-                <a:ea typeface="ＭＳ Ｐゴシック" pitchFamily="34" charset="-128"/>
-              </a:rPr>
-              <a:t>trusted</a:t>
-            </a:r>
-            <a:r>
-              <a:rPr lang="it-IT" altLang="it-IT" sz="2800" dirty="0">
-                <a:ea typeface="ＭＳ Ｐゴシック" pitchFamily="34" charset="-128"/>
-              </a:rPr>
-              <a:t> list </a:t>
-            </a:r>
-            <a:r>
-              <a:rPr lang="it-IT" altLang="it-IT" sz="2800" dirty="0" err="1">
-                <a:ea typeface="ＭＳ Ｐゴシック" pitchFamily="34" charset="-128"/>
-              </a:rPr>
-              <a:t>is</a:t>
-            </a:r>
-            <a:r>
-              <a:rPr lang="it-IT" altLang="it-IT" sz="2800" dirty="0">
-                <a:ea typeface="ＭＳ Ｐゴシック" pitchFamily="34" charset="-128"/>
-              </a:rPr>
-              <a:t> </a:t>
-            </a:r>
-            <a:r>
-              <a:rPr lang="it-IT" altLang="it-IT" sz="2800" dirty="0" err="1">
-                <a:ea typeface="ＭＳ Ｐゴシック" pitchFamily="34" charset="-128"/>
-              </a:rPr>
-              <a:t>as</a:t>
-            </a:r>
-            <a:r>
-              <a:rPr lang="it-IT" altLang="it-IT" sz="2800" dirty="0">
-                <a:ea typeface="ＭＳ Ｐゴシック" pitchFamily="34" charset="-128"/>
-              </a:rPr>
-              <a:t> </a:t>
-            </a:r>
-            <a:r>
-              <a:rPr lang="it-IT" altLang="it-IT" sz="2800" dirty="0" err="1">
-                <a:ea typeface="ＭＳ Ｐゴシック" pitchFamily="34" charset="-128"/>
-              </a:rPr>
-              <a:t>weak</a:t>
-            </a:r>
-            <a:r>
-              <a:rPr lang="it-IT" altLang="it-IT" sz="2800" dirty="0">
-                <a:ea typeface="ＭＳ Ｐゴシック" pitchFamily="34" charset="-128"/>
-              </a:rPr>
-              <a:t> </a:t>
-            </a:r>
-            <a:r>
-              <a:rPr lang="it-IT" altLang="it-IT" sz="2800" dirty="0" err="1">
-                <a:ea typeface="ＭＳ Ｐゴシック" pitchFamily="34" charset="-128"/>
-              </a:rPr>
-              <a:t>as</a:t>
-            </a:r>
-            <a:r>
-              <a:rPr lang="it-IT" altLang="it-IT" sz="2800" dirty="0">
-                <a:ea typeface="ＭＳ Ｐゴシック" pitchFamily="34" charset="-128"/>
-              </a:rPr>
-              <a:t> the </a:t>
-            </a:r>
-            <a:r>
-              <a:rPr lang="it-IT" altLang="it-IT" sz="2800" dirty="0" err="1">
-                <a:ea typeface="ＭＳ Ｐゴシック" pitchFamily="34" charset="-128"/>
-              </a:rPr>
-              <a:t>weakest</a:t>
-            </a:r>
-            <a:r>
-              <a:rPr lang="it-IT" altLang="it-IT" sz="2800" dirty="0">
-                <a:ea typeface="ＭＳ Ｐゴシック" pitchFamily="34" charset="-128"/>
-              </a:rPr>
-              <a:t> CA in the </a:t>
-            </a:r>
-            <a:r>
-              <a:rPr lang="it-IT" altLang="it-IT" sz="2800" dirty="0" err="1">
-                <a:ea typeface="ＭＳ Ｐゴシック" pitchFamily="34" charset="-128"/>
-              </a:rPr>
-              <a:t>bunch</a:t>
-            </a:r>
-            <a:endParaRPr lang="it-IT" altLang="it-IT" dirty="0">
-              <a:ea typeface="ＭＳ Ｐゴシック" pitchFamily="34" charset="-128"/>
-            </a:endParaRPr>
-          </a:p>
-          <a:p>
-            <a:pPr marL="514350" indent="-514350">
-              <a:buFont typeface="Franklin Gothic Medium" pitchFamily="34" charset="0"/>
-              <a:buAutoNum type="arabicPeriod"/>
-              <a:defRPr/>
-            </a:pPr>
-            <a:r>
-              <a:rPr lang="it-IT" altLang="it-IT" dirty="0">
-                <a:ea typeface="ＭＳ Ｐゴシック" pitchFamily="34" charset="-128"/>
-              </a:rPr>
-              <a:t>Trust the </a:t>
-            </a:r>
-            <a:r>
-              <a:rPr lang="it-IT" altLang="it-IT" dirty="0" err="1">
-                <a:ea typeface="ＭＳ Ｐゴシック" pitchFamily="34" charset="-128"/>
-              </a:rPr>
-              <a:t>association</a:t>
-            </a:r>
-            <a:r>
-              <a:rPr lang="it-IT" altLang="it-IT" dirty="0">
-                <a:ea typeface="ＭＳ Ｐゴシック" pitchFamily="34" charset="-128"/>
-              </a:rPr>
-              <a:t> </a:t>
-            </a:r>
-            <a:r>
-              <a:rPr lang="it-IT" altLang="it-IT" dirty="0" err="1">
-                <a:ea typeface="ＭＳ Ｐゴシック" pitchFamily="34" charset="-128"/>
-              </a:rPr>
-              <a:t>between</a:t>
-            </a:r>
-            <a:r>
-              <a:rPr lang="it-IT" altLang="it-IT" dirty="0">
-                <a:ea typeface="ＭＳ Ｐゴシック" pitchFamily="34" charset="-128"/>
-              </a:rPr>
-              <a:t> </a:t>
-            </a:r>
-          </a:p>
-          <a:p>
-            <a:pPr marL="0" indent="0">
-              <a:buNone/>
-              <a:defRPr/>
-            </a:pPr>
-            <a:r>
-              <a:rPr lang="it-IT" altLang="it-IT" dirty="0">
-                <a:ea typeface="ＭＳ Ｐゴシック" pitchFamily="34" charset="-128"/>
-              </a:rPr>
-              <a:t>	Identity</a:t>
-            </a:r>
-            <a:r>
-              <a:rPr lang="it-IT" altLang="it-IT" dirty="0">
-                <a:ea typeface="ＭＳ Ｐゴシック" pitchFamily="34" charset="-128"/>
-                <a:sym typeface="Wingdings" pitchFamily="2" charset="2"/>
-              </a:rPr>
-              <a:t>  </a:t>
-            </a:r>
-            <a:r>
-              <a:rPr lang="it-IT" altLang="it-IT" dirty="0">
-                <a:ea typeface="ＭＳ Ｐゴシック" pitchFamily="34" charset="-128"/>
-              </a:rPr>
-              <a:t>Certificate </a:t>
-            </a:r>
-          </a:p>
-          <a:p>
-            <a:pPr marL="0" indent="0">
-              <a:buNone/>
-              <a:defRPr/>
-            </a:pPr>
-            <a:r>
-              <a:rPr lang="it-IT" altLang="it-IT" dirty="0">
-                <a:ea typeface="ＭＳ Ｐゴシック" pitchFamily="34" charset="-128"/>
-              </a:rPr>
-              <a:t>	(</a:t>
-            </a:r>
-            <a:r>
-              <a:rPr lang="it-IT" altLang="it-IT" dirty="0" err="1">
-                <a:ea typeface="ＭＳ Ｐゴシック" pitchFamily="34" charset="-128"/>
-              </a:rPr>
-              <a:t>homonymies</a:t>
-            </a:r>
-            <a:r>
-              <a:rPr lang="it-IT" altLang="it-IT" dirty="0">
-                <a:ea typeface="ＭＳ Ｐゴシック" pitchFamily="34" charset="-128"/>
-              </a:rPr>
-              <a:t> are </a:t>
-            </a:r>
-            <a:r>
-              <a:rPr lang="it-IT" altLang="it-IT" dirty="0" err="1">
-                <a:ea typeface="ＭＳ Ｐゴシック" pitchFamily="34" charset="-128"/>
-              </a:rPr>
-              <a:t>possible</a:t>
-            </a:r>
-            <a:r>
-              <a:rPr lang="it-IT" altLang="it-IT" dirty="0">
-                <a:ea typeface="ＭＳ Ｐゴシック" pitchFamily="34" charset="-128"/>
-              </a:rPr>
-              <a:t>)</a:t>
+            <a:r>
+              <a:rPr lang="it-IT" altLang="it-IT" sz="1600">
+                <a:latin typeface="Courier New" panose="02070309020205020404" pitchFamily="49" charset="0"/>
+                <a:cs typeface="Courier New" panose="02070309020205020404" pitchFamily="49" charset="0"/>
+              </a:rPr>
+              <a:t>Value                  Meaning</a:t>
+            </a:r>
+          </a:p>
+          <a:p>
+            <a:r>
+              <a:rPr lang="it-IT" altLang="it-IT" sz="1600">
+                <a:latin typeface="Courier New" panose="02070309020205020404" pitchFamily="49" charset="0"/>
+                <a:cs typeface="Courier New" panose="02070309020205020404" pitchFamily="49" charset="0"/>
+              </a:rPr>
+              <a:t> -----                  -------</a:t>
+            </a:r>
+          </a:p>
+          <a:p>
+            <a:r>
+              <a:rPr lang="it-IT" altLang="it-IT" sz="1600">
+                <a:latin typeface="Courier New" panose="02070309020205020404" pitchFamily="49" charset="0"/>
+                <a:cs typeface="Courier New" panose="02070309020205020404" pitchFamily="49" charset="0"/>
+              </a:rPr>
+              <a:t> serverAuth             SSL/TLS Web Server Authentication.</a:t>
+            </a:r>
+          </a:p>
+          <a:p>
+            <a:r>
+              <a:rPr lang="it-IT" altLang="it-IT" sz="1600">
+                <a:latin typeface="Courier New" panose="02070309020205020404" pitchFamily="49" charset="0"/>
+                <a:cs typeface="Courier New" panose="02070309020205020404" pitchFamily="49" charset="0"/>
+              </a:rPr>
+              <a:t> clientAuth             SSL/TLS Web Client Authentication.</a:t>
+            </a:r>
+          </a:p>
+          <a:p>
+            <a:r>
+              <a:rPr lang="it-IT" altLang="it-IT" sz="1600">
+                <a:latin typeface="Courier New" panose="02070309020205020404" pitchFamily="49" charset="0"/>
+                <a:cs typeface="Courier New" panose="02070309020205020404" pitchFamily="49" charset="0"/>
+              </a:rPr>
+              <a:t> codeSigning            Code signing.</a:t>
+            </a:r>
+          </a:p>
+          <a:p>
+            <a:r>
+              <a:rPr lang="it-IT" altLang="it-IT" sz="1600">
+                <a:latin typeface="Courier New" panose="02070309020205020404" pitchFamily="49" charset="0"/>
+                <a:cs typeface="Courier New" panose="02070309020205020404" pitchFamily="49" charset="0"/>
+              </a:rPr>
+              <a:t> emailProtection        E-mail Protection (S/MIME).</a:t>
+            </a:r>
+          </a:p>
+          <a:p>
+            <a:r>
+              <a:rPr lang="it-IT" altLang="it-IT" sz="1600">
+                <a:latin typeface="Courier New" panose="02070309020205020404" pitchFamily="49" charset="0"/>
+                <a:cs typeface="Courier New" panose="02070309020205020404" pitchFamily="49" charset="0"/>
+              </a:rPr>
+              <a:t> timeStamping           Trusted Timestamping</a:t>
+            </a:r>
+          </a:p>
+          <a:p>
+            <a:r>
+              <a:rPr lang="it-IT" altLang="it-IT" sz="1600">
+                <a:latin typeface="Courier New" panose="02070309020205020404" pitchFamily="49" charset="0"/>
+                <a:cs typeface="Courier New" panose="02070309020205020404" pitchFamily="49" charset="0"/>
+              </a:rPr>
+              <a:t> OCSPSigning            OCSP Signing</a:t>
+            </a:r>
+          </a:p>
+          <a:p>
+            <a:r>
+              <a:rPr lang="it-IT" altLang="it-IT" sz="1600">
+                <a:latin typeface="Courier New" panose="02070309020205020404" pitchFamily="49" charset="0"/>
+                <a:cs typeface="Courier New" panose="02070309020205020404" pitchFamily="49" charset="0"/>
+              </a:rPr>
+              <a:t> ipsecIKE               ipsec Internet Key Exchange</a:t>
+            </a:r>
+          </a:p>
+          <a:p>
+            <a:r>
+              <a:rPr lang="it-IT" altLang="it-IT" sz="1600">
+                <a:latin typeface="Courier New" panose="02070309020205020404" pitchFamily="49" charset="0"/>
+                <a:cs typeface="Courier New" panose="02070309020205020404" pitchFamily="49" charset="0"/>
+              </a:rPr>
+              <a:t> msCodeInd              Microsoft Individual Code Signing (authenticode)</a:t>
+            </a:r>
+          </a:p>
+          <a:p>
+            <a:r>
+              <a:rPr lang="it-IT" altLang="it-IT" sz="1600">
+                <a:latin typeface="Courier New" panose="02070309020205020404" pitchFamily="49" charset="0"/>
+                <a:cs typeface="Courier New" panose="02070309020205020404" pitchFamily="49" charset="0"/>
+              </a:rPr>
+              <a:t> msCodeCom              Microsoft Commercial Code Signing (authenticode)</a:t>
+            </a:r>
+          </a:p>
+          <a:p>
+            <a:r>
+              <a:rPr lang="it-IT" altLang="it-IT" sz="1600">
+                <a:latin typeface="Courier New" panose="02070309020205020404" pitchFamily="49" charset="0"/>
+                <a:cs typeface="Courier New" panose="02070309020205020404" pitchFamily="49" charset="0"/>
+              </a:rPr>
+              <a:t> msCTLSign              Microsoft Trust List Signing</a:t>
+            </a:r>
+          </a:p>
+          <a:p>
+            <a:r>
+              <a:rPr lang="it-IT" altLang="it-IT" sz="1600">
+                <a:latin typeface="Courier New" panose="02070309020205020404" pitchFamily="49" charset="0"/>
+                <a:cs typeface="Courier New" panose="02070309020205020404" pitchFamily="49" charset="0"/>
+              </a:rPr>
+              <a:t> msEFS                  Microsoft Encrypted File System</a:t>
             </a:r>
           </a:p>
         </p:txBody>
@@ -10175,10 +9716,10 @@
       </p:grpSpPr>
       <p:sp>
         <p:nvSpPr>
-          <p:cNvPr id="84994" name="Titolo 1">
-            <a:extLst>
-              <a:ext uri="{FF2B5EF4-FFF2-40B4-BE49-F238E27FC236}">
-                <a16:creationId xmlns:a16="http://schemas.microsoft.com/office/drawing/2014/main" id="{AD88CBA9-D587-4A5A-91E0-D6DA5200B6B4}"/>
+          <p:cNvPr id="82946" name="Titolo 1">
+            <a:extLst>
+              <a:ext uri="{FF2B5EF4-FFF2-40B4-BE49-F238E27FC236}">
+                <a16:creationId xmlns:a16="http://schemas.microsoft.com/office/drawing/2014/main" id="{854CAB9A-452E-4344-8F6C-CB6FDF99A009}"/>
               </a:ext>
             </a:extLst>
           </p:cNvPr>
@@ -10196,20 +9737,97 @@
           <a:p>
             <a:pPr eaLnBrk="1" hangingPunct="1"/>
             <a:r>
-              <a:rPr lang="it-IT" altLang="it-IT">
+              <a:rPr lang="it-IT" altLang="it-IT" dirty="0">
                 <a:ea typeface="MS PGothic" panose="020B0600070205080204" pitchFamily="34" charset="-128"/>
               </a:rPr>
-              <a:t>PKI Assumptions #2</a:t>
-            </a:r>
-          </a:p>
-        </p:txBody>
-      </p:sp>
-      <p:sp>
-        <p:nvSpPr>
-          <p:cNvPr id="3" name="Segnaposto contenuto 2">
-            <a:extLst>
-              <a:ext uri="{FF2B5EF4-FFF2-40B4-BE49-F238E27FC236}">
-                <a16:creationId xmlns:a16="http://schemas.microsoft.com/office/drawing/2014/main" id="{14D4D58E-F411-4F7C-8768-20F3523A814E}"/>
+              <a:t>PKI </a:t>
+            </a:r>
+            <a:r>
+              <a:rPr lang="it-IT" altLang="it-IT" dirty="0" err="1">
+                <a:ea typeface="MS PGothic" panose="020B0600070205080204" pitchFamily="34" charset="-128"/>
+              </a:rPr>
+              <a:t>Assumptions</a:t>
+            </a:r>
+            <a:r>
+              <a:rPr lang="it-IT" altLang="it-IT" dirty="0">
+                <a:ea typeface="MS PGothic" panose="020B0600070205080204" pitchFamily="34" charset="-128"/>
+              </a:rPr>
+              <a:t> and </a:t>
+            </a:r>
+            <a:r>
+              <a:rPr lang="it-IT" altLang="it-IT" dirty="0" err="1">
+                <a:ea typeface="MS PGothic" panose="020B0600070205080204" pitchFamily="34" charset="-128"/>
+              </a:rPr>
+              <a:t>its</a:t>
+            </a:r>
+            <a:r>
+              <a:rPr lang="it-IT" altLang="it-IT" dirty="0">
+                <a:ea typeface="MS PGothic" panose="020B0600070205080204" pitchFamily="34" charset="-128"/>
+              </a:rPr>
+              <a:t> </a:t>
+            </a:r>
+            <a:r>
+              <a:rPr lang="it-IT" altLang="it-IT" dirty="0" err="1">
+                <a:ea typeface="MS PGothic" panose="020B0600070205080204" pitchFamily="34" charset="-128"/>
+              </a:rPr>
+              <a:t>attack</a:t>
+            </a:r>
+            <a:r>
+              <a:rPr lang="it-IT" altLang="it-IT" dirty="0">
+                <a:ea typeface="MS PGothic" panose="020B0600070205080204" pitchFamily="34" charset="-128"/>
+              </a:rPr>
+              <a:t> </a:t>
+            </a:r>
+            <a:r>
+              <a:rPr lang="it-IT" altLang="it-IT" dirty="0" err="1">
+                <a:ea typeface="MS PGothic" panose="020B0600070205080204" pitchFamily="34" charset="-128"/>
+              </a:rPr>
+              <a:t>surface</a:t>
+            </a:r>
+            <a:br>
+              <a:rPr lang="it-IT" altLang="it-IT" dirty="0">
+                <a:ea typeface="MS PGothic" panose="020B0600070205080204" pitchFamily="34" charset="-128"/>
+              </a:rPr>
+            </a:br>
+            <a:r>
+              <a:rPr lang="it-IT" altLang="it-IT" sz="2400" dirty="0">
+                <a:ea typeface="MS PGothic" panose="020B0600070205080204" pitchFamily="34" charset="-128"/>
+              </a:rPr>
+              <a:t>from </a:t>
+            </a:r>
+            <a:r>
+              <a:rPr lang="it-IT" altLang="it-IT" sz="2400" dirty="0">
+                <a:ea typeface="MS PGothic" panose="020B0600070205080204" pitchFamily="34" charset="-128"/>
+                <a:hlinkClick r:id="rId3"/>
+              </a:rPr>
+              <a:t>«</a:t>
+            </a:r>
+            <a:r>
+              <a:rPr lang="it-IT" altLang="it-IT" sz="2400" dirty="0" err="1">
+                <a:ea typeface="MS PGothic" panose="020B0600070205080204" pitchFamily="34" charset="-128"/>
+                <a:hlinkClick r:id="rId3"/>
+              </a:rPr>
+              <a:t>ten</a:t>
+            </a:r>
+            <a:r>
+              <a:rPr lang="it-IT" altLang="it-IT" sz="2400" dirty="0">
+                <a:ea typeface="MS PGothic" panose="020B0600070205080204" pitchFamily="34" charset="-128"/>
+                <a:hlinkClick r:id="rId3"/>
+              </a:rPr>
+              <a:t> risks of PKI»</a:t>
+            </a:r>
+            <a:endParaRPr lang="it-IT" altLang="it-IT" sz="2400" dirty="0">
+              <a:ea typeface="MS PGothic" panose="020B0600070205080204" pitchFamily="34" charset="-128"/>
+            </a:endParaRPr>
+          </a:p>
+        </p:txBody>
+      </p:sp>
+      <p:sp>
+        <p:nvSpPr>
+          <p:cNvPr id="45059" name="Segnaposto contenuto 2">
+            <a:extLst>
+              <a:ext uri="{FF2B5EF4-FFF2-40B4-BE49-F238E27FC236}">
+                <a16:creationId xmlns:a16="http://schemas.microsoft.com/office/drawing/2014/main" id="{6B9E76DD-15A2-4268-A2E3-C6F6C1057875}"/>
               </a:ext>
             </a:extLst>
           </p:cNvPr>
@@ -10227,75 +9845,378 @@
           </a:bodyPr>
           <a:lstStyle/>
           <a:p>
+            <a:pPr marL="514350" indent="-514350">
+              <a:buFont typeface="Franklin Gothic Medium" pitchFamily="34" charset="0"/>
+              <a:buAutoNum type="arabicPeriod"/>
+              <a:defRPr/>
+            </a:pPr>
+            <a:r>
+              <a:rPr lang="it-IT" altLang="it-IT" dirty="0">
+                <a:ea typeface="ＭＳ Ｐゴシック" pitchFamily="34" charset="-128"/>
+              </a:rPr>
+              <a:t>Trust </a:t>
+            </a:r>
+            <a:r>
+              <a:rPr lang="it-IT" altLang="it-IT" dirty="0" err="1">
+                <a:ea typeface="ＭＳ Ｐゴシック" pitchFamily="34" charset="-128"/>
+              </a:rPr>
+              <a:t>your</a:t>
+            </a:r>
+            <a:r>
+              <a:rPr lang="it-IT" altLang="it-IT" dirty="0">
+                <a:ea typeface="ＭＳ Ｐゴシック" pitchFamily="34" charset="-128"/>
+              </a:rPr>
+              <a:t> CA and </a:t>
+            </a:r>
+            <a:r>
+              <a:rPr lang="it-IT" altLang="it-IT" dirty="0" err="1">
+                <a:ea typeface="ＭＳ Ｐゴシック" pitchFamily="34" charset="-128"/>
+              </a:rPr>
+              <a:t>its</a:t>
+            </a:r>
+            <a:r>
+              <a:rPr lang="it-IT" altLang="it-IT" dirty="0">
+                <a:ea typeface="ＭＳ Ｐゴシック" pitchFamily="34" charset="-128"/>
+              </a:rPr>
+              <a:t> CPS (Certificate </a:t>
+            </a:r>
+            <a:r>
+              <a:rPr lang="it-IT" altLang="it-IT" dirty="0" err="1">
+                <a:ea typeface="ＭＳ Ｐゴシック" pitchFamily="34" charset="-128"/>
+              </a:rPr>
+              <a:t>Practice</a:t>
+            </a:r>
+            <a:r>
+              <a:rPr lang="it-IT" altLang="it-IT" dirty="0">
+                <a:ea typeface="ＭＳ Ｐゴシック" pitchFamily="34" charset="-128"/>
+              </a:rPr>
+              <a:t> Statement)</a:t>
+            </a:r>
+          </a:p>
+          <a:p>
+            <a:pPr marL="514350" indent="-514350">
+              <a:buFont typeface="Franklin Gothic Medium" pitchFamily="34" charset="0"/>
+              <a:buAutoNum type="arabicPeriod"/>
+              <a:defRPr/>
+            </a:pPr>
+            <a:r>
+              <a:rPr lang="it-IT" altLang="it-IT" dirty="0">
+                <a:ea typeface="ＭＳ Ｐゴシック" pitchFamily="34" charset="-128"/>
+              </a:rPr>
+              <a:t>Trust </a:t>
+            </a:r>
+            <a:r>
+              <a:rPr lang="it-IT" altLang="it-IT" dirty="0" err="1">
+                <a:ea typeface="ＭＳ Ｐゴシック" pitchFamily="34" charset="-128"/>
+              </a:rPr>
+              <a:t>that</a:t>
+            </a:r>
+            <a:r>
+              <a:rPr lang="it-IT" altLang="it-IT" dirty="0">
+                <a:ea typeface="ＭＳ Ｐゴシック" pitchFamily="34" charset="-128"/>
+              </a:rPr>
+              <a:t> a private </a:t>
+            </a:r>
+            <a:r>
+              <a:rPr lang="it-IT" altLang="it-IT" dirty="0" err="1">
+                <a:ea typeface="ＭＳ Ｐゴシック" pitchFamily="34" charset="-128"/>
+              </a:rPr>
+              <a:t>key</a:t>
+            </a:r>
+            <a:r>
+              <a:rPr lang="it-IT" altLang="it-IT" dirty="0">
+                <a:ea typeface="ＭＳ Ｐゴシック" pitchFamily="34" charset="-128"/>
+              </a:rPr>
+              <a:t> </a:t>
+            </a:r>
+            <a:r>
+              <a:rPr lang="it-IT" altLang="it-IT" dirty="0" err="1">
+                <a:ea typeface="ＭＳ Ｐゴシック" pitchFamily="34" charset="-128"/>
+              </a:rPr>
+              <a:t>will</a:t>
+            </a:r>
+            <a:r>
+              <a:rPr lang="it-IT" altLang="it-IT" dirty="0">
+                <a:ea typeface="ＭＳ Ｐゴシック" pitchFamily="34" charset="-128"/>
+              </a:rPr>
+              <a:t> be </a:t>
+            </a:r>
+            <a:r>
+              <a:rPr lang="it-IT" altLang="it-IT" dirty="0" err="1">
+                <a:ea typeface="ＭＳ Ｐゴシック" pitchFamily="34" charset="-128"/>
+              </a:rPr>
+              <a:t>handled</a:t>
+            </a:r>
+            <a:r>
+              <a:rPr lang="it-IT" altLang="it-IT" dirty="0">
+                <a:ea typeface="ＭＳ Ｐゴシック" pitchFamily="34" charset="-128"/>
+              </a:rPr>
+              <a:t> </a:t>
+            </a:r>
+            <a:r>
+              <a:rPr lang="it-IT" altLang="it-IT" dirty="0" err="1">
+                <a:ea typeface="ＭＳ Ｐゴシック" pitchFamily="34" charset="-128"/>
+              </a:rPr>
+              <a:t>only</a:t>
+            </a:r>
+            <a:r>
+              <a:rPr lang="it-IT" altLang="it-IT" dirty="0">
+                <a:ea typeface="ＭＳ Ｐゴシック" pitchFamily="34" charset="-128"/>
+              </a:rPr>
+              <a:t> by the </a:t>
+            </a:r>
+            <a:r>
+              <a:rPr lang="it-IT" altLang="it-IT" dirty="0" err="1">
+                <a:ea typeface="ＭＳ Ｐゴシック" pitchFamily="34" charset="-128"/>
+              </a:rPr>
+              <a:t>legitimate</a:t>
+            </a:r>
+            <a:r>
+              <a:rPr lang="it-IT" altLang="it-IT" dirty="0">
+                <a:ea typeface="ＭＳ Ｐゴシック" pitchFamily="34" charset="-128"/>
+              </a:rPr>
+              <a:t> </a:t>
+            </a:r>
+            <a:r>
+              <a:rPr lang="it-IT" altLang="it-IT" dirty="0" err="1">
+                <a:ea typeface="ＭＳ Ｐゴシック" pitchFamily="34" charset="-128"/>
+              </a:rPr>
+              <a:t>handler</a:t>
+            </a:r>
+            <a:r>
+              <a:rPr lang="it-IT" altLang="it-IT" dirty="0">
+                <a:ea typeface="ＭＳ Ｐゴシック" pitchFamily="34" charset="-128"/>
+              </a:rPr>
+              <a:t> (</a:t>
+            </a:r>
+            <a:r>
+              <a:rPr lang="it-IT" altLang="it-IT" dirty="0" err="1">
+                <a:ea typeface="ＭＳ Ｐゴシック" pitchFamily="34" charset="-128"/>
+              </a:rPr>
+              <a:t>legal</a:t>
+            </a:r>
+            <a:r>
+              <a:rPr lang="it-IT" altLang="it-IT" dirty="0">
+                <a:ea typeface="ＭＳ Ｐゴシック" pitchFamily="34" charset="-128"/>
+              </a:rPr>
+              <a:t> </a:t>
+            </a:r>
+            <a:r>
+              <a:rPr lang="it-IT" altLang="it-IT" dirty="0" err="1">
+                <a:ea typeface="ＭＳ Ｐゴシック" pitchFamily="34" charset="-128"/>
+              </a:rPr>
+              <a:t>assumptions</a:t>
+            </a:r>
+            <a:r>
+              <a:rPr lang="it-IT" altLang="it-IT" dirty="0">
+                <a:ea typeface="ＭＳ Ｐゴシック" pitchFamily="34" charset="-128"/>
+              </a:rPr>
+              <a:t>)</a:t>
+            </a:r>
+          </a:p>
+          <a:p>
+            <a:pPr marL="514350" indent="-514350">
+              <a:buFont typeface="Franklin Gothic Medium" pitchFamily="34" charset="0"/>
+              <a:buAutoNum type="arabicPeriod"/>
+              <a:defRPr/>
+            </a:pPr>
+            <a:r>
+              <a:rPr lang="it-IT" altLang="it-IT" dirty="0">
+                <a:ea typeface="ＭＳ Ｐゴシック" pitchFamily="34" charset="-128"/>
+              </a:rPr>
+              <a:t>Trust the </a:t>
+            </a:r>
+            <a:r>
+              <a:rPr lang="it-IT" altLang="it-IT" dirty="0" err="1">
+                <a:ea typeface="ＭＳ Ｐゴシック" pitchFamily="34" charset="-128"/>
+              </a:rPr>
+              <a:t>verifying</a:t>
+            </a:r>
+            <a:r>
+              <a:rPr lang="it-IT" altLang="it-IT" dirty="0">
+                <a:ea typeface="ＭＳ Ｐゴシック" pitchFamily="34" charset="-128"/>
+              </a:rPr>
+              <a:t> computer/browser and </a:t>
+            </a:r>
+            <a:r>
+              <a:rPr lang="it-IT" altLang="it-IT" dirty="0" err="1">
+                <a:ea typeface="ＭＳ Ｐゴシック" pitchFamily="34" charset="-128"/>
+              </a:rPr>
+              <a:t>its</a:t>
+            </a:r>
+            <a:r>
+              <a:rPr lang="it-IT" altLang="it-IT" dirty="0">
+                <a:ea typeface="ＭＳ Ｐゴシック" pitchFamily="34" charset="-128"/>
+              </a:rPr>
+              <a:t> </a:t>
+            </a:r>
+            <a:r>
+              <a:rPr lang="it-IT" altLang="it-IT" dirty="0" err="1">
+                <a:ea typeface="ＭＳ Ｐゴシック" pitchFamily="34" charset="-128"/>
+              </a:rPr>
+              <a:t>own</a:t>
+            </a:r>
+            <a:r>
+              <a:rPr lang="it-IT" altLang="it-IT" dirty="0">
+                <a:ea typeface="ＭＳ Ｐゴシック" pitchFamily="34" charset="-128"/>
+              </a:rPr>
+              <a:t> root certificate list</a:t>
+            </a:r>
+          </a:p>
+          <a:p>
+            <a:pPr marL="514350" indent="-514350">
+              <a:buFont typeface="Franklin Gothic Medium" pitchFamily="34" charset="0"/>
+              <a:buAutoNum type="arabicPeriod"/>
+              <a:defRPr/>
+            </a:pPr>
+            <a:r>
+              <a:rPr lang="it-IT" altLang="it-IT" sz="2800" dirty="0">
+                <a:ea typeface="ＭＳ Ｐゴシック" pitchFamily="34" charset="-128"/>
+              </a:rPr>
+              <a:t>The CA </a:t>
+            </a:r>
+            <a:r>
+              <a:rPr lang="it-IT" altLang="it-IT" sz="2800" dirty="0" err="1">
+                <a:ea typeface="ＭＳ Ｐゴシック" pitchFamily="34" charset="-128"/>
+              </a:rPr>
+              <a:t>trusted</a:t>
+            </a:r>
+            <a:r>
+              <a:rPr lang="it-IT" altLang="it-IT" sz="2800" dirty="0">
+                <a:ea typeface="ＭＳ Ｐゴシック" pitchFamily="34" charset="-128"/>
+              </a:rPr>
+              <a:t> list </a:t>
+            </a:r>
+            <a:r>
+              <a:rPr lang="it-IT" altLang="it-IT" sz="2800" dirty="0" err="1">
+                <a:ea typeface="ＭＳ Ｐゴシック" pitchFamily="34" charset="-128"/>
+              </a:rPr>
+              <a:t>is</a:t>
+            </a:r>
+            <a:r>
+              <a:rPr lang="it-IT" altLang="it-IT" sz="2800" dirty="0">
+                <a:ea typeface="ＭＳ Ｐゴシック" pitchFamily="34" charset="-128"/>
+              </a:rPr>
+              <a:t> </a:t>
+            </a:r>
+            <a:r>
+              <a:rPr lang="it-IT" altLang="it-IT" sz="2800" dirty="0" err="1">
+                <a:ea typeface="ＭＳ Ｐゴシック" pitchFamily="34" charset="-128"/>
+              </a:rPr>
+              <a:t>as</a:t>
+            </a:r>
+            <a:r>
+              <a:rPr lang="it-IT" altLang="it-IT" sz="2800" dirty="0">
+                <a:ea typeface="ＭＳ Ｐゴシック" pitchFamily="34" charset="-128"/>
+              </a:rPr>
+              <a:t> </a:t>
+            </a:r>
+            <a:r>
+              <a:rPr lang="it-IT" altLang="it-IT" sz="2800" dirty="0" err="1">
+                <a:ea typeface="ＭＳ Ｐゴシック" pitchFamily="34" charset="-128"/>
+              </a:rPr>
+              <a:t>weak</a:t>
+            </a:r>
+            <a:r>
+              <a:rPr lang="it-IT" altLang="it-IT" sz="2800" dirty="0">
+                <a:ea typeface="ＭＳ Ｐゴシック" pitchFamily="34" charset="-128"/>
+              </a:rPr>
+              <a:t> </a:t>
+            </a:r>
+            <a:r>
+              <a:rPr lang="it-IT" altLang="it-IT" sz="2800" dirty="0" err="1">
+                <a:ea typeface="ＭＳ Ｐゴシック" pitchFamily="34" charset="-128"/>
+              </a:rPr>
+              <a:t>as</a:t>
+            </a:r>
+            <a:r>
+              <a:rPr lang="it-IT" altLang="it-IT" sz="2800" dirty="0">
+                <a:ea typeface="ＭＳ Ｐゴシック" pitchFamily="34" charset="-128"/>
+              </a:rPr>
+              <a:t> the </a:t>
+            </a:r>
+            <a:r>
+              <a:rPr lang="it-IT" altLang="it-IT" sz="2800" dirty="0" err="1">
+                <a:ea typeface="ＭＳ Ｐゴシック" pitchFamily="34" charset="-128"/>
+              </a:rPr>
+              <a:t>weakest</a:t>
+            </a:r>
+            <a:r>
+              <a:rPr lang="it-IT" altLang="it-IT" sz="2800" dirty="0">
+                <a:ea typeface="ＭＳ Ｐゴシック" pitchFamily="34" charset="-128"/>
+              </a:rPr>
+              <a:t> CA in the </a:t>
+            </a:r>
+            <a:r>
+              <a:rPr lang="it-IT" altLang="it-IT" sz="2800" dirty="0" err="1">
+                <a:ea typeface="ＭＳ Ｐゴシック" pitchFamily="34" charset="-128"/>
+              </a:rPr>
+              <a:t>bunch</a:t>
+            </a:r>
+            <a:endParaRPr lang="it-IT" altLang="it-IT" dirty="0">
+              <a:ea typeface="ＭＳ Ｐゴシック" pitchFamily="34" charset="-128"/>
+            </a:endParaRPr>
+          </a:p>
+          <a:p>
+            <a:pPr marL="514350" indent="-514350">
+              <a:buFont typeface="Franklin Gothic Medium" pitchFamily="34" charset="0"/>
+              <a:buAutoNum type="arabicPeriod"/>
+              <a:defRPr/>
+            </a:pPr>
+            <a:r>
+              <a:rPr lang="it-IT" altLang="it-IT" dirty="0">
+                <a:ea typeface="ＭＳ Ｐゴシック" pitchFamily="34" charset="-128"/>
+              </a:rPr>
+              <a:t>Trust the </a:t>
+            </a:r>
+            <a:r>
+              <a:rPr lang="it-IT" altLang="it-IT" dirty="0" err="1">
+                <a:ea typeface="ＭＳ Ｐゴシック" pitchFamily="34" charset="-128"/>
+              </a:rPr>
+              <a:t>association</a:t>
+            </a:r>
+            <a:r>
+              <a:rPr lang="it-IT" altLang="it-IT" dirty="0">
+                <a:ea typeface="ＭＳ Ｐゴシック" pitchFamily="34" charset="-128"/>
+              </a:rPr>
+              <a:t> </a:t>
+            </a:r>
+            <a:r>
+              <a:rPr lang="it-IT" altLang="it-IT" dirty="0" err="1">
+                <a:ea typeface="ＭＳ Ｐゴシック" pitchFamily="34" charset="-128"/>
+              </a:rPr>
+              <a:t>between</a:t>
+            </a:r>
+            <a:r>
+              <a:rPr lang="it-IT" altLang="it-IT" dirty="0">
+                <a:ea typeface="ＭＳ Ｐゴシック" pitchFamily="34" charset="-128"/>
+              </a:rPr>
+              <a:t> </a:t>
+            </a:r>
+          </a:p>
+          <a:p>
             <a:pPr marL="0" indent="0">
               <a:buNone/>
               <a:defRPr/>
             </a:pPr>
             <a:r>
-              <a:rPr lang="it-IT" dirty="0">
-                <a:ea typeface="ＭＳ Ｐゴシック" pitchFamily="-107" charset="-128"/>
-              </a:rPr>
-              <a:t>5. Trust </a:t>
-            </a:r>
-            <a:r>
-              <a:rPr lang="it-IT" dirty="0" err="1">
-                <a:ea typeface="ＭＳ Ｐゴシック" pitchFamily="-107" charset="-128"/>
-              </a:rPr>
-              <a:t>that</a:t>
-            </a:r>
-            <a:r>
-              <a:rPr lang="it-IT" dirty="0">
-                <a:ea typeface="ＭＳ Ｐゴシック" pitchFamily="-107" charset="-128"/>
-              </a:rPr>
-              <a:t> CA </a:t>
-            </a:r>
-            <a:r>
-              <a:rPr lang="it-IT" dirty="0" err="1">
-                <a:ea typeface="ＭＳ Ｐゴシック" pitchFamily="-107" charset="-128"/>
-              </a:rPr>
-              <a:t>is</a:t>
-            </a:r>
-            <a:r>
-              <a:rPr lang="it-IT" dirty="0">
-                <a:ea typeface="ＭＳ Ｐゴシック" pitchFamily="-107" charset="-128"/>
-              </a:rPr>
-              <a:t> an authority on the </a:t>
-            </a:r>
-            <a:r>
-              <a:rPr lang="it-IT" dirty="0" err="1">
-                <a:ea typeface="ＭＳ Ｐゴシック" pitchFamily="-107" charset="-128"/>
-              </a:rPr>
-              <a:t>binding</a:t>
-            </a:r>
-            <a:r>
-              <a:rPr lang="it-IT" dirty="0">
-                <a:ea typeface="ＭＳ Ｐゴシック" pitchFamily="-107" charset="-128"/>
-              </a:rPr>
-              <a:t> </a:t>
-            </a:r>
-            <a:r>
-              <a:rPr lang="it-IT" dirty="0" err="1">
-                <a:ea typeface="ＭＳ Ｐゴシック" pitchFamily="-107" charset="-128"/>
-              </a:rPr>
-              <a:t>which</a:t>
-            </a:r>
-            <a:r>
-              <a:rPr lang="it-IT" dirty="0">
-                <a:ea typeface="ＭＳ Ｐゴシック" pitchFamily="-107" charset="-128"/>
-              </a:rPr>
-              <a:t> CA </a:t>
-            </a:r>
-            <a:r>
-              <a:rPr lang="it-IT" dirty="0" err="1">
-                <a:ea typeface="ＭＳ Ｐゴシック" pitchFamily="-107" charset="-128"/>
-              </a:rPr>
-              <a:t>signs</a:t>
-            </a:r>
-            <a:r>
-              <a:rPr lang="it-IT" dirty="0">
-                <a:ea typeface="ＭＳ Ｐゴシック" pitchFamily="-107" charset="-128"/>
-              </a:rPr>
-              <a:t> for (e.g. DNS, e-mail)</a:t>
+              <a:rPr lang="it-IT" altLang="it-IT" dirty="0">
+                <a:ea typeface="ＭＳ Ｐゴシック" pitchFamily="34" charset="-128"/>
+              </a:rPr>
+              <a:t>	Identity</a:t>
+            </a:r>
+            <a:r>
+              <a:rPr lang="it-IT" altLang="it-IT" dirty="0">
+                <a:ea typeface="ＭＳ Ｐゴシック" pitchFamily="34" charset="-128"/>
+                <a:sym typeface="Wingdings" pitchFamily="2" charset="2"/>
+              </a:rPr>
+              <a:t>  </a:t>
+            </a:r>
+            <a:r>
+              <a:rPr lang="it-IT" altLang="it-IT" dirty="0">
+                <a:ea typeface="ＭＳ Ｐゴシック" pitchFamily="34" charset="-128"/>
+              </a:rPr>
+              <a:t>Certificate </a:t>
             </a:r>
           </a:p>
           <a:p>
@@ -10304,273 +10225,35 @@
               <a:defRPr/>
             </a:pPr>
             <a:r>
-              <a:rPr lang="it-IT" dirty="0">
-                <a:ea typeface="ＭＳ Ｐゴシック" pitchFamily="-107" charset="-128"/>
-              </a:rPr>
-              <a:t>6. </a:t>
-            </a:r>
-            <a:r>
-              <a:rPr lang="it-IT" dirty="0" err="1">
-                <a:ea typeface="ＭＳ Ｐゴシック" pitchFamily="-107" charset="-128"/>
-              </a:rPr>
-              <a:t>Assumes</a:t>
-            </a:r>
-            <a:r>
-              <a:rPr lang="it-IT" dirty="0">
-                <a:ea typeface="ＭＳ Ｐゴシック" pitchFamily="-107" charset="-128"/>
-              </a:rPr>
-              <a:t> </a:t>
-            </a:r>
-            <a:r>
-              <a:rPr lang="it-IT" dirty="0" err="1">
-                <a:ea typeface="ＭＳ Ｐゴシック" pitchFamily="-107" charset="-128"/>
-              </a:rPr>
-              <a:t>that</a:t>
-            </a:r>
-            <a:r>
-              <a:rPr lang="it-IT" dirty="0">
-                <a:ea typeface="ＭＳ Ｐゴシック" pitchFamily="-107" charset="-128"/>
-              </a:rPr>
-              <a:t> </a:t>
-            </a:r>
-            <a:r>
-              <a:rPr lang="it-IT" dirty="0" err="1">
-                <a:ea typeface="ＭＳ Ｐゴシック" pitchFamily="-107" charset="-128"/>
-              </a:rPr>
-              <a:t>user</a:t>
-            </a:r>
-            <a:r>
-              <a:rPr lang="it-IT" dirty="0">
-                <a:ea typeface="ＭＳ Ｐゴシック" pitchFamily="-107" charset="-128"/>
-              </a:rPr>
-              <a:t> </a:t>
-            </a:r>
-            <a:r>
-              <a:rPr lang="it-IT" dirty="0" err="1">
-                <a:ea typeface="ＭＳ Ｐゴシック" pitchFamily="-107" charset="-128"/>
-              </a:rPr>
-              <a:t>understands</a:t>
-            </a:r>
-            <a:r>
-              <a:rPr lang="it-IT" dirty="0">
-                <a:ea typeface="ＭＳ Ｐゴシック" pitchFamily="-107" charset="-128"/>
-              </a:rPr>
-              <a:t> (part of) PKI</a:t>
-            </a:r>
-          </a:p>
-          <a:p>
-            <a:pPr marL="0" indent="0">
-              <a:buNone/>
-              <a:defRPr/>
-            </a:pPr>
-            <a:r>
-              <a:rPr lang="it-IT" dirty="0">
-                <a:ea typeface="ＭＳ Ｐゴシック" pitchFamily="-107" charset="-128"/>
-              </a:rPr>
-              <a:t>7. RA+CA </a:t>
-            </a:r>
-            <a:r>
-              <a:rPr lang="it-IT" dirty="0" err="1">
-                <a:ea typeface="ＭＳ Ｐゴシック" pitchFamily="-107" charset="-128"/>
-              </a:rPr>
-              <a:t>binding</a:t>
-            </a:r>
-            <a:r>
-              <a:rPr lang="it-IT" dirty="0">
-                <a:ea typeface="ＭＳ Ｐゴシック" pitchFamily="-107" charset="-128"/>
-              </a:rPr>
-              <a:t> </a:t>
-            </a:r>
-            <a:r>
-              <a:rPr lang="it-IT" dirty="0" err="1">
-                <a:ea typeface="ＭＳ Ｐゴシック" pitchFamily="-107" charset="-128"/>
-              </a:rPr>
-              <a:t>is</a:t>
-            </a:r>
-            <a:r>
-              <a:rPr lang="it-IT" dirty="0">
-                <a:ea typeface="ＭＳ Ｐゴシック" pitchFamily="-107" charset="-128"/>
-              </a:rPr>
-              <a:t> </a:t>
-            </a:r>
-            <a:r>
-              <a:rPr lang="it-IT" dirty="0" err="1">
-                <a:ea typeface="ＭＳ Ｐゴシック" pitchFamily="-107" charset="-128"/>
-              </a:rPr>
-              <a:t>trusted</a:t>
-            </a:r>
-            <a:endParaRPr lang="it-IT" dirty="0">
-              <a:ea typeface="ＭＳ Ｐゴシック" pitchFamily="-107" charset="-128"/>
-            </a:endParaRPr>
-          </a:p>
-          <a:p>
-            <a:pPr marL="0" indent="0">
-              <a:buNone/>
-              <a:defRPr/>
-            </a:pPr>
-            <a:r>
-              <a:rPr lang="it-IT" dirty="0">
-                <a:ea typeface="ＭＳ Ｐゴシック" pitchFamily="-107" charset="-128"/>
-              </a:rPr>
-              <a:t>8. RA </a:t>
-            </a:r>
-            <a:r>
-              <a:rPr lang="it-IT" dirty="0" err="1">
-                <a:ea typeface="ＭＳ Ｐゴシック" pitchFamily="-107" charset="-128"/>
-              </a:rPr>
-              <a:t>well</a:t>
-            </a:r>
-            <a:r>
-              <a:rPr lang="it-IT" dirty="0">
-                <a:ea typeface="ＭＳ Ｐゴシック" pitchFamily="-107" charset="-128"/>
-              </a:rPr>
-              <a:t> </a:t>
-            </a:r>
-            <a:r>
-              <a:rPr lang="it-IT" dirty="0" err="1">
-                <a:ea typeface="ＭＳ Ｐゴシック" pitchFamily="-107" charset="-128"/>
-              </a:rPr>
-              <a:t>identifies</a:t>
-            </a:r>
-            <a:r>
-              <a:rPr lang="it-IT" dirty="0">
-                <a:ea typeface="ＭＳ Ｐゴシック" pitchFamily="-107" charset="-128"/>
-              </a:rPr>
-              <a:t> the certificate </a:t>
-            </a:r>
-            <a:r>
-              <a:rPr lang="it-IT" dirty="0" err="1">
-                <a:ea typeface="ＭＳ Ｐゴシック" pitchFamily="-107" charset="-128"/>
-              </a:rPr>
-              <a:t>requester</a:t>
-            </a:r>
-            <a:endParaRPr lang="it-IT" dirty="0">
-              <a:ea typeface="ＭＳ Ｐゴシック" pitchFamily="-107" charset="-128"/>
-            </a:endParaRPr>
-          </a:p>
-          <a:p>
-            <a:pPr marL="0" indent="0">
-              <a:buNone/>
-              <a:defRPr/>
-            </a:pPr>
-            <a:r>
-              <a:rPr lang="it-IT" dirty="0">
-                <a:ea typeface="ＭＳ Ｐゴシック" pitchFamily="-107" charset="-128"/>
-              </a:rPr>
-              <a:t>9. Certificate </a:t>
-            </a:r>
-            <a:r>
-              <a:rPr lang="it-IT" dirty="0" err="1">
-                <a:ea typeface="ＭＳ Ｐゴシック" pitchFamily="-107" charset="-128"/>
-              </a:rPr>
-              <a:t>practices</a:t>
-            </a:r>
-            <a:r>
-              <a:rPr lang="it-IT" dirty="0">
-                <a:ea typeface="ＭＳ Ｐゴシック" pitchFamily="-107" charset="-128"/>
-              </a:rPr>
-              <a:t> (CSP) are </a:t>
-            </a:r>
-            <a:r>
-              <a:rPr lang="it-IT" dirty="0" err="1">
-                <a:ea typeface="ＭＳ Ｐゴシック" pitchFamily="-107" charset="-128"/>
-              </a:rPr>
-              <a:t>respected</a:t>
-            </a:r>
-            <a:endParaRPr lang="it-IT" dirty="0">
-              <a:ea typeface="ＭＳ Ｐゴシック" pitchFamily="-107" charset="-128"/>
-            </a:endParaRPr>
-          </a:p>
-          <a:p>
-            <a:pPr marL="0" indent="0">
-              <a:buNone/>
-              <a:defRPr/>
-            </a:pPr>
-            <a:r>
-              <a:rPr lang="it-IT" dirty="0">
-                <a:ea typeface="ＭＳ Ｐゴシック" pitchFamily="-107" charset="-128"/>
-              </a:rPr>
-              <a:t>10. Single </a:t>
-            </a:r>
-            <a:r>
-              <a:rPr lang="it-IT" dirty="0" err="1">
-                <a:ea typeface="ＭＳ Ｐゴシック" pitchFamily="-107" charset="-128"/>
-              </a:rPr>
-              <a:t>sign</a:t>
-            </a:r>
-            <a:r>
-              <a:rPr lang="it-IT" dirty="0">
-                <a:ea typeface="ＭＳ Ｐゴシック" pitchFamily="-107" charset="-128"/>
-              </a:rPr>
-              <a:t>-on </a:t>
-            </a:r>
-            <a:r>
-              <a:rPr lang="it-IT" dirty="0" err="1">
-                <a:ea typeface="ＭＳ Ｐゴシック" pitchFamily="-107" charset="-128"/>
-              </a:rPr>
-              <a:t>practices</a:t>
-            </a:r>
-            <a:r>
-              <a:rPr lang="it-IT" dirty="0">
-                <a:ea typeface="ＭＳ Ｐゴシック" pitchFamily="-107" charset="-128"/>
-              </a:rPr>
-              <a:t> are a </a:t>
-            </a:r>
-            <a:r>
-              <a:rPr lang="it-IT" dirty="0" err="1">
-                <a:ea typeface="ＭＳ Ｐゴシック" pitchFamily="-107" charset="-128"/>
-              </a:rPr>
-              <a:t>problem</a:t>
-            </a:r>
-            <a:endParaRPr lang="it-IT" dirty="0">
-              <a:ea typeface="ＭＳ Ｐゴシック" pitchFamily="-107" charset="-128"/>
-            </a:endParaRPr>
-          </a:p>
-          <a:p>
-            <a:pPr marL="0" indent="0">
-              <a:buNone/>
-              <a:defRPr/>
-            </a:pPr>
-            <a:endParaRPr lang="it-IT" dirty="0">
-              <a:ea typeface="ＭＳ Ｐゴシック" pitchFamily="-107" charset="-128"/>
-            </a:endParaRPr>
-          </a:p>
-          <a:p>
-            <a:pPr marL="0" indent="0">
-              <a:buNone/>
-              <a:defRPr/>
-            </a:pPr>
-            <a:endParaRPr lang="it-IT" dirty="0">
-              <a:ea typeface="ＭＳ Ｐゴシック" pitchFamily="-107" charset="-128"/>
-            </a:endParaRPr>
-          </a:p>
-          <a:p>
-            <a:pPr marL="0" indent="0">
-              <a:buNone/>
-              <a:defRPr/>
-            </a:pPr>
-            <a:endParaRPr lang="it-IT" dirty="0">
-              <a:ea typeface="ＭＳ Ｐゴシック" pitchFamily="-107" charset="-128"/>
-            </a:endParaRPr>
-          </a:p>
-          <a:p>
-            <a:pPr marL="514350" indent="-514350">
-              <a:buFont typeface="+mj-lt"/>
-              <a:buAutoNum type="arabicPeriod"/>
-              <a:defRPr/>
-            </a:pPr>
-            <a:endParaRPr lang="it-IT" sz="3600" dirty="0">
-              <a:ea typeface="ＭＳ Ｐゴシック" pitchFamily="-107" charset="-128"/>
-            </a:endParaRPr>
-          </a:p>
-          <a:p>
-            <a:pPr marL="0" indent="0">
-              <a:buNone/>
-              <a:defRPr/>
-            </a:pPr>
-            <a:endParaRPr lang="it-IT" dirty="0">
-              <a:ea typeface="ＭＳ Ｐゴシック" pitchFamily="-107" charset="-128"/>
-            </a:endParaRPr>
+              <a:rPr lang="it-IT" altLang="it-IT" dirty="0">
+                <a:ea typeface="ＭＳ Ｐゴシック" pitchFamily="34" charset="-128"/>
+              </a:rPr>
+              <a:t>	(</a:t>
+            </a:r>
+            <a:r>
+              <a:rPr lang="it-IT" altLang="it-IT" dirty="0" err="1">
+                <a:ea typeface="ＭＳ Ｐゴシック" pitchFamily="34" charset="-128"/>
+              </a:rPr>
+              <a:t>homonymies</a:t>
+            </a:r>
+            <a:r>
+              <a:rPr lang="it-IT" altLang="it-IT" dirty="0">
+                <a:ea typeface="ＭＳ Ｐゴシック" pitchFamily="34" charset="-128"/>
+              </a:rPr>
+              <a:t> are </a:t>
+            </a:r>
+            <a:r>
+              <a:rPr lang="it-IT" altLang="it-IT" dirty="0" err="1">
+                <a:ea typeface="ＭＳ Ｐゴシック" pitchFamily="34" charset="-128"/>
+              </a:rPr>
+              <a:t>possible</a:t>
+            </a:r>
+            <a:r>
+              <a:rPr lang="it-IT" altLang="it-IT" dirty="0">
+                <a:ea typeface="ＭＳ Ｐゴシック" pitchFamily="34" charset="-128"/>
+              </a:rPr>
+              <a:t>)</a:t>
+            </a:r>
           </a:p>
         </p:txBody>
       </p:sp>
@@ -10583,6 +10266,432 @@
 </file>
 
 <file path=ppt/slides/slide26.xml><?xml version="1.0" encoding="utf-8"?>
+<p:sld xmlns:a="http://schemas.openxmlformats.org/drawingml/2006/main" xmlns:r="http://schemas.openxmlformats.org/officeDocument/2006/relationships" xmlns:p="http://schemas.openxmlformats.org/presentationml/2006/main">
+  <p:cSld>
+    <p:spTree>
+      <p:nvGrpSpPr>
+        <p:cNvPr id="1" name=""/>
+        <p:cNvGrpSpPr/>
+        <p:nvPr/>
+      </p:nvGrpSpPr>
+      <p:grpSpPr>
+        <a:xfrm>
+          <a:off x="0" y="0"/>
+          <a:ext cx="0" cy="0"/>
+          <a:chOff x="0" y="0"/>
+          <a:chExt cx="0" cy="0"/>
+        </a:xfrm>
+      </p:grpSpPr>
+      <p:sp>
+        <p:nvSpPr>
+          <p:cNvPr id="84994" name="Titolo 1">
+            <a:extLst>
+              <a:ext uri="{FF2B5EF4-FFF2-40B4-BE49-F238E27FC236}">
+                <a16:creationId xmlns:a16="http://schemas.microsoft.com/office/drawing/2014/main" id="{AD88CBA9-D587-4A5A-91E0-D6DA5200B6B4}"/>
+              </a:ext>
+            </a:extLst>
+          </p:cNvPr>
+          <p:cNvSpPr>
+            <a:spLocks noGrp="1"/>
+          </p:cNvSpPr>
+          <p:nvPr>
+            <p:ph type="title"/>
+          </p:nvPr>
+        </p:nvSpPr>
+        <p:spPr/>
+        <p:txBody>
+          <a:bodyPr/>
+          <a:lstStyle/>
+          <a:p>
+            <a:pPr eaLnBrk="1" hangingPunct="1"/>
+            <a:r>
+              <a:rPr lang="it-IT" altLang="it-IT">
+                <a:ea typeface="MS PGothic" panose="020B0600070205080204" pitchFamily="34" charset="-128"/>
+              </a:rPr>
+              <a:t>PKI Assumptions #2</a:t>
+            </a:r>
+          </a:p>
+        </p:txBody>
+      </p:sp>
+      <p:sp>
+        <p:nvSpPr>
+          <p:cNvPr id="3" name="Segnaposto contenuto 2">
+            <a:extLst>
+              <a:ext uri="{FF2B5EF4-FFF2-40B4-BE49-F238E27FC236}">
+                <a16:creationId xmlns:a16="http://schemas.microsoft.com/office/drawing/2014/main" id="{14D4D58E-F411-4F7C-8768-20F3523A814E}"/>
+              </a:ext>
+            </a:extLst>
+          </p:cNvPr>
+          <p:cNvSpPr>
+            <a:spLocks noGrp="1"/>
+          </p:cNvSpPr>
+          <p:nvPr>
+            <p:ph idx="1"/>
+          </p:nvPr>
+        </p:nvSpPr>
+        <p:spPr/>
+        <p:txBody>
+          <a:bodyPr rtlCol="0">
+            <a:normAutofit/>
+          </a:bodyPr>
+          <a:lstStyle/>
+          <a:p>
+            <a:pPr marL="0" indent="0">
+              <a:buNone/>
+              <a:defRPr/>
+            </a:pPr>
+            <a:r>
+              <a:rPr lang="it-IT" dirty="0">
+                <a:ea typeface="ＭＳ Ｐゴシック" pitchFamily="-107" charset="-128"/>
+              </a:rPr>
+              <a:t>5. Trust </a:t>
+            </a:r>
+            <a:r>
+              <a:rPr lang="it-IT" dirty="0" err="1">
+                <a:ea typeface="ＭＳ Ｐゴシック" pitchFamily="-107" charset="-128"/>
+              </a:rPr>
+              <a:t>that</a:t>
+            </a:r>
+            <a:r>
+              <a:rPr lang="it-IT" dirty="0">
+                <a:ea typeface="ＭＳ Ｐゴシック" pitchFamily="-107" charset="-128"/>
+              </a:rPr>
+              <a:t> CA </a:t>
+            </a:r>
+            <a:r>
+              <a:rPr lang="it-IT" dirty="0" err="1">
+                <a:ea typeface="ＭＳ Ｐゴシック" pitchFamily="-107" charset="-128"/>
+              </a:rPr>
+              <a:t>is</a:t>
+            </a:r>
+            <a:r>
+              <a:rPr lang="it-IT" dirty="0">
+                <a:ea typeface="ＭＳ Ｐゴシック" pitchFamily="-107" charset="-128"/>
+              </a:rPr>
+              <a:t> an authority on the </a:t>
+            </a:r>
+            <a:r>
+              <a:rPr lang="it-IT" dirty="0" err="1">
+                <a:ea typeface="ＭＳ Ｐゴシック" pitchFamily="-107" charset="-128"/>
+              </a:rPr>
+              <a:t>binding</a:t>
+            </a:r>
+            <a:r>
+              <a:rPr lang="it-IT" dirty="0">
+                <a:ea typeface="ＭＳ Ｐゴシック" pitchFamily="-107" charset="-128"/>
+              </a:rPr>
+              <a:t> </a:t>
+            </a:r>
+            <a:r>
+              <a:rPr lang="it-IT" dirty="0" err="1">
+                <a:ea typeface="ＭＳ Ｐゴシック" pitchFamily="-107" charset="-128"/>
+              </a:rPr>
+              <a:t>which</a:t>
+            </a:r>
+            <a:r>
+              <a:rPr lang="it-IT" dirty="0">
+                <a:ea typeface="ＭＳ Ｐゴシック" pitchFamily="-107" charset="-128"/>
+              </a:rPr>
+              <a:t> CA </a:t>
+            </a:r>
+            <a:r>
+              <a:rPr lang="it-IT" dirty="0" err="1">
+                <a:ea typeface="ＭＳ Ｐゴシック" pitchFamily="-107" charset="-128"/>
+              </a:rPr>
+              <a:t>signs</a:t>
+            </a:r>
+            <a:r>
+              <a:rPr lang="it-IT" dirty="0">
+                <a:ea typeface="ＭＳ Ｐゴシック" pitchFamily="-107" charset="-128"/>
+              </a:rPr>
+              <a:t> for (e.g. DNS, e-mail)</a:t>
+            </a:r>
+          </a:p>
+          <a:p>
+            <a:pPr marL="0" indent="0">
+              <a:buNone/>
+              <a:defRPr/>
+            </a:pPr>
+            <a:r>
+              <a:rPr lang="it-IT" dirty="0">
+                <a:ea typeface="ＭＳ Ｐゴシック" pitchFamily="-107" charset="-128"/>
+              </a:rPr>
+              <a:t>6. </a:t>
+            </a:r>
+            <a:r>
+              <a:rPr lang="it-IT" dirty="0" err="1">
+                <a:ea typeface="ＭＳ Ｐゴシック" pitchFamily="-107" charset="-128"/>
+              </a:rPr>
+              <a:t>Assumes</a:t>
+            </a:r>
+            <a:r>
+              <a:rPr lang="it-IT" dirty="0">
+                <a:ea typeface="ＭＳ Ｐゴシック" pitchFamily="-107" charset="-128"/>
+              </a:rPr>
+              <a:t> </a:t>
+            </a:r>
+            <a:r>
+              <a:rPr lang="it-IT" dirty="0" err="1">
+                <a:ea typeface="ＭＳ Ｐゴシック" pitchFamily="-107" charset="-128"/>
+              </a:rPr>
+              <a:t>that</a:t>
+            </a:r>
+            <a:r>
+              <a:rPr lang="it-IT" dirty="0">
+                <a:ea typeface="ＭＳ Ｐゴシック" pitchFamily="-107" charset="-128"/>
+              </a:rPr>
+              <a:t> </a:t>
+            </a:r>
+            <a:r>
+              <a:rPr lang="it-IT" dirty="0" err="1">
+                <a:ea typeface="ＭＳ Ｐゴシック" pitchFamily="-107" charset="-128"/>
+              </a:rPr>
+              <a:t>user</a:t>
+            </a:r>
+            <a:r>
+              <a:rPr lang="it-IT" dirty="0">
+                <a:ea typeface="ＭＳ Ｐゴシック" pitchFamily="-107" charset="-128"/>
+              </a:rPr>
+              <a:t> </a:t>
+            </a:r>
+            <a:r>
+              <a:rPr lang="it-IT" dirty="0" err="1">
+                <a:ea typeface="ＭＳ Ｐゴシック" pitchFamily="-107" charset="-128"/>
+              </a:rPr>
+              <a:t>understands</a:t>
+            </a:r>
+            <a:r>
+              <a:rPr lang="it-IT" dirty="0">
+                <a:ea typeface="ＭＳ Ｐゴシック" pitchFamily="-107" charset="-128"/>
+              </a:rPr>
+              <a:t> (part of) PKI</a:t>
+            </a:r>
+          </a:p>
+          <a:p>
+            <a:pPr marL="0" indent="0">
+              <a:buNone/>
+              <a:defRPr/>
+            </a:pPr>
+            <a:r>
+              <a:rPr lang="it-IT" dirty="0">
+                <a:ea typeface="ＭＳ Ｐゴシック" pitchFamily="-107" charset="-128"/>
+              </a:rPr>
+              <a:t>7. RA+CA </a:t>
+            </a:r>
+            <a:r>
+              <a:rPr lang="it-IT" dirty="0" err="1">
+                <a:ea typeface="ＭＳ Ｐゴシック" pitchFamily="-107" charset="-128"/>
+              </a:rPr>
+              <a:t>binding</a:t>
+            </a:r>
+            <a:r>
+              <a:rPr lang="it-IT" dirty="0">
+                <a:ea typeface="ＭＳ Ｐゴシック" pitchFamily="-107" charset="-128"/>
+              </a:rPr>
+              <a:t> </a:t>
+            </a:r>
+            <a:r>
+              <a:rPr lang="it-IT" dirty="0" err="1">
+                <a:ea typeface="ＭＳ Ｐゴシック" pitchFamily="-107" charset="-128"/>
+              </a:rPr>
+              <a:t>is</a:t>
+            </a:r>
+            <a:r>
+              <a:rPr lang="it-IT" dirty="0">
+                <a:ea typeface="ＭＳ Ｐゴシック" pitchFamily="-107" charset="-128"/>
+              </a:rPr>
+              <a:t> </a:t>
+            </a:r>
+            <a:r>
+              <a:rPr lang="it-IT" dirty="0" err="1">
+                <a:ea typeface="ＭＳ Ｐゴシック" pitchFamily="-107" charset="-128"/>
+              </a:rPr>
+              <a:t>trusted</a:t>
+            </a:r>
+            <a:endParaRPr lang="it-IT" dirty="0">
+              <a:ea typeface="ＭＳ Ｐゴシック" pitchFamily="-107" charset="-128"/>
+            </a:endParaRPr>
+          </a:p>
+          <a:p>
+            <a:pPr marL="0" indent="0">
+              <a:buNone/>
+              <a:defRPr/>
+            </a:pPr>
+            <a:r>
+              <a:rPr lang="it-IT" dirty="0">
+                <a:ea typeface="ＭＳ Ｐゴシック" pitchFamily="-107" charset="-128"/>
+              </a:rPr>
+              <a:t>8. RA </a:t>
+            </a:r>
+            <a:r>
+              <a:rPr lang="it-IT" dirty="0" err="1">
+                <a:ea typeface="ＭＳ Ｐゴシック" pitchFamily="-107" charset="-128"/>
+              </a:rPr>
+              <a:t>well</a:t>
+            </a:r>
+            <a:r>
+              <a:rPr lang="it-IT" dirty="0">
+                <a:ea typeface="ＭＳ Ｐゴシック" pitchFamily="-107" charset="-128"/>
+              </a:rPr>
+              <a:t> </a:t>
+            </a:r>
+            <a:r>
+              <a:rPr lang="it-IT" dirty="0" err="1">
+                <a:ea typeface="ＭＳ Ｐゴシック" pitchFamily="-107" charset="-128"/>
+              </a:rPr>
+              <a:t>identifies</a:t>
+            </a:r>
+            <a:r>
+              <a:rPr lang="it-IT" dirty="0">
+                <a:ea typeface="ＭＳ Ｐゴシック" pitchFamily="-107" charset="-128"/>
+              </a:rPr>
+              <a:t> the certificate </a:t>
+            </a:r>
+            <a:r>
+              <a:rPr lang="it-IT" dirty="0" err="1">
+                <a:ea typeface="ＭＳ Ｐゴシック" pitchFamily="-107" charset="-128"/>
+              </a:rPr>
+              <a:t>requester</a:t>
+            </a:r>
+            <a:endParaRPr lang="it-IT" dirty="0">
+              <a:ea typeface="ＭＳ Ｐゴシック" pitchFamily="-107" charset="-128"/>
+            </a:endParaRPr>
+          </a:p>
+          <a:p>
+            <a:pPr marL="0" indent="0">
+              <a:buNone/>
+              <a:defRPr/>
+            </a:pPr>
+            <a:r>
+              <a:rPr lang="it-IT" dirty="0">
+                <a:ea typeface="ＭＳ Ｐゴシック" pitchFamily="-107" charset="-128"/>
+              </a:rPr>
+              <a:t>9. Certificate </a:t>
+            </a:r>
+            <a:r>
+              <a:rPr lang="it-IT" dirty="0" err="1">
+                <a:ea typeface="ＭＳ Ｐゴシック" pitchFamily="-107" charset="-128"/>
+              </a:rPr>
+              <a:t>practices</a:t>
+            </a:r>
+            <a:r>
+              <a:rPr lang="it-IT" dirty="0">
+                <a:ea typeface="ＭＳ Ｐゴシック" pitchFamily="-107" charset="-128"/>
+              </a:rPr>
+              <a:t> (CSP) are </a:t>
+            </a:r>
+            <a:r>
+              <a:rPr lang="it-IT" dirty="0" err="1">
+                <a:ea typeface="ＭＳ Ｐゴシック" pitchFamily="-107" charset="-128"/>
+              </a:rPr>
+              <a:t>respected</a:t>
+            </a:r>
+            <a:endParaRPr lang="it-IT" dirty="0">
+              <a:ea typeface="ＭＳ Ｐゴシック" pitchFamily="-107" charset="-128"/>
+            </a:endParaRPr>
+          </a:p>
+          <a:p>
+            <a:pPr marL="0" indent="0">
+              <a:buNone/>
+              <a:defRPr/>
+            </a:pPr>
+            <a:r>
+              <a:rPr lang="it-IT" dirty="0">
+                <a:ea typeface="ＭＳ Ｐゴシック" pitchFamily="-107" charset="-128"/>
+              </a:rPr>
+              <a:t>10. Single </a:t>
+            </a:r>
+            <a:r>
+              <a:rPr lang="it-IT" dirty="0" err="1">
+                <a:ea typeface="ＭＳ Ｐゴシック" pitchFamily="-107" charset="-128"/>
+              </a:rPr>
+              <a:t>sign</a:t>
+            </a:r>
+            <a:r>
+              <a:rPr lang="it-IT" dirty="0">
+                <a:ea typeface="ＭＳ Ｐゴシック" pitchFamily="-107" charset="-128"/>
+              </a:rPr>
+              <a:t>-on </a:t>
+            </a:r>
+            <a:r>
+              <a:rPr lang="it-IT" dirty="0" err="1">
+                <a:ea typeface="ＭＳ Ｐゴシック" pitchFamily="-107" charset="-128"/>
+              </a:rPr>
+              <a:t>practices</a:t>
+            </a:r>
+            <a:r>
+              <a:rPr lang="it-IT" dirty="0">
+                <a:ea typeface="ＭＳ Ｐゴシック" pitchFamily="-107" charset="-128"/>
+              </a:rPr>
+              <a:t> are a </a:t>
+            </a:r>
+            <a:r>
+              <a:rPr lang="it-IT" dirty="0" err="1">
+                <a:ea typeface="ＭＳ Ｐゴシック" pitchFamily="-107" charset="-128"/>
+              </a:rPr>
+              <a:t>problem</a:t>
+            </a:r>
+            <a:endParaRPr lang="it-IT" dirty="0">
+              <a:ea typeface="ＭＳ Ｐゴシック" pitchFamily="-107" charset="-128"/>
+            </a:endParaRPr>
+          </a:p>
+          <a:p>
+            <a:pPr marL="0" indent="0">
+              <a:buNone/>
+              <a:defRPr/>
+            </a:pPr>
+            <a:endParaRPr lang="it-IT" dirty="0">
+              <a:ea typeface="ＭＳ Ｐゴシック" pitchFamily="-107" charset="-128"/>
+            </a:endParaRPr>
+          </a:p>
+          <a:p>
+            <a:pPr marL="0" indent="0">
+              <a:buNone/>
+              <a:defRPr/>
+            </a:pPr>
+            <a:endParaRPr lang="it-IT" dirty="0">
+              <a:ea typeface="ＭＳ Ｐゴシック" pitchFamily="-107" charset="-128"/>
+            </a:endParaRPr>
+          </a:p>
+          <a:p>
+            <a:pPr marL="0" indent="0">
+              <a:buNone/>
+              <a:defRPr/>
+            </a:pPr>
+            <a:endParaRPr lang="it-IT" dirty="0">
+              <a:ea typeface="ＭＳ Ｐゴシック" pitchFamily="-107" charset="-128"/>
+            </a:endParaRPr>
+          </a:p>
+          <a:p>
+            <a:pPr marL="514350" indent="-514350">
+              <a:buFont typeface="+mj-lt"/>
+              <a:buAutoNum type="arabicPeriod"/>
+              <a:defRPr/>
+            </a:pPr>
+            <a:endParaRPr lang="it-IT" sz="3600" dirty="0">
+              <a:ea typeface="ＭＳ Ｐゴシック" pitchFamily="-107" charset="-128"/>
+            </a:endParaRPr>
+          </a:p>
+          <a:p>
+            <a:pPr marL="0" indent="0">
+              <a:buNone/>
+              <a:defRPr/>
+            </a:pPr>
+            <a:endParaRPr lang="it-IT" dirty="0">
+              <a:ea typeface="ＭＳ Ｐゴシック" pitchFamily="-107" charset="-128"/>
+            </a:endParaRPr>
+          </a:p>
+        </p:txBody>
+      </p:sp>
+    </p:spTree>
+  </p:cSld>
+  <p:clrMapOvr>
+    <a:masterClrMapping/>
+  </p:clrMapOvr>
+</p:sld>
+</file>
+
+<file path=ppt/slides/slide27.xml><?xml version="1.0" encoding="utf-8"?>
 <p:sld xmlns:a="http://schemas.openxmlformats.org/drawingml/2006/main" xmlns:r="http://schemas.openxmlformats.org/officeDocument/2006/relationships" xmlns:p="http://schemas.openxmlformats.org/presentationml/2006/main">
   <p:cSld>
     <p:spTree>

--- a/slides/ch13-PKI-and-Key-distribution-2020.pptx
+++ b/slides/ch13-PKI-and-Key-distribution-2020.pptx
@@ -5,7 +5,7 @@
     <p:sldMasterId id="2147483648" r:id="rId1"/>
   </p:sldMasterIdLst>
   <p:notesMasterIdLst>
-    <p:notesMasterId r:id="rId29"/>
+    <p:notesMasterId r:id="rId30"/>
   </p:notesMasterIdLst>
   <p:sldIdLst>
     <p:sldId id="256" r:id="rId2"/>
@@ -25,16 +25,17 @@
     <p:sldId id="343" r:id="rId16"/>
     <p:sldId id="327" r:id="rId17"/>
     <p:sldId id="341" r:id="rId18"/>
-    <p:sldId id="342" r:id="rId19"/>
-    <p:sldId id="328" r:id="rId20"/>
-    <p:sldId id="333" r:id="rId21"/>
-    <p:sldId id="329" r:id="rId22"/>
-    <p:sldId id="330" r:id="rId23"/>
-    <p:sldId id="344" r:id="rId24"/>
-    <p:sldId id="331" r:id="rId25"/>
-    <p:sldId id="320" r:id="rId26"/>
-    <p:sldId id="321" r:id="rId27"/>
-    <p:sldId id="339" r:id="rId28"/>
+    <p:sldId id="345" r:id="rId19"/>
+    <p:sldId id="342" r:id="rId20"/>
+    <p:sldId id="328" r:id="rId21"/>
+    <p:sldId id="333" r:id="rId22"/>
+    <p:sldId id="329" r:id="rId23"/>
+    <p:sldId id="330" r:id="rId24"/>
+    <p:sldId id="344" r:id="rId25"/>
+    <p:sldId id="331" r:id="rId26"/>
+    <p:sldId id="320" r:id="rId27"/>
+    <p:sldId id="321" r:id="rId28"/>
+    <p:sldId id="339" r:id="rId29"/>
   </p:sldIdLst>
   <p:sldSz cx="12192000" cy="6858000"/>
   <p:notesSz cx="6858000" cy="9144000"/>
@@ -294,13 +295,13 @@
   <inkml:trace contextRef="#ctx0" brushRef="#br0" timeOffset="6090.53">8732 13498 0,'0'0'0,"0"0"0,0 0 16,0 0-1,0 0-15,0 0 16,0 0-16,10 44 16,0-9-1,0 16-15,0 18 16,0 17 0,-1 5-16,1-2 15,0-8-15,0-5 16,0-2-1,-5-5-15,0-8 16,-1-6-16,1-14 16,-5-9-1,5-7-15,-5-5 16,5-8-16,-5-2 16,0-5-1</inkml:trace>
   <inkml:trace contextRef="#ctx0" brushRef="#br0" timeOffset="6448.06">9273 13370 0,'0'0'16,"0"0"-16,0 0 16,0 0-16,0 0 15,0 0 1,0 44-16,5-2 16,0 27-16,0 22 15,5 15 1,-5 7-16,0 0 15,0-7 1,0-5-16,-5-8 16,5-9-16,0-10 15,-5-6 1,-5 4-16,0 14 16</inkml:trace>
   <inkml:trace contextRef="#ctx0" brushRef="#br0" timeOffset="8547.27">8895 14912 0,'0'0'0,"0"0"16,0 0-16,-30-22 15,10 3-15,1-4 16,-1-1 0,5 2-16,1 4 15,4 6 1,5 5-16,0 2 16,0 2-16,5 1 15,-5 2 1,5 0-16,0 0 15,0 2-15,0 1 16,0-1 0,0-2-16,0 0 15,0 0 1,25 47-16,-11-20 16,11 3-16,5-3 15,9 0 1,0-5-16,10-5 15,1-2-15,-1-3 16,-5-4 0,0-4-16,1-1 15,-6-1-15,5-4 16,1-3 0,9-2-16,0-3 15,0 0-15,-10-2 16,-4-1-1,-11 3-15,-4 1 16,-1-4 0,-9 3-16,0 1 15,0-1-15,-1 0 16,1 3 0,-5-1-16,5 1 15,-5-1-15,-1 1 16,1 0-1,-5-1-15,5 1 16,-5 0-16,0-1 16,-5-2-1,0 0-15,0 10 16,-5-24-16,-5 7 16,-10-3-1,-4 0-15,-16 1 16,-14-1-1,-20 0-15,-14 3 16,-25 0-16,-10 0 16,5 2-1,19 3-15,26 4 16,23 3-16,11 5 16,9 3-1,6 2-15,9 2 16,0 0-16,6 6 15,4 1 1,-5 4-16,5 4 16,0 0-1,5 0-15,-5-2 16,5-3-16,-5-5 16,5-2-16,0-2 15,0-4 1,0-1-16,0-1 15,0 1 1,0-1-16,0-2 16,0 0-16,0 0 15,0 0 1,0 0-16,0 0 16,0-2-16,0-1 15,0 1 1,0-1-16,0 1 15,0 0 1,0 2-16,0 0 16,0 0-16,0 0 15,0 0 1,10 19-16,-10-2 16,5 8-16,0 9 15,5 18 1,-1 15-16,1 21 15,0 15-15,0 8 16,0-3 0,5-4-16,-6-13 15,6-13 1,-5-14-16,0-14 16,0-9-16,0-4 15,-1-2 1,1-8-16,-5-5 15,0-5-15,0-5 16,0-2 0,0-5-16,-5-2 15,5-3-15</inkml:trace>
-  <inkml:trace contextRef="#ctx0" brushRef="#br0" timeOffset="9573.36">9879 14728 0,'0'0'0,"0"0"15,0 0-15,0 0 16,0 0-16,0 0 16,0 0-1,0 0-15,0 0 16,0 0-1,0 0-15,9 29 16,1 13-16,5 17 16,0 15-1,-5 7-15,-1 3 16,1-1-16,-10-4 16,5-5-1,-5-3-15,0-2 16,5-2-16,-5-8 15,0-8 1,0-6-16,0-11 16,0-4-1,0-8-15,0-5 16,0-5-16,0-2 16,0-3-16,0-2 15,0 0 1,0 0-16,0-2 15,0-1 1,0 1-16,0 1 16,0 1-16,5 0 15,-5 3 1,5 2-16,-5-1 16,5 1-16,0 0 15,-5 2 1,0-2-16,0 0 15,0 0-15,0 2 16,-5 0 0,-5 1-16,0 2 15,0 2 1,-4 2-16,-6 4 16,-5 4-16,1 2 15,-6 3 1,-4 0-16,4-2 15,-4-3-15,-6-3 16,1-2 0,0-4-16,-1-4 15,1-4-15,-5-2 16,4-3 0,-4-3-16,-5-2 15,-5-2-15,-10-6 16,-5-4-1,0-3-15,5-5 16,15 1 0,10-1-16,9 0 15,6 1-15,4 2 16,0-3 0,0-2-16</inkml:trace>
+  <inkml:trace contextRef="#ctx0" brushRef="#br0" timeOffset="9573.35">9879 14728 0,'0'0'0,"0"0"15,0 0-15,0 0 16,0 0-16,0 0 16,0 0-1,0 0-15,0 0 16,0 0-1,0 0-15,9 29 16,1 13-16,5 17 16,0 15-1,-5 7-15,-1 3 16,1-1-16,-10-4 16,5-5-1,-5-3-15,0-2 16,5-2-16,-5-8 15,0-8 1,0-6-16,0-11 16,0-4-1,0-8-15,0-5 16,0-5-16,0-2 16,0-3-16,0-2 15,0 0 1,0 0-16,0-2 15,0-1 1,0 1-16,0 1 16,0 1-16,5 0 15,-5 3 1,5 2-16,-5-1 16,5 1-16,0 0 15,-5 2 1,0-2-16,0 0 15,0 0-15,0 2 16,-5 0 0,-5 1-16,0 2 15,0 2 1,-4 2-16,-6 4 16,-5 4-16,1 2 15,-6 3 1,-4 0-16,4-2 15,-4-3-15,-6-3 16,1-2 0,0-4-16,-1-4 15,1-4-15,-5-2 16,4-3 0,-4-3-16,-5-2 15,-5-2-15,-10-6 16,-5-4-1,0-3-15,5-5 16,15 1 0,10-1-16,9 0 15,6 1-15,4 2 16,0-3 0,0-2-16</inkml:trace>
   <inkml:trace contextRef="#ctx0" brushRef="#br0" timeOffset="11209.22">7212 15092 0,'0'0'0,"0"0"0,0 0 16,-44 12 0,0 3-16,-15 2 15,-20 5 1,-5-2-16,-14-5 15,4-8-15,11-4 16,4-6 0,10 1-16,5-3 15,5 2 1,15 1-16,14 2 16</inkml:trace>
   <inkml:trace contextRef="#ctx0" brushRef="#br0" timeOffset="11441.96">6528 15296 0,'0'0'15,"0"0"-15,0 0 16,15 49-1,5-2-15,4 15 16,6 9-16,-1 0 16,-4-7-1,5-7-15,-6-3 16,1-2 0</inkml:trace>
   <inkml:trace contextRef="#ctx0" brushRef="#br0" timeOffset="12190.59">6907 15572 0,'0'0'16,"0"0"-16,0 34 15,10 5 1,0 18-16,0 12 16,4 2-1,1-7-15,-5-7 16,-5-13-16,0-14 16,0-11-1,-5-6-15,0-6 16,0-5-16,0-2 15,0-2 1,0-5-16,0 7 16,-5-47-16,5 7 15,-5-6 1,5-4-16,5-1 16,0 2-16,5 2 15,4 8 1,1 7-16,10 4 15,-1 6 1,6 5-16,4 2 16,-9 6-16,-1 4 15,-9 5 1,-5 2-16,-5 3 16,0 5-16,-5 5 15,-5 9 1,-20 16-16,-14 6 15,-5-1-15,-1-9 16,11-8 0,9-9-16,6-4 15,9-3 1,5-4-16,0-1 16,5 0-16,5 1 15,10 2 1,4 2-16,11 5 15,9 0-15,1 1 16,-6-4 0,-4-1-16,-6-4 15,-9-1-15,0-3 16,0-5 0</inkml:trace>
   <inkml:trace contextRef="#ctx0" brushRef="#br0" timeOffset="12577.16">7448 15692 0,'0'0'0,"0"0"16,0 0-1,5 30-15,10-1 16,5 8-16,4 2 16,1 1-1,4-8-15,1-8 16,-6-6 0,-4-9-16,-5-4 15,0-5-15,-5-5 16,-1-2-1,1-5-15,0-8 16,0-2-16,-10-5 16,0-5-1,-10-5-15,-5-12 16,-19-15-16</inkml:trace>
   <inkml:trace contextRef="#ctx0" brushRef="#br0" timeOffset="13201.24">7926 15417 0,'0'0'16,"0"0"-16,0 0 15,-25 0 1,-5 0-16,-4 0 31,-10-3-31,9 3 0,6 0 16,9 0-16,10 3 15,5 2-15,5-5 16,0 0 0,49 51-16,-4-14 15,4 7-15,0 1 16,-5-4 0,-4-4-16,-6-5 15,-14-2 1,0-6-16,-11 1 15,-4-3-15,-5 0 16,0 3 0,-10 2-16,1 3 15,-6-3-15,0-3 16,-5-4 0,1-3-16</inkml:trace>
-  <inkml:trace contextRef="#ctx0" brushRef="#br0" timeOffset="13685.85">8565 15466 0,'0'0'15,"0"0"-15,0 0 16,0 0-16,0 0 16,-29 0-1,-1-3-15,-19 1 16,-10-1-16,-5 1 16,0 0-1,15-1-15,9 1 16,11-1-16,9 1 15,10-1 1,0 1-16,10-1 16,0 1-16,0 2 15,0 0 1,0 0-16,0 0 16,0 0-1,64 0-15,-39 10 16,0 4-16,4 11 15,-4 9 1,-1 13-16,-4 10 16,-5 7-16,0 7 15,-6 13 1,-4 22-16</inkml:trace>
+  <inkml:trace contextRef="#ctx0" brushRef="#br0" timeOffset="13685.84">8565 15466 0,'0'0'15,"0"0"-15,0 0 16,0 0-16,0 0 16,-29 0-1,-1-3-15,-19 1 16,-10-1-16,-5 1 16,0 0-1,15-1-15,9 1 16,11-1-16,9 1 15,10-1 1,0 1-16,10-1 16,0 1-16,0 2 15,0 0 1,0 0-16,0 0 16,0 0-1,64 0-15,-39 10 16,0 4-16,4 11 15,-4 9 1,-1 13-16,-4 10 16,-5 7-16,0 7 15,-6 13 1,-4 22-16</inkml:trace>
   <inkml:trace contextRef="#ctx0" brushRef="#br0" timeOffset="34119.11">9820 15660 0,'0'0'0,"0"0"15,0 0-15,0 0 16,0 0-16,0 0 16,0 0-1,-25-15-15,15 13 16,0-1-16,-4 3 16,-6 0-1,0 3-15,0 2 16,-4 0-1,4 2-15,5 1 16,1-1-16,-1 0 16,5 3-1,0 2-15,0 1 16,5 2-16,1-1 16,4 1-1,4 2-15,1 3 16,10 2-16,0 0 15,0-2 1,4-5-16,-4-6 16,-5-1-1,0-6-15,0 1 16,-1-3-16,1-3 16,0 1-1,0-1-15,0-2 16,-5 1-16,0-4 15,0 1 1,0-3-16,-5 0 16,0 0-1,0-2-15,0 12 16,-5-30-16,5 16 16,-5 1-1,0 4-15,0 4 16,-10 2-16,-24 6 15</inkml:trace>
   <inkml:trace contextRef="#ctx0" brushRef="#br0" timeOffset="35309.24">9884 15862 0,'0'0'0,"0"0"15,0 0 1,0 0-16,0 0 16,0 0-16,0 0 15,0 0 1,0 0-16,29-15 16,-9 8-16,9-3 15,11 0 1,9-2-16,0-1 15,5 1 1,5 2-16,10 0 16,10 3-16,-1 0 15,1 2 1,0 0-16,0 2 16,4 6-16,1-1 15,-1 1 1,-9 2-16,-5 0 15,-10 2-15,0 0 16,-5-2 0,-7 0-16,-10-2 15,-10-1-15,-10 1 16</inkml:trace>
   <inkml:trace contextRef="#ctx0" brushRef="#br0" timeOffset="45223.3">11699 15412 0,'0'0'0,"0"0"0,0 0 16,0 0 0,0 0-16,0 0 15,0 0-15,0 0 16,0 0-1,0 0-15,12-30 16,-4 1-16,4-13 16,0-7-1,3-1-15,-3 11 16,0 5 0,1 7-16,2 2 15,-3 3-15,3 0 16,2-5-1,0-8-15,0-7 16,0-2-16,1 2 16,-6 8-1,-2 12-15,0 4 16,-3 9-16,0 1 16,1 6-1,-3 2-15,0 0 16,2 2-16,5 6 15,3 6 1,2 11-16,5 7 16,1 7-16,-1 6 15,0-1 1,-2 0-16,-3 0 16,0 1-1,-2-3-15,-3-1 16,0-1-16,-2-6 15,0-4 1,-3-6-16,1-2 16,-1-2-16,1-3 15,-4-2 1,1-3-16,0-2 16,-2-5-16,-3 0 15,0-2 1</inkml:trace>
@@ -405,7 +406,7 @@
           <a:p>
             <a:fld id="{762CD6BD-7546-4E5B-AEEF-17BA2030D417}" type="datetimeFigureOut">
               <a:rPr lang="it-IT" smtClean="0"/>
-              <a:t>19/10/2021</a:t>
+              <a:t>14/11/2022</a:t>
             </a:fld>
             <a:endParaRPr lang="it-IT"/>
           </a:p>
@@ -2730,7 +2731,7 @@
                   <a:spcPct val="0"/>
                 </a:spcBef>
               </a:pPr>
-              <a:t>25</a:t>
+              <a:t>26</a:t>
             </a:fld>
             <a:endParaRPr lang="en-AU" altLang="it-IT"/>
           </a:p>
@@ -3006,7 +3007,7 @@
                   <a:spcPct val="0"/>
                 </a:spcBef>
               </a:pPr>
-              <a:t>26</a:t>
+              <a:t>27</a:t>
             </a:fld>
             <a:endParaRPr lang="en-AU" altLang="it-IT"/>
           </a:p>
@@ -3169,7 +3170,7 @@
           <a:p>
             <a:fld id="{DD268F46-A143-4D49-98F9-74B8259B3C7B}" type="datetimeFigureOut">
               <a:rPr lang="it-IT" smtClean="0"/>
-              <a:t>19/10/2021</a:t>
+              <a:t>14/11/2022</a:t>
             </a:fld>
             <a:endParaRPr lang="it-IT"/>
           </a:p>
@@ -3369,7 +3370,7 @@
           <a:p>
             <a:fld id="{DD268F46-A143-4D49-98F9-74B8259B3C7B}" type="datetimeFigureOut">
               <a:rPr lang="it-IT" smtClean="0"/>
-              <a:t>19/10/2021</a:t>
+              <a:t>14/11/2022</a:t>
             </a:fld>
             <a:endParaRPr lang="it-IT"/>
           </a:p>
@@ -3579,7 +3580,7 @@
           <a:p>
             <a:fld id="{DD268F46-A143-4D49-98F9-74B8259B3C7B}" type="datetimeFigureOut">
               <a:rPr lang="it-IT" smtClean="0"/>
-              <a:t>19/10/2021</a:t>
+              <a:t>14/11/2022</a:t>
             </a:fld>
             <a:endParaRPr lang="it-IT"/>
           </a:p>
@@ -3779,7 +3780,7 @@
           <a:p>
             <a:fld id="{DD268F46-A143-4D49-98F9-74B8259B3C7B}" type="datetimeFigureOut">
               <a:rPr lang="it-IT" smtClean="0"/>
-              <a:t>19/10/2021</a:t>
+              <a:t>14/11/2022</a:t>
             </a:fld>
             <a:endParaRPr lang="it-IT"/>
           </a:p>
@@ -4055,7 +4056,7 @@
           <a:p>
             <a:fld id="{DD268F46-A143-4D49-98F9-74B8259B3C7B}" type="datetimeFigureOut">
               <a:rPr lang="it-IT" smtClean="0"/>
-              <a:t>19/10/2021</a:t>
+              <a:t>14/11/2022</a:t>
             </a:fld>
             <a:endParaRPr lang="it-IT"/>
           </a:p>
@@ -4323,7 +4324,7 @@
           <a:p>
             <a:fld id="{DD268F46-A143-4D49-98F9-74B8259B3C7B}" type="datetimeFigureOut">
               <a:rPr lang="it-IT" smtClean="0"/>
-              <a:t>19/10/2021</a:t>
+              <a:t>14/11/2022</a:t>
             </a:fld>
             <a:endParaRPr lang="it-IT"/>
           </a:p>
@@ -4738,7 +4739,7 @@
           <a:p>
             <a:fld id="{DD268F46-A143-4D49-98F9-74B8259B3C7B}" type="datetimeFigureOut">
               <a:rPr lang="it-IT" smtClean="0"/>
-              <a:t>19/10/2021</a:t>
+              <a:t>14/11/2022</a:t>
             </a:fld>
             <a:endParaRPr lang="it-IT"/>
           </a:p>
@@ -4880,7 +4881,7 @@
           <a:p>
             <a:fld id="{DD268F46-A143-4D49-98F9-74B8259B3C7B}" type="datetimeFigureOut">
               <a:rPr lang="it-IT" smtClean="0"/>
-              <a:t>19/10/2021</a:t>
+              <a:t>14/11/2022</a:t>
             </a:fld>
             <a:endParaRPr lang="it-IT"/>
           </a:p>
@@ -4993,7 +4994,7 @@
           <a:p>
             <a:fld id="{DD268F46-A143-4D49-98F9-74B8259B3C7B}" type="datetimeFigureOut">
               <a:rPr lang="it-IT" smtClean="0"/>
-              <a:t>19/10/2021</a:t>
+              <a:t>14/11/2022</a:t>
             </a:fld>
             <a:endParaRPr lang="it-IT"/>
           </a:p>
@@ -5306,7 +5307,7 @@
           <a:p>
             <a:fld id="{DD268F46-A143-4D49-98F9-74B8259B3C7B}" type="datetimeFigureOut">
               <a:rPr lang="it-IT" smtClean="0"/>
-              <a:t>19/10/2021</a:t>
+              <a:t>14/11/2022</a:t>
             </a:fld>
             <a:endParaRPr lang="it-IT"/>
           </a:p>
@@ -5595,7 +5596,7 @@
           <a:p>
             <a:fld id="{DD268F46-A143-4D49-98F9-74B8259B3C7B}" type="datetimeFigureOut">
               <a:rPr lang="it-IT" smtClean="0"/>
-              <a:t>19/10/2021</a:t>
+              <a:t>14/11/2022</a:t>
             </a:fld>
             <a:endParaRPr lang="it-IT"/>
           </a:p>
@@ -5838,7 +5839,7 @@
           <a:p>
             <a:fld id="{DD268F46-A143-4D49-98F9-74B8259B3C7B}" type="datetimeFigureOut">
               <a:rPr lang="it-IT" smtClean="0"/>
-              <a:t>19/10/2021</a:t>
+              <a:t>14/11/2022</a:t>
             </a:fld>
             <a:endParaRPr lang="it-IT"/>
           </a:p>
@@ -8151,7 +8152,7 @@
           <p:cNvPr id="2" name="Title 1">
             <a:extLst>
               <a:ext uri="{FF2B5EF4-FFF2-40B4-BE49-F238E27FC236}">
-                <a16:creationId xmlns:a16="http://schemas.microsoft.com/office/drawing/2014/main" id="{D63483BF-07BC-421A-AC97-C3FD9B5B4268}"/>
+                <a16:creationId xmlns:a16="http://schemas.microsoft.com/office/drawing/2014/main" id="{FF591879-3E8F-3378-6103-BF377D05A57E}"/>
               </a:ext>
             </a:extLst>
           </p:cNvPr>
@@ -8167,11 +8168,7 @@
           <a:bodyPr/>
           <a:lstStyle/>
           <a:p>
-            <a:r>
-              <a:rPr lang="en-US" dirty="0"/>
-              <a:t>Example of CA private key theft</a:t>
-            </a:r>
-            <a:endParaRPr lang="it-IT" dirty="0"/>
+            <a:endParaRPr lang="it-IT"/>
           </a:p>
         </p:txBody>
       </p:sp>
@@ -8180,7 +8177,7 @@
           <p:cNvPr id="3" name="Content Placeholder 2">
             <a:extLst>
               <a:ext uri="{FF2B5EF4-FFF2-40B4-BE49-F238E27FC236}">
-                <a16:creationId xmlns:a16="http://schemas.microsoft.com/office/drawing/2014/main" id="{A0E590FE-E684-467B-8A5E-5DA4F926C81A}"/>
+                <a16:creationId xmlns:a16="http://schemas.microsoft.com/office/drawing/2014/main" id="{A797CE4B-0E31-DFE1-3AD9-7263108DC682}"/>
               </a:ext>
             </a:extLst>
           </p:cNvPr>
@@ -8196,26 +8193,44 @@
           <a:bodyPr/>
           <a:lstStyle/>
           <a:p>
-            <a:r>
-              <a:rPr lang="en-US" dirty="0"/>
-              <a:t>The </a:t>
-            </a:r>
-            <a:r>
-              <a:rPr lang="en-US" dirty="0" err="1"/>
-              <a:t>Diginotar</a:t>
-            </a:r>
-            <a:r>
-              <a:rPr lang="en-US" dirty="0"/>
-              <a:t> case and many more</a:t>
-            </a:r>
-            <a:endParaRPr lang="it-IT" dirty="0"/>
-          </a:p>
-        </p:txBody>
-      </p:sp>
+            <a:endParaRPr lang="it-IT"/>
+          </a:p>
+        </p:txBody>
+      </p:sp>
+      <p:pic>
+        <p:nvPicPr>
+          <p:cNvPr id="5" name="Picture 4">
+            <a:extLst>
+              <a:ext uri="{FF2B5EF4-FFF2-40B4-BE49-F238E27FC236}">
+                <a16:creationId xmlns:a16="http://schemas.microsoft.com/office/drawing/2014/main" id="{07981CA4-AC8A-C8AB-123E-A65FA79A2390}"/>
+              </a:ext>
+            </a:extLst>
+          </p:cNvPr>
+          <p:cNvPicPr>
+            <a:picLocks noChangeAspect="1"/>
+          </p:cNvPicPr>
+          <p:nvPr/>
+        </p:nvPicPr>
+        <p:blipFill>
+          <a:blip r:embed="rId2"/>
+          <a:stretch>
+            <a:fillRect/>
+          </a:stretch>
+        </p:blipFill>
+        <p:spPr>
+          <a:xfrm>
+            <a:off x="3367803" y="186409"/>
+            <a:ext cx="5456393" cy="6485182"/>
+          </a:xfrm>
+          <a:prstGeom prst="rect">
+            <a:avLst/>
+          </a:prstGeom>
+        </p:spPr>
+      </p:pic>
     </p:spTree>
     <p:extLst>
       <p:ext uri="{BB962C8B-B14F-4D97-AF65-F5344CB8AC3E}">
-        <p14:creationId xmlns:p14="http://schemas.microsoft.com/office/powerpoint/2010/main" val="534134575"/>
+        <p14:creationId xmlns:p14="http://schemas.microsoft.com/office/powerpoint/2010/main" val="495024157"/>
       </p:ext>
     </p:extLst>
   </p:cSld>
@@ -8244,10 +8259,10 @@
       </p:grpSpPr>
       <p:sp>
         <p:nvSpPr>
-          <p:cNvPr id="53250" name="Titolo 1">
-            <a:extLst>
-              <a:ext uri="{FF2B5EF4-FFF2-40B4-BE49-F238E27FC236}">
-                <a16:creationId xmlns:a16="http://schemas.microsoft.com/office/drawing/2014/main" id="{1D51C8E7-4C4F-47B2-A92C-3A4DAF236C02}"/>
+          <p:cNvPr id="2" name="Title 1">
+            <a:extLst>
+              <a:ext uri="{FF2B5EF4-FFF2-40B4-BE49-F238E27FC236}">
+                <a16:creationId xmlns:a16="http://schemas.microsoft.com/office/drawing/2014/main" id="{D63483BF-07BC-421A-AC97-C3FD9B5B4268}"/>
               </a:ext>
             </a:extLst>
           </p:cNvPr>
@@ -8264,18 +8279,19 @@
           <a:lstStyle/>
           <a:p>
             <a:r>
-              <a:rPr lang="it-IT" altLang="it-IT"/>
-              <a:t>Certificate validation</a:t>
-            </a:r>
-          </a:p>
-        </p:txBody>
-      </p:sp>
-      <p:sp>
-        <p:nvSpPr>
-          <p:cNvPr id="53251" name="Segnaposto contenuto 2">
-            <a:extLst>
-              <a:ext uri="{FF2B5EF4-FFF2-40B4-BE49-F238E27FC236}">
-                <a16:creationId xmlns:a16="http://schemas.microsoft.com/office/drawing/2014/main" id="{1DAF082C-5A14-4C8C-991A-2E0E083D6626}"/>
+              <a:rPr lang="en-US" dirty="0"/>
+              <a:t>Example of CA private key theft</a:t>
+            </a:r>
+            <a:endParaRPr lang="it-IT" dirty="0"/>
+          </a:p>
+        </p:txBody>
+      </p:sp>
+      <p:sp>
+        <p:nvSpPr>
+          <p:cNvPr id="3" name="Content Placeholder 2">
+            <a:extLst>
+              <a:ext uri="{FF2B5EF4-FFF2-40B4-BE49-F238E27FC236}">
+                <a16:creationId xmlns:a16="http://schemas.microsoft.com/office/drawing/2014/main" id="{A0E590FE-E684-467B-8A5E-5DA4F926C81A}"/>
               </a:ext>
             </a:extLst>
           </p:cNvPr>
@@ -8292,64 +8308,27 @@
           <a:lstStyle/>
           <a:p>
             <a:r>
-              <a:rPr lang="it-IT" altLang="it-IT"/>
-              <a:t>All these checks must be successful:</a:t>
-            </a:r>
-          </a:p>
-          <a:p>
-            <a:pPr lvl="1"/>
-            <a:r>
-              <a:rPr lang="it-IT" altLang="it-IT"/>
-              <a:t>Digest must correspond to a known and </a:t>
-            </a:r>
-            <a:r>
-              <a:rPr lang="it-IT" altLang="it-IT" b="1"/>
-              <a:t>accepted</a:t>
-            </a:r>
-            <a:r>
-              <a:rPr lang="it-IT" altLang="it-IT"/>
-              <a:t> public key of a CA in the keystore</a:t>
-            </a:r>
-          </a:p>
-          <a:p>
-            <a:pPr lvl="1"/>
-            <a:r>
-              <a:rPr lang="it-IT" altLang="it-IT"/>
-              <a:t>Validity time window must fit with </a:t>
-            </a:r>
-            <a:r>
-              <a:rPr lang="it-IT" altLang="it-IT" b="1"/>
-              <a:t>current time</a:t>
-            </a:r>
-          </a:p>
-          <a:p>
-            <a:pPr lvl="1"/>
-            <a:r>
-              <a:rPr lang="it-IT" altLang="it-IT"/>
-              <a:t>Certificate scope must match (can’t use a certificate for authorizing things not in the certificate scope)</a:t>
-            </a:r>
-          </a:p>
-          <a:p>
-            <a:pPr lvl="1"/>
-            <a:r>
-              <a:rPr lang="it-IT" altLang="it-IT"/>
-              <a:t>Certificate must not be </a:t>
-            </a:r>
-            <a:r>
-              <a:rPr lang="it-IT" altLang="it-IT" b="1"/>
-              <a:t>revoked</a:t>
-            </a:r>
-          </a:p>
-          <a:p>
-            <a:pPr lvl="1"/>
-            <a:r>
-              <a:rPr lang="it-IT" altLang="it-IT" b="1"/>
-              <a:t>Quality check must be ok</a:t>
-            </a:r>
+              <a:rPr lang="en-US" dirty="0"/>
+              <a:t>The </a:t>
+            </a:r>
+            <a:r>
+              <a:rPr lang="en-US" dirty="0" err="1"/>
+              <a:t>Diginotar</a:t>
+            </a:r>
+            <a:r>
+              <a:rPr lang="en-US" dirty="0"/>
+              <a:t> case and many more</a:t>
+            </a:r>
+            <a:endParaRPr lang="it-IT" dirty="0"/>
           </a:p>
         </p:txBody>
       </p:sp>
     </p:spTree>
+    <p:extLst>
+      <p:ext uri="{BB962C8B-B14F-4D97-AF65-F5344CB8AC3E}">
+        <p14:creationId xmlns:p14="http://schemas.microsoft.com/office/powerpoint/2010/main" val="534134575"/>
+      </p:ext>
+    </p:extLst>
   </p:cSld>
   <p:clrMapOvr>
     <a:masterClrMapping/>
@@ -8448,6 +8427,138 @@
 </file>
 
 <file path=ppt/slides/slide20.xml><?xml version="1.0" encoding="utf-8"?>
+<p:sld xmlns:a="http://schemas.openxmlformats.org/drawingml/2006/main" xmlns:r="http://schemas.openxmlformats.org/officeDocument/2006/relationships" xmlns:p="http://schemas.openxmlformats.org/presentationml/2006/main">
+  <p:cSld>
+    <p:spTree>
+      <p:nvGrpSpPr>
+        <p:cNvPr id="1" name=""/>
+        <p:cNvGrpSpPr/>
+        <p:nvPr/>
+      </p:nvGrpSpPr>
+      <p:grpSpPr>
+        <a:xfrm>
+          <a:off x="0" y="0"/>
+          <a:ext cx="0" cy="0"/>
+          <a:chOff x="0" y="0"/>
+          <a:chExt cx="0" cy="0"/>
+        </a:xfrm>
+      </p:grpSpPr>
+      <p:sp>
+        <p:nvSpPr>
+          <p:cNvPr id="53250" name="Titolo 1">
+            <a:extLst>
+              <a:ext uri="{FF2B5EF4-FFF2-40B4-BE49-F238E27FC236}">
+                <a16:creationId xmlns:a16="http://schemas.microsoft.com/office/drawing/2014/main" id="{1D51C8E7-4C4F-47B2-A92C-3A4DAF236C02}"/>
+              </a:ext>
+            </a:extLst>
+          </p:cNvPr>
+          <p:cNvSpPr>
+            <a:spLocks noGrp="1"/>
+          </p:cNvSpPr>
+          <p:nvPr>
+            <p:ph type="title"/>
+          </p:nvPr>
+        </p:nvSpPr>
+        <p:spPr/>
+        <p:txBody>
+          <a:bodyPr/>
+          <a:lstStyle/>
+          <a:p>
+            <a:r>
+              <a:rPr lang="it-IT" altLang="it-IT"/>
+              <a:t>Certificate validation</a:t>
+            </a:r>
+          </a:p>
+        </p:txBody>
+      </p:sp>
+      <p:sp>
+        <p:nvSpPr>
+          <p:cNvPr id="53251" name="Segnaposto contenuto 2">
+            <a:extLst>
+              <a:ext uri="{FF2B5EF4-FFF2-40B4-BE49-F238E27FC236}">
+                <a16:creationId xmlns:a16="http://schemas.microsoft.com/office/drawing/2014/main" id="{1DAF082C-5A14-4C8C-991A-2E0E083D6626}"/>
+              </a:ext>
+            </a:extLst>
+          </p:cNvPr>
+          <p:cNvSpPr>
+            <a:spLocks noGrp="1"/>
+          </p:cNvSpPr>
+          <p:nvPr>
+            <p:ph idx="1"/>
+          </p:nvPr>
+        </p:nvSpPr>
+        <p:spPr/>
+        <p:txBody>
+          <a:bodyPr/>
+          <a:lstStyle/>
+          <a:p>
+            <a:r>
+              <a:rPr lang="it-IT" altLang="it-IT"/>
+              <a:t>All these checks must be successful:</a:t>
+            </a:r>
+          </a:p>
+          <a:p>
+            <a:pPr lvl="1"/>
+            <a:r>
+              <a:rPr lang="it-IT" altLang="it-IT"/>
+              <a:t>Digest must correspond to a known and </a:t>
+            </a:r>
+            <a:r>
+              <a:rPr lang="it-IT" altLang="it-IT" b="1"/>
+              <a:t>accepted</a:t>
+            </a:r>
+            <a:r>
+              <a:rPr lang="it-IT" altLang="it-IT"/>
+              <a:t> public key of a CA in the keystore</a:t>
+            </a:r>
+          </a:p>
+          <a:p>
+            <a:pPr lvl="1"/>
+            <a:r>
+              <a:rPr lang="it-IT" altLang="it-IT"/>
+              <a:t>Validity time window must fit with </a:t>
+            </a:r>
+            <a:r>
+              <a:rPr lang="it-IT" altLang="it-IT" b="1"/>
+              <a:t>current time</a:t>
+            </a:r>
+          </a:p>
+          <a:p>
+            <a:pPr lvl="1"/>
+            <a:r>
+              <a:rPr lang="it-IT" altLang="it-IT"/>
+              <a:t>Certificate scope must match (can’t use a certificate for authorizing things not in the certificate scope)</a:t>
+            </a:r>
+          </a:p>
+          <a:p>
+            <a:pPr lvl="1"/>
+            <a:r>
+              <a:rPr lang="it-IT" altLang="it-IT"/>
+              <a:t>Certificate must not be </a:t>
+            </a:r>
+            <a:r>
+              <a:rPr lang="it-IT" altLang="it-IT" b="1"/>
+              <a:t>revoked</a:t>
+            </a:r>
+          </a:p>
+          <a:p>
+            <a:pPr lvl="1"/>
+            <a:r>
+              <a:rPr lang="it-IT" altLang="it-IT" b="1"/>
+              <a:t>Quality check must be ok</a:t>
+            </a:r>
+          </a:p>
+        </p:txBody>
+      </p:sp>
+    </p:spTree>
+  </p:cSld>
+  <p:clrMapOvr>
+    <a:masterClrMapping/>
+  </p:clrMapOvr>
+</p:sld>
+</file>
+
+<file path=ppt/slides/slide21.xml><?xml version="1.0" encoding="utf-8"?>
 <p:sld xmlns:a="http://schemas.openxmlformats.org/drawingml/2006/main" xmlns:r="http://schemas.openxmlformats.org/officeDocument/2006/relationships" xmlns:p="http://schemas.openxmlformats.org/presentationml/2006/main">
   <p:cSld>
     <p:bg>
@@ -9014,287 +9125,6 @@
 </p:sld>
 </file>
 
-<file path=ppt/slides/slide21.xml><?xml version="1.0" encoding="utf-8"?>
-<p:sld xmlns:a="http://schemas.openxmlformats.org/drawingml/2006/main" xmlns:r="http://schemas.openxmlformats.org/officeDocument/2006/relationships" xmlns:p="http://schemas.openxmlformats.org/presentationml/2006/main">
-  <p:cSld>
-    <p:spTree>
-      <p:nvGrpSpPr>
-        <p:cNvPr id="1" name=""/>
-        <p:cNvGrpSpPr/>
-        <p:nvPr/>
-      </p:nvGrpSpPr>
-      <p:grpSpPr>
-        <a:xfrm>
-          <a:off x="0" y="0"/>
-          <a:ext cx="0" cy="0"/>
-          <a:chOff x="0" y="0"/>
-          <a:chExt cx="0" cy="0"/>
-        </a:xfrm>
-      </p:grpSpPr>
-      <p:sp>
-        <p:nvSpPr>
-          <p:cNvPr id="55298" name="Titolo 1">
-            <a:extLst>
-              <a:ext uri="{FF2B5EF4-FFF2-40B4-BE49-F238E27FC236}">
-                <a16:creationId xmlns:a16="http://schemas.microsoft.com/office/drawing/2014/main" id="{00B425F9-28E9-49F1-A242-F513CAE22D64}"/>
-              </a:ext>
-            </a:extLst>
-          </p:cNvPr>
-          <p:cNvSpPr>
-            <a:spLocks noGrp="1"/>
-          </p:cNvSpPr>
-          <p:nvPr>
-            <p:ph type="title"/>
-          </p:nvPr>
-        </p:nvSpPr>
-        <p:spPr/>
-        <p:txBody>
-          <a:bodyPr/>
-          <a:lstStyle/>
-          <a:p>
-            <a:r>
-              <a:rPr lang="it-IT" altLang="it-IT"/>
-              <a:t>Certificate revocation check</a:t>
-            </a:r>
-          </a:p>
-        </p:txBody>
-      </p:sp>
-      <p:sp>
-        <p:nvSpPr>
-          <p:cNvPr id="3" name="Segnaposto contenuto 2">
-            <a:extLst>
-              <a:ext uri="{FF2B5EF4-FFF2-40B4-BE49-F238E27FC236}">
-                <a16:creationId xmlns:a16="http://schemas.microsoft.com/office/drawing/2014/main" id="{52070687-03D4-416A-859A-53F1F7C6CE21}"/>
-              </a:ext>
-            </a:extLst>
-          </p:cNvPr>
-          <p:cNvSpPr>
-            <a:spLocks noGrp="1"/>
-          </p:cNvSpPr>
-          <p:nvPr>
-            <p:ph idx="1"/>
-          </p:nvPr>
-        </p:nvSpPr>
-        <p:spPr/>
-        <p:txBody>
-          <a:bodyPr/>
-          <a:lstStyle/>
-          <a:p>
-            <a:pPr marL="0" indent="0">
-              <a:buNone/>
-              <a:defRPr/>
-            </a:pPr>
-            <a:r>
-              <a:rPr lang="it-IT" dirty="0" err="1"/>
-              <a:t>Alternatives</a:t>
-            </a:r>
-            <a:r>
-              <a:rPr lang="it-IT" dirty="0"/>
-              <a:t>:</a:t>
-            </a:r>
-          </a:p>
-          <a:p>
-            <a:pPr>
-              <a:defRPr/>
-            </a:pPr>
-            <a:r>
-              <a:rPr lang="it-IT" dirty="0"/>
-              <a:t>Via an OCSP server. </a:t>
-            </a:r>
-            <a:r>
-              <a:rPr lang="it-IT" dirty="0" err="1"/>
-              <a:t>It</a:t>
-            </a:r>
-            <a:r>
-              <a:rPr lang="it-IT" dirty="0"/>
-              <a:t> must be </a:t>
-            </a:r>
-            <a:r>
-              <a:rPr lang="it-IT" dirty="0" err="1"/>
-              <a:t>trusted</a:t>
-            </a:r>
-            <a:r>
-              <a:rPr lang="it-IT" dirty="0"/>
-              <a:t> on </a:t>
-            </a:r>
-            <a:r>
-              <a:rPr lang="it-IT" dirty="0" err="1"/>
-              <a:t>its</a:t>
-            </a:r>
-            <a:r>
-              <a:rPr lang="it-IT" dirty="0"/>
-              <a:t> </a:t>
-            </a:r>
-            <a:r>
-              <a:rPr lang="it-IT" dirty="0" err="1"/>
-              <a:t>own</a:t>
-            </a:r>
-            <a:r>
-              <a:rPr lang="it-IT" dirty="0"/>
-              <a:t>. The OCSP URL </a:t>
-            </a:r>
-            <a:r>
-              <a:rPr lang="it-IT" dirty="0" err="1"/>
-              <a:t>is</a:t>
-            </a:r>
-            <a:r>
-              <a:rPr lang="it-IT" dirty="0"/>
-              <a:t> </a:t>
-            </a:r>
-            <a:r>
-              <a:rPr lang="it-IT" dirty="0" err="1"/>
-              <a:t>usually</a:t>
-            </a:r>
-            <a:r>
-              <a:rPr lang="it-IT" dirty="0"/>
-              <a:t> in a certificate </a:t>
-            </a:r>
-            <a:r>
-              <a:rPr lang="it-IT" dirty="0" err="1"/>
-              <a:t>field</a:t>
-            </a:r>
-            <a:endParaRPr lang="it-IT" dirty="0"/>
-          </a:p>
-          <a:p>
-            <a:pPr lvl="1">
-              <a:defRPr/>
-            </a:pPr>
-            <a:r>
-              <a:rPr lang="it-IT" dirty="0"/>
-              <a:t>Performance </a:t>
-            </a:r>
-            <a:r>
-              <a:rPr lang="it-IT" dirty="0" err="1"/>
-              <a:t>problem</a:t>
-            </a:r>
-            <a:r>
-              <a:rPr lang="it-IT" dirty="0"/>
-              <a:t> and an </a:t>
-            </a:r>
-            <a:r>
-              <a:rPr lang="it-IT" dirty="0" err="1"/>
-              <a:t>example</a:t>
-            </a:r>
-            <a:r>
-              <a:rPr lang="it-IT" dirty="0"/>
-              <a:t> of </a:t>
-            </a:r>
-            <a:r>
-              <a:rPr lang="it-IT" dirty="0" err="1"/>
-              <a:t>possible</a:t>
-            </a:r>
-            <a:r>
-              <a:rPr lang="it-IT" dirty="0"/>
-              <a:t> domino </a:t>
-            </a:r>
-            <a:r>
-              <a:rPr lang="it-IT" dirty="0" err="1"/>
-              <a:t>attack</a:t>
-            </a:r>
-            <a:r>
-              <a:rPr lang="it-IT" dirty="0"/>
-              <a:t> </a:t>
-            </a:r>
-          </a:p>
-          <a:p>
-            <a:pPr marL="914400" lvl="2" indent="0">
-              <a:buNone/>
-              <a:defRPr/>
-            </a:pPr>
-            <a:r>
-              <a:rPr lang="it-IT" dirty="0" err="1"/>
-              <a:t>Availability</a:t>
-            </a:r>
-            <a:r>
-              <a:rPr lang="it-IT" dirty="0"/>
-              <a:t> -&gt; </a:t>
-            </a:r>
-            <a:r>
-              <a:rPr lang="it-IT" dirty="0" err="1"/>
-              <a:t>Confidentiality+Integrity</a:t>
-            </a:r>
-            <a:endParaRPr lang="it-IT" dirty="0"/>
-          </a:p>
-          <a:p>
-            <a:pPr>
-              <a:defRPr/>
-            </a:pPr>
-            <a:r>
-              <a:rPr lang="it-IT" dirty="0"/>
-              <a:t>Via download of </a:t>
-            </a:r>
-            <a:r>
-              <a:rPr lang="it-IT" dirty="0" err="1"/>
-              <a:t>huge</a:t>
-            </a:r>
-            <a:r>
-              <a:rPr lang="it-IT" dirty="0"/>
-              <a:t> CRL </a:t>
-            </a:r>
-            <a:r>
-              <a:rPr lang="it-IT" dirty="0" err="1"/>
-              <a:t>txt</a:t>
-            </a:r>
-            <a:r>
-              <a:rPr lang="it-IT" dirty="0"/>
-              <a:t> </a:t>
-            </a:r>
-            <a:r>
-              <a:rPr lang="it-IT" dirty="0" err="1"/>
-              <a:t>files</a:t>
-            </a:r>
-            <a:endParaRPr lang="it-IT" dirty="0"/>
-          </a:p>
-          <a:p>
-            <a:pPr lvl="1">
-              <a:defRPr/>
-            </a:pPr>
-            <a:r>
-              <a:rPr lang="it-IT" dirty="0"/>
-              <a:t>Big performance </a:t>
-            </a:r>
-            <a:r>
-              <a:rPr lang="it-IT" dirty="0" err="1"/>
-              <a:t>problem</a:t>
-            </a:r>
-            <a:endParaRPr lang="it-IT" dirty="0"/>
-          </a:p>
-          <a:p>
-            <a:pPr>
-              <a:defRPr/>
-            </a:pPr>
-            <a:r>
-              <a:rPr lang="it-IT" dirty="0"/>
-              <a:t>OCSP </a:t>
-            </a:r>
-            <a:r>
-              <a:rPr lang="it-IT" dirty="0" err="1"/>
-              <a:t>Stapling</a:t>
-            </a:r>
-            <a:endParaRPr lang="it-IT" dirty="0"/>
-          </a:p>
-          <a:p>
-            <a:pPr lvl="1">
-              <a:defRPr/>
-            </a:pPr>
-            <a:endParaRPr lang="it-IT" dirty="0"/>
-          </a:p>
-          <a:p>
-            <a:pPr>
-              <a:defRPr/>
-            </a:pPr>
-            <a:endParaRPr lang="it-IT" dirty="0"/>
-          </a:p>
-        </p:txBody>
-      </p:sp>
-    </p:spTree>
-  </p:cSld>
-  <p:clrMapOvr>
-    <a:masterClrMapping/>
-  </p:clrMapOvr>
-</p:sld>
-</file>
-
 <file path=ppt/slides/slide22.xml><?xml version="1.0" encoding="utf-8"?>
 <p:sld xmlns:a="http://schemas.openxmlformats.org/drawingml/2006/main" xmlns:r="http://schemas.openxmlformats.org/officeDocument/2006/relationships" xmlns:p="http://schemas.openxmlformats.org/presentationml/2006/main">
   <p:cSld>
@@ -9314,10 +9144,10 @@
       </p:grpSpPr>
       <p:sp>
         <p:nvSpPr>
-          <p:cNvPr id="56322" name="Titolo 1">
-            <a:extLst>
-              <a:ext uri="{FF2B5EF4-FFF2-40B4-BE49-F238E27FC236}">
-                <a16:creationId xmlns:a16="http://schemas.microsoft.com/office/drawing/2014/main" id="{D9696B3E-3921-478B-80E0-BB2F6F636A51}"/>
+          <p:cNvPr id="55298" name="Titolo 1">
+            <a:extLst>
+              <a:ext uri="{FF2B5EF4-FFF2-40B4-BE49-F238E27FC236}">
+                <a16:creationId xmlns:a16="http://schemas.microsoft.com/office/drawing/2014/main" id="{00B425F9-28E9-49F1-A242-F513CAE22D64}"/>
               </a:ext>
             </a:extLst>
           </p:cNvPr>
@@ -9335,17 +9165,17 @@
           <a:p>
             <a:r>
               <a:rPr lang="it-IT" altLang="it-IT"/>
-              <a:t>Usage of public keys in certificate</a:t>
-            </a:r>
-          </a:p>
-        </p:txBody>
-      </p:sp>
-      <p:sp>
-        <p:nvSpPr>
-          <p:cNvPr id="56323" name="Segnaposto contenuto 2">
-            <a:extLst>
-              <a:ext uri="{FF2B5EF4-FFF2-40B4-BE49-F238E27FC236}">
-                <a16:creationId xmlns:a16="http://schemas.microsoft.com/office/drawing/2014/main" id="{CB3E4D5B-1822-453E-9818-BACED1D4366B}"/>
+              <a:t>Certificate revocation check</a:t>
+            </a:r>
+          </a:p>
+        </p:txBody>
+      </p:sp>
+      <p:sp>
+        <p:nvSpPr>
+          <p:cNvPr id="3" name="Segnaposto contenuto 2">
+            <a:extLst>
+              <a:ext uri="{FF2B5EF4-FFF2-40B4-BE49-F238E27FC236}">
+                <a16:creationId xmlns:a16="http://schemas.microsoft.com/office/drawing/2014/main" id="{52070687-03D4-416A-859A-53F1F7C6CE21}"/>
               </a:ext>
             </a:extLst>
           </p:cNvPr>
@@ -9361,37 +9191,210 @@
           <a:bodyPr/>
           <a:lstStyle/>
           <a:p>
-            <a:r>
-              <a:rPr lang="it-IT" altLang="it-IT"/>
-              <a:t>BasicConstraints:</a:t>
-            </a:r>
-          </a:p>
-          <a:p>
-            <a:pPr lvl="1"/>
-            <a:r>
-              <a:rPr lang="it-IT" altLang="it-IT"/>
-              <a:t>CA true or false, pathlen</a:t>
-            </a:r>
-          </a:p>
-          <a:p>
-            <a:r>
-              <a:rPr lang="it-IT" altLang="it-IT"/>
-              <a:t>KeyUsage values:</a:t>
-            </a:r>
-          </a:p>
-          <a:p>
-            <a:pPr lvl="1"/>
-            <a:r>
-              <a:rPr lang="it-IT" altLang="it-IT" sz="2000"/>
-              <a:t>digitalSignature, nonRepudiation, keyEncipherment, dataEncipherment, keyAgreement, keyCertSign, cRLSign, encipherOnly and decipherOnly</a:t>
-            </a:r>
-          </a:p>
-          <a:p>
-            <a:endParaRPr lang="it-IT" altLang="it-IT" sz="2400"/>
-          </a:p>
-          <a:p>
-            <a:pPr lvl="1"/>
-            <a:endParaRPr lang="it-IT" altLang="it-IT"/>
+            <a:pPr marL="0" indent="0">
+              <a:buNone/>
+              <a:defRPr/>
+            </a:pPr>
+            <a:r>
+              <a:rPr lang="it-IT" dirty="0" err="1"/>
+              <a:t>Alternatives</a:t>
+            </a:r>
+            <a:r>
+              <a:rPr lang="it-IT" dirty="0"/>
+              <a:t>:</a:t>
+            </a:r>
+          </a:p>
+          <a:p>
+            <a:pPr>
+              <a:defRPr/>
+            </a:pPr>
+            <a:r>
+              <a:rPr lang="it-IT" dirty="0"/>
+              <a:t>Via an OCSP server. </a:t>
+            </a:r>
+            <a:r>
+              <a:rPr lang="it-IT" dirty="0" err="1"/>
+              <a:t>It</a:t>
+            </a:r>
+            <a:r>
+              <a:rPr lang="it-IT" dirty="0"/>
+              <a:t> must be </a:t>
+            </a:r>
+            <a:r>
+              <a:rPr lang="it-IT" dirty="0" err="1"/>
+              <a:t>trusted</a:t>
+            </a:r>
+            <a:r>
+              <a:rPr lang="it-IT" dirty="0"/>
+              <a:t> on </a:t>
+            </a:r>
+            <a:r>
+              <a:rPr lang="it-IT" dirty="0" err="1"/>
+              <a:t>its</a:t>
+            </a:r>
+            <a:r>
+              <a:rPr lang="it-IT" dirty="0"/>
+              <a:t> </a:t>
+            </a:r>
+            <a:r>
+              <a:rPr lang="it-IT" dirty="0" err="1"/>
+              <a:t>own</a:t>
+            </a:r>
+            <a:r>
+              <a:rPr lang="it-IT" dirty="0"/>
+              <a:t>. The OCSP URL </a:t>
+            </a:r>
+            <a:r>
+              <a:rPr lang="it-IT" dirty="0" err="1"/>
+              <a:t>is</a:t>
+            </a:r>
+            <a:r>
+              <a:rPr lang="it-IT" dirty="0"/>
+              <a:t> </a:t>
+            </a:r>
+            <a:r>
+              <a:rPr lang="it-IT" dirty="0" err="1"/>
+              <a:t>usually</a:t>
+            </a:r>
+            <a:r>
+              <a:rPr lang="it-IT" dirty="0"/>
+              <a:t> in a certificate </a:t>
+            </a:r>
+            <a:r>
+              <a:rPr lang="it-IT" dirty="0" err="1"/>
+              <a:t>field</a:t>
+            </a:r>
+            <a:endParaRPr lang="it-IT" dirty="0"/>
+          </a:p>
+          <a:p>
+            <a:pPr lvl="1">
+              <a:defRPr/>
+            </a:pPr>
+            <a:r>
+              <a:rPr lang="it-IT" dirty="0"/>
+              <a:t>Performance </a:t>
+            </a:r>
+            <a:r>
+              <a:rPr lang="it-IT" dirty="0" err="1"/>
+              <a:t>problem</a:t>
+            </a:r>
+            <a:r>
+              <a:rPr lang="it-IT" dirty="0"/>
+              <a:t> and an </a:t>
+            </a:r>
+            <a:r>
+              <a:rPr lang="it-IT" dirty="0" err="1"/>
+              <a:t>example</a:t>
+            </a:r>
+            <a:r>
+              <a:rPr lang="it-IT" dirty="0"/>
+              <a:t> of </a:t>
+            </a:r>
+            <a:r>
+              <a:rPr lang="it-IT" dirty="0" err="1"/>
+              <a:t>possible</a:t>
+            </a:r>
+            <a:r>
+              <a:rPr lang="it-IT" dirty="0"/>
+              <a:t> domino </a:t>
+            </a:r>
+            <a:r>
+              <a:rPr lang="it-IT" dirty="0" err="1"/>
+              <a:t>attack</a:t>
+            </a:r>
+            <a:r>
+              <a:rPr lang="it-IT" dirty="0"/>
+              <a:t> </a:t>
+            </a:r>
+          </a:p>
+          <a:p>
+            <a:pPr marL="914400" lvl="2" indent="0">
+              <a:buNone/>
+              <a:defRPr/>
+            </a:pPr>
+            <a:r>
+              <a:rPr lang="it-IT" dirty="0" err="1"/>
+              <a:t>Availability</a:t>
+            </a:r>
+            <a:r>
+              <a:rPr lang="it-IT" dirty="0"/>
+              <a:t> -&gt; </a:t>
+            </a:r>
+            <a:r>
+              <a:rPr lang="it-IT" dirty="0" err="1"/>
+              <a:t>Confidentiality+Integrity</a:t>
+            </a:r>
+            <a:endParaRPr lang="it-IT" dirty="0"/>
+          </a:p>
+          <a:p>
+            <a:pPr>
+              <a:defRPr/>
+            </a:pPr>
+            <a:r>
+              <a:rPr lang="it-IT" dirty="0"/>
+              <a:t>Via download of </a:t>
+            </a:r>
+            <a:r>
+              <a:rPr lang="it-IT" dirty="0" err="1"/>
+              <a:t>huge</a:t>
+            </a:r>
+            <a:r>
+              <a:rPr lang="it-IT" dirty="0"/>
+              <a:t> CRL </a:t>
+            </a:r>
+            <a:r>
+              <a:rPr lang="it-IT" dirty="0" err="1"/>
+              <a:t>txt</a:t>
+            </a:r>
+            <a:r>
+              <a:rPr lang="it-IT" dirty="0"/>
+              <a:t> </a:t>
+            </a:r>
+            <a:r>
+              <a:rPr lang="it-IT" dirty="0" err="1"/>
+              <a:t>files</a:t>
+            </a:r>
+            <a:endParaRPr lang="it-IT" dirty="0"/>
+          </a:p>
+          <a:p>
+            <a:pPr lvl="1">
+              <a:defRPr/>
+            </a:pPr>
+            <a:r>
+              <a:rPr lang="it-IT" dirty="0"/>
+              <a:t>Big performance </a:t>
+            </a:r>
+            <a:r>
+              <a:rPr lang="it-IT" dirty="0" err="1"/>
+              <a:t>problem</a:t>
+            </a:r>
+            <a:endParaRPr lang="it-IT" dirty="0"/>
+          </a:p>
+          <a:p>
+            <a:pPr>
+              <a:defRPr/>
+            </a:pPr>
+            <a:r>
+              <a:rPr lang="it-IT" dirty="0"/>
+              <a:t>OCSP </a:t>
+            </a:r>
+            <a:r>
+              <a:rPr lang="it-IT" dirty="0" err="1"/>
+              <a:t>Stapling</a:t>
+            </a:r>
+            <a:endParaRPr lang="it-IT" dirty="0"/>
+          </a:p>
+          <a:p>
+            <a:pPr lvl="1">
+              <a:defRPr/>
+            </a:pPr>
+            <a:endParaRPr lang="it-IT" dirty="0"/>
+          </a:p>
+          <a:p>
+            <a:pPr>
+              <a:defRPr/>
+            </a:pPr>
+            <a:endParaRPr lang="it-IT" dirty="0"/>
           </a:p>
         </p:txBody>
       </p:sp>
@@ -9422,10 +9425,10 @@
       </p:grpSpPr>
       <p:sp>
         <p:nvSpPr>
-          <p:cNvPr id="2" name="Title 1">
-            <a:extLst>
-              <a:ext uri="{FF2B5EF4-FFF2-40B4-BE49-F238E27FC236}">
-                <a16:creationId xmlns:a16="http://schemas.microsoft.com/office/drawing/2014/main" id="{9C867D60-A375-49EA-9B9B-66966548488F}"/>
+          <p:cNvPr id="56322" name="Titolo 1">
+            <a:extLst>
+              <a:ext uri="{FF2B5EF4-FFF2-40B4-BE49-F238E27FC236}">
+                <a16:creationId xmlns:a16="http://schemas.microsoft.com/office/drawing/2014/main" id="{D9696B3E-3921-478B-80E0-BB2F6F636A51}"/>
               </a:ext>
             </a:extLst>
           </p:cNvPr>
@@ -9442,19 +9445,18 @@
           <a:lstStyle/>
           <a:p>
             <a:r>
-              <a:rPr lang="en-US" dirty="0"/>
-              <a:t>Other known PKIs – Usages	</a:t>
-            </a:r>
-            <a:endParaRPr lang="it-IT" dirty="0"/>
-          </a:p>
-        </p:txBody>
-      </p:sp>
-      <p:sp>
-        <p:nvSpPr>
-          <p:cNvPr id="3" name="Content Placeholder 2">
-            <a:extLst>
-              <a:ext uri="{FF2B5EF4-FFF2-40B4-BE49-F238E27FC236}">
-                <a16:creationId xmlns:a16="http://schemas.microsoft.com/office/drawing/2014/main" id="{033B3825-AEB2-43F6-A04F-DA779948FFD4}"/>
+              <a:rPr lang="it-IT" altLang="it-IT"/>
+              <a:t>Usage of public keys in certificate</a:t>
+            </a:r>
+          </a:p>
+        </p:txBody>
+      </p:sp>
+      <p:sp>
+        <p:nvSpPr>
+          <p:cNvPr id="56323" name="Segnaposto contenuto 2">
+            <a:extLst>
+              <a:ext uri="{FF2B5EF4-FFF2-40B4-BE49-F238E27FC236}">
+                <a16:creationId xmlns:a16="http://schemas.microsoft.com/office/drawing/2014/main" id="{CB3E4D5B-1822-453E-9818-BACED1D4366B}"/>
               </a:ext>
             </a:extLst>
           </p:cNvPr>
@@ -9471,31 +9473,40 @@
           <a:lstStyle/>
           <a:p>
             <a:r>
-              <a:rPr lang="en-US" dirty="0"/>
-              <a:t>Code signing</a:t>
-            </a:r>
-          </a:p>
-          <a:p>
-            <a:r>
-              <a:rPr lang="en-US" dirty="0"/>
-              <a:t>Public administration</a:t>
-            </a:r>
-          </a:p>
-          <a:p>
-            <a:r>
-              <a:rPr lang="en-US" dirty="0"/>
-              <a:t>Digital Rights Management</a:t>
-            </a:r>
-            <a:endParaRPr lang="it-IT" dirty="0"/>
+              <a:rPr lang="it-IT" altLang="it-IT"/>
+              <a:t>BasicConstraints:</a:t>
+            </a:r>
+          </a:p>
+          <a:p>
+            <a:pPr lvl="1"/>
+            <a:r>
+              <a:rPr lang="it-IT" altLang="it-IT"/>
+              <a:t>CA true or false, pathlen</a:t>
+            </a:r>
+          </a:p>
+          <a:p>
+            <a:r>
+              <a:rPr lang="it-IT" altLang="it-IT"/>
+              <a:t>KeyUsage values:</a:t>
+            </a:r>
+          </a:p>
+          <a:p>
+            <a:pPr lvl="1"/>
+            <a:r>
+              <a:rPr lang="it-IT" altLang="it-IT" sz="2000"/>
+              <a:t>digitalSignature, nonRepudiation, keyEncipherment, dataEncipherment, keyAgreement, keyCertSign, cRLSign, encipherOnly and decipherOnly</a:t>
+            </a:r>
+          </a:p>
+          <a:p>
+            <a:endParaRPr lang="it-IT" altLang="it-IT" sz="2400"/>
+          </a:p>
+          <a:p>
+            <a:pPr lvl="1"/>
+            <a:endParaRPr lang="it-IT" altLang="it-IT"/>
           </a:p>
         </p:txBody>
       </p:sp>
     </p:spTree>
-    <p:extLst>
-      <p:ext uri="{BB962C8B-B14F-4D97-AF65-F5344CB8AC3E}">
-        <p14:creationId xmlns:p14="http://schemas.microsoft.com/office/powerpoint/2010/main" val="1678698923"/>
-      </p:ext>
-    </p:extLst>
   </p:cSld>
   <p:clrMapOvr>
     <a:masterClrMapping/>
@@ -9522,10 +9533,10 @@
       </p:grpSpPr>
       <p:sp>
         <p:nvSpPr>
-          <p:cNvPr id="57346" name="Titolo 1">
-            <a:extLst>
-              <a:ext uri="{FF2B5EF4-FFF2-40B4-BE49-F238E27FC236}">
-                <a16:creationId xmlns:a16="http://schemas.microsoft.com/office/drawing/2014/main" id="{397BC71E-38D7-4B04-86CF-D378199F21D6}"/>
+          <p:cNvPr id="2" name="Title 1">
+            <a:extLst>
+              <a:ext uri="{FF2B5EF4-FFF2-40B4-BE49-F238E27FC236}">
+                <a16:creationId xmlns:a16="http://schemas.microsoft.com/office/drawing/2014/main" id="{9C867D60-A375-49EA-9B9B-66966548488F}"/>
               </a:ext>
             </a:extLst>
           </p:cNvPr>
@@ -9542,18 +9553,19 @@
           <a:lstStyle/>
           <a:p>
             <a:r>
-              <a:rPr lang="it-IT" altLang="it-IT"/>
-              <a:t>Extended key usages</a:t>
-            </a:r>
-          </a:p>
-        </p:txBody>
-      </p:sp>
-      <p:sp>
-        <p:nvSpPr>
-          <p:cNvPr id="57347" name="Segnaposto contenuto 2">
-            <a:extLst>
-              <a:ext uri="{FF2B5EF4-FFF2-40B4-BE49-F238E27FC236}">
-                <a16:creationId xmlns:a16="http://schemas.microsoft.com/office/drawing/2014/main" id="{F2B8323A-AF25-43B3-9807-A30CC415C73F}"/>
+              <a:rPr lang="en-US" dirty="0"/>
+              <a:t>Other known PKIs – Usages	</a:t>
+            </a:r>
+            <a:endParaRPr lang="it-IT" dirty="0"/>
+          </a:p>
+        </p:txBody>
+      </p:sp>
+      <p:sp>
+        <p:nvSpPr>
+          <p:cNvPr id="3" name="Content Placeholder 2">
+            <a:extLst>
+              <a:ext uri="{FF2B5EF4-FFF2-40B4-BE49-F238E27FC236}">
+                <a16:creationId xmlns:a16="http://schemas.microsoft.com/office/drawing/2014/main" id="{033B3825-AEB2-43F6-A04F-DA779948FFD4}"/>
               </a:ext>
             </a:extLst>
           </p:cNvPr>
@@ -9566,130 +9578,35 @@
         </p:nvSpPr>
         <p:spPr/>
         <p:txBody>
-          <a:bodyPr>
-            <a:normAutofit lnSpcReduction="10000"/>
-          </a:bodyPr>
+          <a:bodyPr/>
           <a:lstStyle/>
           <a:p>
             <a:r>
-              <a:rPr lang="it-IT" altLang="it-IT" sz="1600">
-                <a:latin typeface="Courier New" panose="02070309020205020404" pitchFamily="49" charset="0"/>
-                <a:cs typeface="Courier New" panose="02070309020205020404" pitchFamily="49" charset="0"/>
-              </a:rPr>
-              <a:t>Value                  Meaning</a:t>
-            </a:r>
-          </a:p>
-          <a:p>
-            <a:r>
-              <a:rPr lang="it-IT" altLang="it-IT" sz="1600">
-                <a:latin typeface="Courier New" panose="02070309020205020404" pitchFamily="49" charset="0"/>
-                <a:cs typeface="Courier New" panose="02070309020205020404" pitchFamily="49" charset="0"/>
-              </a:rPr>
-              <a:t> -----                  -------</a:t>
-            </a:r>
-          </a:p>
-          <a:p>
-            <a:r>
-              <a:rPr lang="it-IT" altLang="it-IT" sz="1600">
-                <a:latin typeface="Courier New" panose="02070309020205020404" pitchFamily="49" charset="0"/>
-                <a:cs typeface="Courier New" panose="02070309020205020404" pitchFamily="49" charset="0"/>
-              </a:rPr>
-              <a:t> serverAuth             SSL/TLS Web Server Authentication.</a:t>
-            </a:r>
-          </a:p>
-          <a:p>
-            <a:r>
-              <a:rPr lang="it-IT" altLang="it-IT" sz="1600">
-                <a:latin typeface="Courier New" panose="02070309020205020404" pitchFamily="49" charset="0"/>
-                <a:cs typeface="Courier New" panose="02070309020205020404" pitchFamily="49" charset="0"/>
-              </a:rPr>
-              <a:t> clientAuth             SSL/TLS Web Client Authentication.</a:t>
-            </a:r>
-          </a:p>
-          <a:p>
-            <a:r>
-              <a:rPr lang="it-IT" altLang="it-IT" sz="1600">
-                <a:latin typeface="Courier New" panose="02070309020205020404" pitchFamily="49" charset="0"/>
-                <a:cs typeface="Courier New" panose="02070309020205020404" pitchFamily="49" charset="0"/>
-              </a:rPr>
-              <a:t> codeSigning            Code signing.</a:t>
-            </a:r>
-          </a:p>
-          <a:p>
-            <a:r>
-              <a:rPr lang="it-IT" altLang="it-IT" sz="1600">
-                <a:latin typeface="Courier New" panose="02070309020205020404" pitchFamily="49" charset="0"/>
-                <a:cs typeface="Courier New" panose="02070309020205020404" pitchFamily="49" charset="0"/>
-              </a:rPr>
-              <a:t> emailProtection        E-mail Protection (S/MIME).</a:t>
-            </a:r>
-          </a:p>
-          <a:p>
-            <a:r>
-              <a:rPr lang="it-IT" altLang="it-IT" sz="1600">
-                <a:latin typeface="Courier New" panose="02070309020205020404" pitchFamily="49" charset="0"/>
-                <a:cs typeface="Courier New" panose="02070309020205020404" pitchFamily="49" charset="0"/>
-              </a:rPr>
-              <a:t> timeStamping           Trusted Timestamping</a:t>
-            </a:r>
-          </a:p>
-          <a:p>
-            <a:r>
-              <a:rPr lang="it-IT" altLang="it-IT" sz="1600">
-                <a:latin typeface="Courier New" panose="02070309020205020404" pitchFamily="49" charset="0"/>
-                <a:cs typeface="Courier New" panose="02070309020205020404" pitchFamily="49" charset="0"/>
-              </a:rPr>
-              <a:t> OCSPSigning            OCSP Signing</a:t>
-            </a:r>
-          </a:p>
-          <a:p>
-            <a:r>
-              <a:rPr lang="it-IT" altLang="it-IT" sz="1600">
-                <a:latin typeface="Courier New" panose="02070309020205020404" pitchFamily="49" charset="0"/>
-                <a:cs typeface="Courier New" panose="02070309020205020404" pitchFamily="49" charset="0"/>
-              </a:rPr>
-              <a:t> ipsecIKE               ipsec Internet Key Exchange</a:t>
-            </a:r>
-          </a:p>
-          <a:p>
-            <a:r>
-              <a:rPr lang="it-IT" altLang="it-IT" sz="1600">
-                <a:latin typeface="Courier New" panose="02070309020205020404" pitchFamily="49" charset="0"/>
-                <a:cs typeface="Courier New" panose="02070309020205020404" pitchFamily="49" charset="0"/>
-              </a:rPr>
-              <a:t> msCodeInd              Microsoft Individual Code Signing (authenticode)</a:t>
-            </a:r>
-          </a:p>
-          <a:p>
-            <a:r>
-              <a:rPr lang="it-IT" altLang="it-IT" sz="1600">
-                <a:latin typeface="Courier New" panose="02070309020205020404" pitchFamily="49" charset="0"/>
-                <a:cs typeface="Courier New" panose="02070309020205020404" pitchFamily="49" charset="0"/>
-              </a:rPr>
-              <a:t> msCodeCom              Microsoft Commercial Code Signing (authenticode)</a:t>
-            </a:r>
-          </a:p>
-          <a:p>
-            <a:r>
-              <a:rPr lang="it-IT" altLang="it-IT" sz="1600">
-                <a:latin typeface="Courier New" panose="02070309020205020404" pitchFamily="49" charset="0"/>
-                <a:cs typeface="Courier New" panose="02070309020205020404" pitchFamily="49" charset="0"/>
-              </a:rPr>
-              <a:t> msCTLSign              Microsoft Trust List Signing</a:t>
-            </a:r>
-          </a:p>
-          <a:p>
-            <a:r>
-              <a:rPr lang="it-IT" altLang="it-IT" sz="1600">
-                <a:latin typeface="Courier New" panose="02070309020205020404" pitchFamily="49" charset="0"/>
-                <a:cs typeface="Courier New" panose="02070309020205020404" pitchFamily="49" charset="0"/>
-              </a:rPr>
-              <a:t> msEFS                  Microsoft Encrypted File System</a:t>
-            </a:r>
+              <a:rPr lang="en-US" dirty="0"/>
+              <a:t>Code signing</a:t>
+            </a:r>
+          </a:p>
+          <a:p>
+            <a:r>
+              <a:rPr lang="en-US" dirty="0"/>
+              <a:t>Public administration</a:t>
+            </a:r>
+          </a:p>
+          <a:p>
+            <a:r>
+              <a:rPr lang="en-US" dirty="0"/>
+              <a:t>Digital Rights Management</a:t>
+            </a:r>
+            <a:endParaRPr lang="it-IT" dirty="0"/>
           </a:p>
         </p:txBody>
       </p:sp>
     </p:spTree>
+    <p:extLst>
+      <p:ext uri="{BB962C8B-B14F-4D97-AF65-F5344CB8AC3E}">
+        <p14:creationId xmlns:p14="http://schemas.microsoft.com/office/powerpoint/2010/main" val="1678698923"/>
+      </p:ext>
+    </p:extLst>
   </p:cSld>
   <p:clrMapOvr>
     <a:masterClrMapping/>
@@ -9716,10 +9633,10 @@
       </p:grpSpPr>
       <p:sp>
         <p:nvSpPr>
-          <p:cNvPr id="82946" name="Titolo 1">
-            <a:extLst>
-              <a:ext uri="{FF2B5EF4-FFF2-40B4-BE49-F238E27FC236}">
-                <a16:creationId xmlns:a16="http://schemas.microsoft.com/office/drawing/2014/main" id="{854CAB9A-452E-4344-8F6C-CB6FDF99A009}"/>
+          <p:cNvPr id="57346" name="Titolo 1">
+            <a:extLst>
+              <a:ext uri="{FF2B5EF4-FFF2-40B4-BE49-F238E27FC236}">
+                <a16:creationId xmlns:a16="http://schemas.microsoft.com/office/drawing/2014/main" id="{397BC71E-38D7-4B04-86CF-D378199F21D6}"/>
               </a:ext>
             </a:extLst>
           </p:cNvPr>
@@ -9735,99 +9652,19 @@
           <a:bodyPr/>
           <a:lstStyle/>
           <a:p>
-            <a:pPr eaLnBrk="1" hangingPunct="1"/>
-            <a:r>
-              <a:rPr lang="it-IT" altLang="it-IT" dirty="0">
-                <a:ea typeface="MS PGothic" panose="020B0600070205080204" pitchFamily="34" charset="-128"/>
-              </a:rPr>
-              <a:t>PKI </a:t>
-            </a:r>
-            <a:r>
-              <a:rPr lang="it-IT" altLang="it-IT" dirty="0" err="1">
-                <a:ea typeface="MS PGothic" panose="020B0600070205080204" pitchFamily="34" charset="-128"/>
-              </a:rPr>
-              <a:t>Assumptions</a:t>
-            </a:r>
-            <a:r>
-              <a:rPr lang="it-IT" altLang="it-IT" dirty="0">
-                <a:ea typeface="MS PGothic" panose="020B0600070205080204" pitchFamily="34" charset="-128"/>
-              </a:rPr>
-              <a:t> and </a:t>
-            </a:r>
-            <a:r>
-              <a:rPr lang="it-IT" altLang="it-IT" dirty="0" err="1">
-                <a:ea typeface="MS PGothic" panose="020B0600070205080204" pitchFamily="34" charset="-128"/>
-              </a:rPr>
-              <a:t>its</a:t>
-            </a:r>
-            <a:r>
-              <a:rPr lang="it-IT" altLang="it-IT" dirty="0">
-                <a:ea typeface="MS PGothic" panose="020B0600070205080204" pitchFamily="34" charset="-128"/>
-              </a:rPr>
-              <a:t> </a:t>
-            </a:r>
-            <a:r>
-              <a:rPr lang="it-IT" altLang="it-IT" dirty="0" err="1">
-                <a:ea typeface="MS PGothic" panose="020B0600070205080204" pitchFamily="34" charset="-128"/>
-              </a:rPr>
-              <a:t>attack</a:t>
-            </a:r>
-            <a:r>
-              <a:rPr lang="it-IT" altLang="it-IT" dirty="0">
-                <a:ea typeface="MS PGothic" panose="020B0600070205080204" pitchFamily="34" charset="-128"/>
-              </a:rPr>
-              <a:t> </a:t>
-            </a:r>
-            <a:r>
-              <a:rPr lang="it-IT" altLang="it-IT" dirty="0" err="1">
-                <a:ea typeface="MS PGothic" panose="020B0600070205080204" pitchFamily="34" charset="-128"/>
-              </a:rPr>
-              <a:t>surface</a:t>
-            </a:r>
-            <a:br>
-              <a:rPr lang="it-IT" altLang="it-IT" dirty="0">
-                <a:ea typeface="MS PGothic" panose="020B0600070205080204" pitchFamily="34" charset="-128"/>
-              </a:rPr>
-            </a:br>
-            <a:r>
-              <a:rPr lang="it-IT" altLang="it-IT" sz="2400" dirty="0">
-                <a:ea typeface="MS PGothic" panose="020B0600070205080204" pitchFamily="34" charset="-128"/>
-              </a:rPr>
-              <a:t>from </a:t>
-            </a:r>
-            <a:r>
-              <a:rPr lang="it-IT" altLang="it-IT" sz="2400" dirty="0">
-                <a:ea typeface="MS PGothic" panose="020B0600070205080204" pitchFamily="34" charset="-128"/>
-                <a:hlinkClick r:id="rId3"/>
-              </a:rPr>
-              <a:t>«</a:t>
-            </a:r>
-            <a:r>
-              <a:rPr lang="it-IT" altLang="it-IT" sz="2400" dirty="0" err="1">
-                <a:ea typeface="MS PGothic" panose="020B0600070205080204" pitchFamily="34" charset="-128"/>
-                <a:hlinkClick r:id="rId3"/>
-              </a:rPr>
-              <a:t>ten</a:t>
-            </a:r>
-            <a:r>
-              <a:rPr lang="it-IT" altLang="it-IT" sz="2400" dirty="0">
-                <a:ea typeface="MS PGothic" panose="020B0600070205080204" pitchFamily="34" charset="-128"/>
-                <a:hlinkClick r:id="rId3"/>
-              </a:rPr>
-              <a:t> risks of PKI»</a:t>
-            </a:r>
-            <a:endParaRPr lang="it-IT" altLang="it-IT" sz="2400" dirty="0">
-              <a:ea typeface="MS PGothic" panose="020B0600070205080204" pitchFamily="34" charset="-128"/>
-            </a:endParaRPr>
-          </a:p>
-        </p:txBody>
-      </p:sp>
-      <p:sp>
-        <p:nvSpPr>
-          <p:cNvPr id="45059" name="Segnaposto contenuto 2">
-            <a:extLst>
-              <a:ext uri="{FF2B5EF4-FFF2-40B4-BE49-F238E27FC236}">
-                <a16:creationId xmlns:a16="http://schemas.microsoft.com/office/drawing/2014/main" id="{6B9E76DD-15A2-4268-A2E3-C6F6C1057875}"/>
+            <a:r>
+              <a:rPr lang="it-IT" altLang="it-IT"/>
+              <a:t>Extended key usages</a:t>
+            </a:r>
+          </a:p>
+        </p:txBody>
+      </p:sp>
+      <p:sp>
+        <p:nvSpPr>
+          <p:cNvPr id="57347" name="Segnaposto contenuto 2">
+            <a:extLst>
+              <a:ext uri="{FF2B5EF4-FFF2-40B4-BE49-F238E27FC236}">
+                <a16:creationId xmlns:a16="http://schemas.microsoft.com/office/drawing/2014/main" id="{F2B8323A-AF25-43B3-9807-A30CC415C73F}"/>
               </a:ext>
             </a:extLst>
           </p:cNvPr>
@@ -9840,419 +9677,125 @@
         </p:nvSpPr>
         <p:spPr/>
         <p:txBody>
-          <a:bodyPr rtlCol="0">
-            <a:normAutofit/>
+          <a:bodyPr>
+            <a:normAutofit lnSpcReduction="10000"/>
           </a:bodyPr>
           <a:lstStyle/>
           <a:p>
-            <a:pPr marL="514350" indent="-514350">
-              <a:buFont typeface="Franklin Gothic Medium" pitchFamily="34" charset="0"/>
-              <a:buAutoNum type="arabicPeriod"/>
-              <a:defRPr/>
-            </a:pPr>
-            <a:r>
-              <a:rPr lang="it-IT" altLang="it-IT" dirty="0">
-                <a:ea typeface="ＭＳ Ｐゴシック" pitchFamily="34" charset="-128"/>
-              </a:rPr>
-              <a:t>Trust </a:t>
-            </a:r>
-            <a:r>
-              <a:rPr lang="it-IT" altLang="it-IT" dirty="0" err="1">
-                <a:ea typeface="ＭＳ Ｐゴシック" pitchFamily="34" charset="-128"/>
-              </a:rPr>
-              <a:t>your</a:t>
-            </a:r>
-            <a:r>
-              <a:rPr lang="it-IT" altLang="it-IT" dirty="0">
-                <a:ea typeface="ＭＳ Ｐゴシック" pitchFamily="34" charset="-128"/>
-              </a:rPr>
-              <a:t> CA and </a:t>
-            </a:r>
-            <a:r>
-              <a:rPr lang="it-IT" altLang="it-IT" dirty="0" err="1">
-                <a:ea typeface="ＭＳ Ｐゴシック" pitchFamily="34" charset="-128"/>
-              </a:rPr>
-              <a:t>its</a:t>
-            </a:r>
-            <a:r>
-              <a:rPr lang="it-IT" altLang="it-IT" dirty="0">
-                <a:ea typeface="ＭＳ Ｐゴシック" pitchFamily="34" charset="-128"/>
-              </a:rPr>
-              <a:t> CPS (Certificate </a:t>
-            </a:r>
-            <a:r>
-              <a:rPr lang="it-IT" altLang="it-IT" dirty="0" err="1">
-                <a:ea typeface="ＭＳ Ｐゴシック" pitchFamily="34" charset="-128"/>
-              </a:rPr>
-              <a:t>Practice</a:t>
-            </a:r>
-            <a:r>
-              <a:rPr lang="it-IT" altLang="it-IT" dirty="0">
-                <a:ea typeface="ＭＳ Ｐゴシック" pitchFamily="34" charset="-128"/>
-              </a:rPr>
-              <a:t> Statement)</a:t>
-            </a:r>
-          </a:p>
-          <a:p>
-            <a:pPr marL="514350" indent="-514350">
-              <a:buFont typeface="Franklin Gothic Medium" pitchFamily="34" charset="0"/>
-              <a:buAutoNum type="arabicPeriod"/>
-              <a:defRPr/>
-            </a:pPr>
-            <a:r>
-              <a:rPr lang="it-IT" altLang="it-IT" dirty="0">
-                <a:ea typeface="ＭＳ Ｐゴシック" pitchFamily="34" charset="-128"/>
-              </a:rPr>
-              <a:t>Trust </a:t>
-            </a:r>
-            <a:r>
-              <a:rPr lang="it-IT" altLang="it-IT" dirty="0" err="1">
-                <a:ea typeface="ＭＳ Ｐゴシック" pitchFamily="34" charset="-128"/>
-              </a:rPr>
-              <a:t>that</a:t>
-            </a:r>
-            <a:r>
-              <a:rPr lang="it-IT" altLang="it-IT" dirty="0">
-                <a:ea typeface="ＭＳ Ｐゴシック" pitchFamily="34" charset="-128"/>
-              </a:rPr>
-              <a:t> a private </a:t>
-            </a:r>
-            <a:r>
-              <a:rPr lang="it-IT" altLang="it-IT" dirty="0" err="1">
-                <a:ea typeface="ＭＳ Ｐゴシック" pitchFamily="34" charset="-128"/>
-              </a:rPr>
-              <a:t>key</a:t>
-            </a:r>
-            <a:r>
-              <a:rPr lang="it-IT" altLang="it-IT" dirty="0">
-                <a:ea typeface="ＭＳ Ｐゴシック" pitchFamily="34" charset="-128"/>
-              </a:rPr>
-              <a:t> </a:t>
-            </a:r>
-            <a:r>
-              <a:rPr lang="it-IT" altLang="it-IT" dirty="0" err="1">
-                <a:ea typeface="ＭＳ Ｐゴシック" pitchFamily="34" charset="-128"/>
-              </a:rPr>
-              <a:t>will</a:t>
-            </a:r>
-            <a:r>
-              <a:rPr lang="it-IT" altLang="it-IT" dirty="0">
-                <a:ea typeface="ＭＳ Ｐゴシック" pitchFamily="34" charset="-128"/>
-              </a:rPr>
-              <a:t> be </a:t>
-            </a:r>
-            <a:r>
-              <a:rPr lang="it-IT" altLang="it-IT" dirty="0" err="1">
-                <a:ea typeface="ＭＳ Ｐゴシック" pitchFamily="34" charset="-128"/>
-              </a:rPr>
-              <a:t>handled</a:t>
-            </a:r>
-            <a:r>
-              <a:rPr lang="it-IT" altLang="it-IT" dirty="0">
-                <a:ea typeface="ＭＳ Ｐゴシック" pitchFamily="34" charset="-128"/>
-              </a:rPr>
-              <a:t> </a:t>
-            </a:r>
-            <a:r>
-              <a:rPr lang="it-IT" altLang="it-IT" dirty="0" err="1">
-                <a:ea typeface="ＭＳ Ｐゴシック" pitchFamily="34" charset="-128"/>
-              </a:rPr>
-              <a:t>only</a:t>
-            </a:r>
-            <a:r>
-              <a:rPr lang="it-IT" altLang="it-IT" dirty="0">
-                <a:ea typeface="ＭＳ Ｐゴシック" pitchFamily="34" charset="-128"/>
-              </a:rPr>
-              <a:t> by the </a:t>
-            </a:r>
-            <a:r>
-              <a:rPr lang="it-IT" altLang="it-IT" dirty="0" err="1">
-                <a:ea typeface="ＭＳ Ｐゴシック" pitchFamily="34" charset="-128"/>
-              </a:rPr>
-              <a:t>legitimate</a:t>
-            </a:r>
-            <a:r>
-              <a:rPr lang="it-IT" altLang="it-IT" dirty="0">
-                <a:ea typeface="ＭＳ Ｐゴシック" pitchFamily="34" charset="-128"/>
-              </a:rPr>
-              <a:t> </a:t>
-            </a:r>
-            <a:r>
-              <a:rPr lang="it-IT" altLang="it-IT" dirty="0" err="1">
-                <a:ea typeface="ＭＳ Ｐゴシック" pitchFamily="34" charset="-128"/>
-              </a:rPr>
-              <a:t>handler</a:t>
-            </a:r>
-            <a:r>
-              <a:rPr lang="it-IT" altLang="it-IT" dirty="0">
-                <a:ea typeface="ＭＳ Ｐゴシック" pitchFamily="34" charset="-128"/>
-              </a:rPr>
-              <a:t> (</a:t>
-            </a:r>
-            <a:r>
-              <a:rPr lang="it-IT" altLang="it-IT" dirty="0" err="1">
-                <a:ea typeface="ＭＳ Ｐゴシック" pitchFamily="34" charset="-128"/>
-              </a:rPr>
-              <a:t>legal</a:t>
-            </a:r>
-            <a:r>
-              <a:rPr lang="it-IT" altLang="it-IT" dirty="0">
-                <a:ea typeface="ＭＳ Ｐゴシック" pitchFamily="34" charset="-128"/>
-              </a:rPr>
-              <a:t> </a:t>
-            </a:r>
-            <a:r>
-              <a:rPr lang="it-IT" altLang="it-IT" dirty="0" err="1">
-                <a:ea typeface="ＭＳ Ｐゴシック" pitchFamily="34" charset="-128"/>
-              </a:rPr>
-              <a:t>assumptions</a:t>
-            </a:r>
-            <a:r>
-              <a:rPr lang="it-IT" altLang="it-IT" dirty="0">
-                <a:ea typeface="ＭＳ Ｐゴシック" pitchFamily="34" charset="-128"/>
-              </a:rPr>
-              <a:t>)</a:t>
-            </a:r>
-          </a:p>
-          <a:p>
-            <a:pPr marL="514350" indent="-514350">
-              <a:buFont typeface="Franklin Gothic Medium" pitchFamily="34" charset="0"/>
-              <a:buAutoNum type="arabicPeriod"/>
-              <a:defRPr/>
-            </a:pPr>
-            <a:r>
-              <a:rPr lang="it-IT" altLang="it-IT" dirty="0">
-                <a:ea typeface="ＭＳ Ｐゴシック" pitchFamily="34" charset="-128"/>
-              </a:rPr>
-              <a:t>Trust the </a:t>
-            </a:r>
-            <a:r>
-              <a:rPr lang="it-IT" altLang="it-IT" dirty="0" err="1">
-                <a:ea typeface="ＭＳ Ｐゴシック" pitchFamily="34" charset="-128"/>
-              </a:rPr>
-              <a:t>verifying</a:t>
-            </a:r>
-            <a:r>
-              <a:rPr lang="it-IT" altLang="it-IT" dirty="0">
-                <a:ea typeface="ＭＳ Ｐゴシック" pitchFamily="34" charset="-128"/>
-              </a:rPr>
-              <a:t> computer/browser and </a:t>
-            </a:r>
-            <a:r>
-              <a:rPr lang="it-IT" altLang="it-IT" dirty="0" err="1">
-                <a:ea typeface="ＭＳ Ｐゴシック" pitchFamily="34" charset="-128"/>
-              </a:rPr>
-              <a:t>its</a:t>
-            </a:r>
-            <a:r>
-              <a:rPr lang="it-IT" altLang="it-IT" dirty="0">
-                <a:ea typeface="ＭＳ Ｐゴシック" pitchFamily="34" charset="-128"/>
-              </a:rPr>
-              <a:t> </a:t>
-            </a:r>
-            <a:r>
-              <a:rPr lang="it-IT" altLang="it-IT" dirty="0" err="1">
-                <a:ea typeface="ＭＳ Ｐゴシック" pitchFamily="34" charset="-128"/>
-              </a:rPr>
-              <a:t>own</a:t>
-            </a:r>
-            <a:r>
-              <a:rPr lang="it-IT" altLang="it-IT" dirty="0">
-                <a:ea typeface="ＭＳ Ｐゴシック" pitchFamily="34" charset="-128"/>
-              </a:rPr>
-              <a:t> root certificate list</a:t>
-            </a:r>
-          </a:p>
-          <a:p>
-            <a:pPr marL="514350" indent="-514350">
-              <a:buFont typeface="Franklin Gothic Medium" pitchFamily="34" charset="0"/>
-              <a:buAutoNum type="arabicPeriod"/>
-              <a:defRPr/>
-            </a:pPr>
-            <a:r>
-              <a:rPr lang="it-IT" altLang="it-IT" sz="2800" dirty="0">
-                <a:ea typeface="ＭＳ Ｐゴシック" pitchFamily="34" charset="-128"/>
-              </a:rPr>
-              <a:t>The CA </a:t>
-            </a:r>
-            <a:r>
-              <a:rPr lang="it-IT" altLang="it-IT" sz="2800" dirty="0" err="1">
-                <a:ea typeface="ＭＳ Ｐゴシック" pitchFamily="34" charset="-128"/>
-              </a:rPr>
-              <a:t>trusted</a:t>
-            </a:r>
-            <a:r>
-              <a:rPr lang="it-IT" altLang="it-IT" sz="2800" dirty="0">
-                <a:ea typeface="ＭＳ Ｐゴシック" pitchFamily="34" charset="-128"/>
-              </a:rPr>
-              <a:t> list </a:t>
-            </a:r>
-            <a:r>
-              <a:rPr lang="it-IT" altLang="it-IT" sz="2800" dirty="0" err="1">
-                <a:ea typeface="ＭＳ Ｐゴシック" pitchFamily="34" charset="-128"/>
-              </a:rPr>
-              <a:t>is</a:t>
-            </a:r>
-            <a:r>
-              <a:rPr lang="it-IT" altLang="it-IT" sz="2800" dirty="0">
-                <a:ea typeface="ＭＳ Ｐゴシック" pitchFamily="34" charset="-128"/>
-              </a:rPr>
-              <a:t> </a:t>
-            </a:r>
-            <a:r>
-              <a:rPr lang="it-IT" altLang="it-IT" sz="2800" dirty="0" err="1">
-                <a:ea typeface="ＭＳ Ｐゴシック" pitchFamily="34" charset="-128"/>
-              </a:rPr>
-              <a:t>as</a:t>
-            </a:r>
-            <a:r>
-              <a:rPr lang="it-IT" altLang="it-IT" sz="2800" dirty="0">
-                <a:ea typeface="ＭＳ Ｐゴシック" pitchFamily="34" charset="-128"/>
-              </a:rPr>
-              <a:t> </a:t>
-            </a:r>
-            <a:r>
-              <a:rPr lang="it-IT" altLang="it-IT" sz="2800" dirty="0" err="1">
-                <a:ea typeface="ＭＳ Ｐゴシック" pitchFamily="34" charset="-128"/>
-              </a:rPr>
-              <a:t>weak</a:t>
-            </a:r>
-            <a:r>
-              <a:rPr lang="it-IT" altLang="it-IT" sz="2800" dirty="0">
-                <a:ea typeface="ＭＳ Ｐゴシック" pitchFamily="34" charset="-128"/>
-              </a:rPr>
-              <a:t> </a:t>
-            </a:r>
-            <a:r>
-              <a:rPr lang="it-IT" altLang="it-IT" sz="2800" dirty="0" err="1">
-                <a:ea typeface="ＭＳ Ｐゴシック" pitchFamily="34" charset="-128"/>
-              </a:rPr>
-              <a:t>as</a:t>
-            </a:r>
-            <a:r>
-              <a:rPr lang="it-IT" altLang="it-IT" sz="2800" dirty="0">
-                <a:ea typeface="ＭＳ Ｐゴシック" pitchFamily="34" charset="-128"/>
-              </a:rPr>
-              <a:t> the </a:t>
-            </a:r>
-            <a:r>
-              <a:rPr lang="it-IT" altLang="it-IT" sz="2800" dirty="0" err="1">
-                <a:ea typeface="ＭＳ Ｐゴシック" pitchFamily="34" charset="-128"/>
-              </a:rPr>
-              <a:t>weakest</a:t>
-            </a:r>
-            <a:r>
-              <a:rPr lang="it-IT" altLang="it-IT" sz="2800" dirty="0">
-                <a:ea typeface="ＭＳ Ｐゴシック" pitchFamily="34" charset="-128"/>
-              </a:rPr>
-              <a:t> CA in the </a:t>
-            </a:r>
-            <a:r>
-              <a:rPr lang="it-IT" altLang="it-IT" sz="2800" dirty="0" err="1">
-                <a:ea typeface="ＭＳ Ｐゴシック" pitchFamily="34" charset="-128"/>
-              </a:rPr>
-              <a:t>bunch</a:t>
-            </a:r>
-            <a:endParaRPr lang="it-IT" altLang="it-IT" dirty="0">
-              <a:ea typeface="ＭＳ Ｐゴシック" pitchFamily="34" charset="-128"/>
-            </a:endParaRPr>
-          </a:p>
-          <a:p>
-            <a:pPr marL="514350" indent="-514350">
-              <a:buFont typeface="Franklin Gothic Medium" pitchFamily="34" charset="0"/>
-              <a:buAutoNum type="arabicPeriod"/>
-              <a:defRPr/>
-            </a:pPr>
-            <a:r>
-              <a:rPr lang="it-IT" altLang="it-IT" dirty="0">
-                <a:ea typeface="ＭＳ Ｐゴシック" pitchFamily="34" charset="-128"/>
-              </a:rPr>
-              <a:t>Trust the </a:t>
-            </a:r>
-            <a:r>
-              <a:rPr lang="it-IT" altLang="it-IT" dirty="0" err="1">
-                <a:ea typeface="ＭＳ Ｐゴシック" pitchFamily="34" charset="-128"/>
-              </a:rPr>
-              <a:t>association</a:t>
-            </a:r>
-            <a:r>
-              <a:rPr lang="it-IT" altLang="it-IT" dirty="0">
-                <a:ea typeface="ＭＳ Ｐゴシック" pitchFamily="34" charset="-128"/>
-              </a:rPr>
-              <a:t> </a:t>
-            </a:r>
-            <a:r>
-              <a:rPr lang="it-IT" altLang="it-IT" dirty="0" err="1">
-                <a:ea typeface="ＭＳ Ｐゴシック" pitchFamily="34" charset="-128"/>
-              </a:rPr>
-              <a:t>between</a:t>
-            </a:r>
-            <a:r>
-              <a:rPr lang="it-IT" altLang="it-IT" dirty="0">
-                <a:ea typeface="ＭＳ Ｐゴシック" pitchFamily="34" charset="-128"/>
-              </a:rPr>
-              <a:t> </a:t>
-            </a:r>
-          </a:p>
-          <a:p>
-            <a:pPr marL="0" indent="0">
-              <a:buNone/>
-              <a:defRPr/>
-            </a:pPr>
-            <a:r>
-              <a:rPr lang="it-IT" altLang="it-IT" dirty="0">
-                <a:ea typeface="ＭＳ Ｐゴシック" pitchFamily="34" charset="-128"/>
-              </a:rPr>
-              <a:t>	Identity</a:t>
-            </a:r>
-            <a:r>
-              <a:rPr lang="it-IT" altLang="it-IT" dirty="0">
-                <a:ea typeface="ＭＳ Ｐゴシック" pitchFamily="34" charset="-128"/>
-                <a:sym typeface="Wingdings" pitchFamily="2" charset="2"/>
-              </a:rPr>
-              <a:t>  </a:t>
-            </a:r>
-            <a:r>
-              <a:rPr lang="it-IT" altLang="it-IT" dirty="0">
-                <a:ea typeface="ＭＳ Ｐゴシック" pitchFamily="34" charset="-128"/>
-              </a:rPr>
-              <a:t>Certificate </a:t>
-            </a:r>
-          </a:p>
-          <a:p>
-            <a:pPr marL="0" indent="0">
-              <a:buNone/>
-              <a:defRPr/>
-            </a:pPr>
-            <a:r>
-              <a:rPr lang="it-IT" altLang="it-IT" dirty="0">
-                <a:ea typeface="ＭＳ Ｐゴシック" pitchFamily="34" charset="-128"/>
-              </a:rPr>
-              <a:t>	(</a:t>
-            </a:r>
-            <a:r>
-              <a:rPr lang="it-IT" altLang="it-IT" dirty="0" err="1">
-                <a:ea typeface="ＭＳ Ｐゴシック" pitchFamily="34" charset="-128"/>
-              </a:rPr>
-              <a:t>homonymies</a:t>
-            </a:r>
-            <a:r>
-              <a:rPr lang="it-IT" altLang="it-IT" dirty="0">
-                <a:ea typeface="ＭＳ Ｐゴシック" pitchFamily="34" charset="-128"/>
-              </a:rPr>
-              <a:t> are </a:t>
-            </a:r>
-            <a:r>
-              <a:rPr lang="it-IT" altLang="it-IT" dirty="0" err="1">
-                <a:ea typeface="ＭＳ Ｐゴシック" pitchFamily="34" charset="-128"/>
-              </a:rPr>
-              <a:t>possible</a:t>
-            </a:r>
-            <a:r>
-              <a:rPr lang="it-IT" altLang="it-IT" dirty="0">
-                <a:ea typeface="ＭＳ Ｐゴシック" pitchFamily="34" charset="-128"/>
-              </a:rPr>
-              <a:t>)</a:t>
+            <a:r>
+              <a:rPr lang="it-IT" altLang="it-IT" sz="1600">
+                <a:latin typeface="Courier New" panose="02070309020205020404" pitchFamily="49" charset="0"/>
+                <a:cs typeface="Courier New" panose="02070309020205020404" pitchFamily="49" charset="0"/>
+              </a:rPr>
+              <a:t>Value                  Meaning</a:t>
+            </a:r>
+          </a:p>
+          <a:p>
+            <a:r>
+              <a:rPr lang="it-IT" altLang="it-IT" sz="1600">
+                <a:latin typeface="Courier New" panose="02070309020205020404" pitchFamily="49" charset="0"/>
+                <a:cs typeface="Courier New" panose="02070309020205020404" pitchFamily="49" charset="0"/>
+              </a:rPr>
+              <a:t> -----                  -------</a:t>
+            </a:r>
+          </a:p>
+          <a:p>
+            <a:r>
+              <a:rPr lang="it-IT" altLang="it-IT" sz="1600">
+                <a:latin typeface="Courier New" panose="02070309020205020404" pitchFamily="49" charset="0"/>
+                <a:cs typeface="Courier New" panose="02070309020205020404" pitchFamily="49" charset="0"/>
+              </a:rPr>
+              <a:t> serverAuth             SSL/TLS Web Server Authentication.</a:t>
+            </a:r>
+          </a:p>
+          <a:p>
+            <a:r>
+              <a:rPr lang="it-IT" altLang="it-IT" sz="1600">
+                <a:latin typeface="Courier New" panose="02070309020205020404" pitchFamily="49" charset="0"/>
+                <a:cs typeface="Courier New" panose="02070309020205020404" pitchFamily="49" charset="0"/>
+              </a:rPr>
+              <a:t> clientAuth             SSL/TLS Web Client Authentication.</a:t>
+            </a:r>
+          </a:p>
+          <a:p>
+            <a:r>
+              <a:rPr lang="it-IT" altLang="it-IT" sz="1600">
+                <a:latin typeface="Courier New" panose="02070309020205020404" pitchFamily="49" charset="0"/>
+                <a:cs typeface="Courier New" panose="02070309020205020404" pitchFamily="49" charset="0"/>
+              </a:rPr>
+              <a:t> codeSigning            Code signing.</a:t>
+            </a:r>
+          </a:p>
+          <a:p>
+            <a:r>
+              <a:rPr lang="it-IT" altLang="it-IT" sz="1600">
+                <a:latin typeface="Courier New" panose="02070309020205020404" pitchFamily="49" charset="0"/>
+                <a:cs typeface="Courier New" panose="02070309020205020404" pitchFamily="49" charset="0"/>
+              </a:rPr>
+              <a:t> emailProtection        E-mail Protection (S/MIME).</a:t>
+            </a:r>
+          </a:p>
+          <a:p>
+            <a:r>
+              <a:rPr lang="it-IT" altLang="it-IT" sz="1600">
+                <a:latin typeface="Courier New" panose="02070309020205020404" pitchFamily="49" charset="0"/>
+                <a:cs typeface="Courier New" panose="02070309020205020404" pitchFamily="49" charset="0"/>
+              </a:rPr>
+              <a:t> timeStamping           Trusted Timestamping</a:t>
+            </a:r>
+          </a:p>
+          <a:p>
+            <a:r>
+              <a:rPr lang="it-IT" altLang="it-IT" sz="1600">
+                <a:latin typeface="Courier New" panose="02070309020205020404" pitchFamily="49" charset="0"/>
+                <a:cs typeface="Courier New" panose="02070309020205020404" pitchFamily="49" charset="0"/>
+              </a:rPr>
+              <a:t> OCSPSigning            OCSP Signing</a:t>
+            </a:r>
+          </a:p>
+          <a:p>
+            <a:r>
+              <a:rPr lang="it-IT" altLang="it-IT" sz="1600">
+                <a:latin typeface="Courier New" panose="02070309020205020404" pitchFamily="49" charset="0"/>
+                <a:cs typeface="Courier New" panose="02070309020205020404" pitchFamily="49" charset="0"/>
+              </a:rPr>
+              <a:t> ipsecIKE               ipsec Internet Key Exchange</a:t>
+            </a:r>
+          </a:p>
+          <a:p>
+            <a:r>
+              <a:rPr lang="it-IT" altLang="it-IT" sz="1600">
+                <a:latin typeface="Courier New" panose="02070309020205020404" pitchFamily="49" charset="0"/>
+                <a:cs typeface="Courier New" panose="02070309020205020404" pitchFamily="49" charset="0"/>
+              </a:rPr>
+              <a:t> msCodeInd              Microsoft Individual Code Signing (authenticode)</a:t>
+            </a:r>
+          </a:p>
+          <a:p>
+            <a:r>
+              <a:rPr lang="it-IT" altLang="it-IT" sz="1600">
+                <a:latin typeface="Courier New" panose="02070309020205020404" pitchFamily="49" charset="0"/>
+                <a:cs typeface="Courier New" panose="02070309020205020404" pitchFamily="49" charset="0"/>
+              </a:rPr>
+              <a:t> msCodeCom              Microsoft Commercial Code Signing (authenticode)</a:t>
+            </a:r>
+          </a:p>
+          <a:p>
+            <a:r>
+              <a:rPr lang="it-IT" altLang="it-IT" sz="1600">
+                <a:latin typeface="Courier New" panose="02070309020205020404" pitchFamily="49" charset="0"/>
+                <a:cs typeface="Courier New" panose="02070309020205020404" pitchFamily="49" charset="0"/>
+              </a:rPr>
+              <a:t> msCTLSign              Microsoft Trust List Signing</a:t>
+            </a:r>
+          </a:p>
+          <a:p>
+            <a:r>
+              <a:rPr lang="it-IT" altLang="it-IT" sz="1600">
+                <a:latin typeface="Courier New" panose="02070309020205020404" pitchFamily="49" charset="0"/>
+                <a:cs typeface="Courier New" panose="02070309020205020404" pitchFamily="49" charset="0"/>
+              </a:rPr>
+              <a:t> msEFS                  Microsoft Encrypted File System</a:t>
             </a:r>
           </a:p>
         </p:txBody>
@@ -10284,10 +9827,10 @@
       </p:grpSpPr>
       <p:sp>
         <p:nvSpPr>
-          <p:cNvPr id="84994" name="Titolo 1">
-            <a:extLst>
-              <a:ext uri="{FF2B5EF4-FFF2-40B4-BE49-F238E27FC236}">
-                <a16:creationId xmlns:a16="http://schemas.microsoft.com/office/drawing/2014/main" id="{AD88CBA9-D587-4A5A-91E0-D6DA5200B6B4}"/>
+          <p:cNvPr id="82946" name="Titolo 1">
+            <a:extLst>
+              <a:ext uri="{FF2B5EF4-FFF2-40B4-BE49-F238E27FC236}">
+                <a16:creationId xmlns:a16="http://schemas.microsoft.com/office/drawing/2014/main" id="{854CAB9A-452E-4344-8F6C-CB6FDF99A009}"/>
               </a:ext>
             </a:extLst>
           </p:cNvPr>
@@ -10305,20 +9848,97 @@
           <a:p>
             <a:pPr eaLnBrk="1" hangingPunct="1"/>
             <a:r>
-              <a:rPr lang="it-IT" altLang="it-IT">
+              <a:rPr lang="it-IT" altLang="it-IT" dirty="0">
                 <a:ea typeface="MS PGothic" panose="020B0600070205080204" pitchFamily="34" charset="-128"/>
               </a:rPr>
-              <a:t>PKI Assumptions #2</a:t>
-            </a:r>
-          </a:p>
-        </p:txBody>
-      </p:sp>
-      <p:sp>
-        <p:nvSpPr>
-          <p:cNvPr id="3" name="Segnaposto contenuto 2">
-            <a:extLst>
-              <a:ext uri="{FF2B5EF4-FFF2-40B4-BE49-F238E27FC236}">
-                <a16:creationId xmlns:a16="http://schemas.microsoft.com/office/drawing/2014/main" id="{14D4D58E-F411-4F7C-8768-20F3523A814E}"/>
+              <a:t>PKI </a:t>
+            </a:r>
+            <a:r>
+              <a:rPr lang="it-IT" altLang="it-IT" dirty="0" err="1">
+                <a:ea typeface="MS PGothic" panose="020B0600070205080204" pitchFamily="34" charset="-128"/>
+              </a:rPr>
+              <a:t>Assumptions</a:t>
+            </a:r>
+            <a:r>
+              <a:rPr lang="it-IT" altLang="it-IT" dirty="0">
+                <a:ea typeface="MS PGothic" panose="020B0600070205080204" pitchFamily="34" charset="-128"/>
+              </a:rPr>
+              <a:t> and </a:t>
+            </a:r>
+            <a:r>
+              <a:rPr lang="it-IT" altLang="it-IT" dirty="0" err="1">
+                <a:ea typeface="MS PGothic" panose="020B0600070205080204" pitchFamily="34" charset="-128"/>
+              </a:rPr>
+              <a:t>its</a:t>
+            </a:r>
+            <a:r>
+              <a:rPr lang="it-IT" altLang="it-IT" dirty="0">
+                <a:ea typeface="MS PGothic" panose="020B0600070205080204" pitchFamily="34" charset="-128"/>
+              </a:rPr>
+              <a:t> </a:t>
+            </a:r>
+            <a:r>
+              <a:rPr lang="it-IT" altLang="it-IT" dirty="0" err="1">
+                <a:ea typeface="MS PGothic" panose="020B0600070205080204" pitchFamily="34" charset="-128"/>
+              </a:rPr>
+              <a:t>attack</a:t>
+            </a:r>
+            <a:r>
+              <a:rPr lang="it-IT" altLang="it-IT" dirty="0">
+                <a:ea typeface="MS PGothic" panose="020B0600070205080204" pitchFamily="34" charset="-128"/>
+              </a:rPr>
+              <a:t> </a:t>
+            </a:r>
+            <a:r>
+              <a:rPr lang="it-IT" altLang="it-IT" dirty="0" err="1">
+                <a:ea typeface="MS PGothic" panose="020B0600070205080204" pitchFamily="34" charset="-128"/>
+              </a:rPr>
+              <a:t>surface</a:t>
+            </a:r>
+            <a:br>
+              <a:rPr lang="it-IT" altLang="it-IT" dirty="0">
+                <a:ea typeface="MS PGothic" panose="020B0600070205080204" pitchFamily="34" charset="-128"/>
+              </a:rPr>
+            </a:br>
+            <a:r>
+              <a:rPr lang="it-IT" altLang="it-IT" sz="2400" dirty="0">
+                <a:ea typeface="MS PGothic" panose="020B0600070205080204" pitchFamily="34" charset="-128"/>
+              </a:rPr>
+              <a:t>from </a:t>
+            </a:r>
+            <a:r>
+              <a:rPr lang="it-IT" altLang="it-IT" sz="2400" dirty="0">
+                <a:ea typeface="MS PGothic" panose="020B0600070205080204" pitchFamily="34" charset="-128"/>
+                <a:hlinkClick r:id="rId3"/>
+              </a:rPr>
+              <a:t>«</a:t>
+            </a:r>
+            <a:r>
+              <a:rPr lang="it-IT" altLang="it-IT" sz="2400" dirty="0" err="1">
+                <a:ea typeface="MS PGothic" panose="020B0600070205080204" pitchFamily="34" charset="-128"/>
+                <a:hlinkClick r:id="rId3"/>
+              </a:rPr>
+              <a:t>ten</a:t>
+            </a:r>
+            <a:r>
+              <a:rPr lang="it-IT" altLang="it-IT" sz="2400" dirty="0">
+                <a:ea typeface="MS PGothic" panose="020B0600070205080204" pitchFamily="34" charset="-128"/>
+                <a:hlinkClick r:id="rId3"/>
+              </a:rPr>
+              <a:t> risks of PKI»</a:t>
+            </a:r>
+            <a:endParaRPr lang="it-IT" altLang="it-IT" sz="2400" dirty="0">
+              <a:ea typeface="MS PGothic" panose="020B0600070205080204" pitchFamily="34" charset="-128"/>
+            </a:endParaRPr>
+          </a:p>
+        </p:txBody>
+      </p:sp>
+      <p:sp>
+        <p:nvSpPr>
+          <p:cNvPr id="45059" name="Segnaposto contenuto 2">
+            <a:extLst>
+              <a:ext uri="{FF2B5EF4-FFF2-40B4-BE49-F238E27FC236}">
+                <a16:creationId xmlns:a16="http://schemas.microsoft.com/office/drawing/2014/main" id="{6B9E76DD-15A2-4268-A2E3-C6F6C1057875}"/>
               </a:ext>
             </a:extLst>
           </p:cNvPr>
@@ -10336,75 +9956,378 @@
           </a:bodyPr>
           <a:lstStyle/>
           <a:p>
+            <a:pPr marL="514350" indent="-514350">
+              <a:buFont typeface="Franklin Gothic Medium" pitchFamily="34" charset="0"/>
+              <a:buAutoNum type="arabicPeriod"/>
+              <a:defRPr/>
+            </a:pPr>
+            <a:r>
+              <a:rPr lang="it-IT" altLang="it-IT" dirty="0">
+                <a:ea typeface="ＭＳ Ｐゴシック" pitchFamily="34" charset="-128"/>
+              </a:rPr>
+              <a:t>Trust </a:t>
+            </a:r>
+            <a:r>
+              <a:rPr lang="it-IT" altLang="it-IT" dirty="0" err="1">
+                <a:ea typeface="ＭＳ Ｐゴシック" pitchFamily="34" charset="-128"/>
+              </a:rPr>
+              <a:t>your</a:t>
+            </a:r>
+            <a:r>
+              <a:rPr lang="it-IT" altLang="it-IT" dirty="0">
+                <a:ea typeface="ＭＳ Ｐゴシック" pitchFamily="34" charset="-128"/>
+              </a:rPr>
+              <a:t> CA and </a:t>
+            </a:r>
+            <a:r>
+              <a:rPr lang="it-IT" altLang="it-IT" dirty="0" err="1">
+                <a:ea typeface="ＭＳ Ｐゴシック" pitchFamily="34" charset="-128"/>
+              </a:rPr>
+              <a:t>its</a:t>
+            </a:r>
+            <a:r>
+              <a:rPr lang="it-IT" altLang="it-IT" dirty="0">
+                <a:ea typeface="ＭＳ Ｐゴシック" pitchFamily="34" charset="-128"/>
+              </a:rPr>
+              <a:t> CPS (Certificate </a:t>
+            </a:r>
+            <a:r>
+              <a:rPr lang="it-IT" altLang="it-IT" dirty="0" err="1">
+                <a:ea typeface="ＭＳ Ｐゴシック" pitchFamily="34" charset="-128"/>
+              </a:rPr>
+              <a:t>Practice</a:t>
+            </a:r>
+            <a:r>
+              <a:rPr lang="it-IT" altLang="it-IT" dirty="0">
+                <a:ea typeface="ＭＳ Ｐゴシック" pitchFamily="34" charset="-128"/>
+              </a:rPr>
+              <a:t> Statement)</a:t>
+            </a:r>
+          </a:p>
+          <a:p>
+            <a:pPr marL="514350" indent="-514350">
+              <a:buFont typeface="Franklin Gothic Medium" pitchFamily="34" charset="0"/>
+              <a:buAutoNum type="arabicPeriod"/>
+              <a:defRPr/>
+            </a:pPr>
+            <a:r>
+              <a:rPr lang="it-IT" altLang="it-IT" dirty="0">
+                <a:ea typeface="ＭＳ Ｐゴシック" pitchFamily="34" charset="-128"/>
+              </a:rPr>
+              <a:t>Trust </a:t>
+            </a:r>
+            <a:r>
+              <a:rPr lang="it-IT" altLang="it-IT" dirty="0" err="1">
+                <a:ea typeface="ＭＳ Ｐゴシック" pitchFamily="34" charset="-128"/>
+              </a:rPr>
+              <a:t>that</a:t>
+            </a:r>
+            <a:r>
+              <a:rPr lang="it-IT" altLang="it-IT" dirty="0">
+                <a:ea typeface="ＭＳ Ｐゴシック" pitchFamily="34" charset="-128"/>
+              </a:rPr>
+              <a:t> a private </a:t>
+            </a:r>
+            <a:r>
+              <a:rPr lang="it-IT" altLang="it-IT" dirty="0" err="1">
+                <a:ea typeface="ＭＳ Ｐゴシック" pitchFamily="34" charset="-128"/>
+              </a:rPr>
+              <a:t>key</a:t>
+            </a:r>
+            <a:r>
+              <a:rPr lang="it-IT" altLang="it-IT" dirty="0">
+                <a:ea typeface="ＭＳ Ｐゴシック" pitchFamily="34" charset="-128"/>
+              </a:rPr>
+              <a:t> </a:t>
+            </a:r>
+            <a:r>
+              <a:rPr lang="it-IT" altLang="it-IT" dirty="0" err="1">
+                <a:ea typeface="ＭＳ Ｐゴシック" pitchFamily="34" charset="-128"/>
+              </a:rPr>
+              <a:t>will</a:t>
+            </a:r>
+            <a:r>
+              <a:rPr lang="it-IT" altLang="it-IT" dirty="0">
+                <a:ea typeface="ＭＳ Ｐゴシック" pitchFamily="34" charset="-128"/>
+              </a:rPr>
+              <a:t> be </a:t>
+            </a:r>
+            <a:r>
+              <a:rPr lang="it-IT" altLang="it-IT" dirty="0" err="1">
+                <a:ea typeface="ＭＳ Ｐゴシック" pitchFamily="34" charset="-128"/>
+              </a:rPr>
+              <a:t>handled</a:t>
+            </a:r>
+            <a:r>
+              <a:rPr lang="it-IT" altLang="it-IT" dirty="0">
+                <a:ea typeface="ＭＳ Ｐゴシック" pitchFamily="34" charset="-128"/>
+              </a:rPr>
+              <a:t> </a:t>
+            </a:r>
+            <a:r>
+              <a:rPr lang="it-IT" altLang="it-IT" dirty="0" err="1">
+                <a:ea typeface="ＭＳ Ｐゴシック" pitchFamily="34" charset="-128"/>
+              </a:rPr>
+              <a:t>only</a:t>
+            </a:r>
+            <a:r>
+              <a:rPr lang="it-IT" altLang="it-IT" dirty="0">
+                <a:ea typeface="ＭＳ Ｐゴシック" pitchFamily="34" charset="-128"/>
+              </a:rPr>
+              <a:t> by the </a:t>
+            </a:r>
+            <a:r>
+              <a:rPr lang="it-IT" altLang="it-IT" dirty="0" err="1">
+                <a:ea typeface="ＭＳ Ｐゴシック" pitchFamily="34" charset="-128"/>
+              </a:rPr>
+              <a:t>legitimate</a:t>
+            </a:r>
+            <a:r>
+              <a:rPr lang="it-IT" altLang="it-IT" dirty="0">
+                <a:ea typeface="ＭＳ Ｐゴシック" pitchFamily="34" charset="-128"/>
+              </a:rPr>
+              <a:t> </a:t>
+            </a:r>
+            <a:r>
+              <a:rPr lang="it-IT" altLang="it-IT" dirty="0" err="1">
+                <a:ea typeface="ＭＳ Ｐゴシック" pitchFamily="34" charset="-128"/>
+              </a:rPr>
+              <a:t>handler</a:t>
+            </a:r>
+            <a:r>
+              <a:rPr lang="it-IT" altLang="it-IT" dirty="0">
+                <a:ea typeface="ＭＳ Ｐゴシック" pitchFamily="34" charset="-128"/>
+              </a:rPr>
+              <a:t> (</a:t>
+            </a:r>
+            <a:r>
+              <a:rPr lang="it-IT" altLang="it-IT" dirty="0" err="1">
+                <a:ea typeface="ＭＳ Ｐゴシック" pitchFamily="34" charset="-128"/>
+              </a:rPr>
+              <a:t>legal</a:t>
+            </a:r>
+            <a:r>
+              <a:rPr lang="it-IT" altLang="it-IT" dirty="0">
+                <a:ea typeface="ＭＳ Ｐゴシック" pitchFamily="34" charset="-128"/>
+              </a:rPr>
+              <a:t> </a:t>
+            </a:r>
+            <a:r>
+              <a:rPr lang="it-IT" altLang="it-IT" dirty="0" err="1">
+                <a:ea typeface="ＭＳ Ｐゴシック" pitchFamily="34" charset="-128"/>
+              </a:rPr>
+              <a:t>assumptions</a:t>
+            </a:r>
+            <a:r>
+              <a:rPr lang="it-IT" altLang="it-IT" dirty="0">
+                <a:ea typeface="ＭＳ Ｐゴシック" pitchFamily="34" charset="-128"/>
+              </a:rPr>
+              <a:t>)</a:t>
+            </a:r>
+          </a:p>
+          <a:p>
+            <a:pPr marL="514350" indent="-514350">
+              <a:buFont typeface="Franklin Gothic Medium" pitchFamily="34" charset="0"/>
+              <a:buAutoNum type="arabicPeriod"/>
+              <a:defRPr/>
+            </a:pPr>
+            <a:r>
+              <a:rPr lang="it-IT" altLang="it-IT" dirty="0">
+                <a:ea typeface="ＭＳ Ｐゴシック" pitchFamily="34" charset="-128"/>
+              </a:rPr>
+              <a:t>Trust the </a:t>
+            </a:r>
+            <a:r>
+              <a:rPr lang="it-IT" altLang="it-IT" dirty="0" err="1">
+                <a:ea typeface="ＭＳ Ｐゴシック" pitchFamily="34" charset="-128"/>
+              </a:rPr>
+              <a:t>verifying</a:t>
+            </a:r>
+            <a:r>
+              <a:rPr lang="it-IT" altLang="it-IT" dirty="0">
+                <a:ea typeface="ＭＳ Ｐゴシック" pitchFamily="34" charset="-128"/>
+              </a:rPr>
+              <a:t> computer/browser and </a:t>
+            </a:r>
+            <a:r>
+              <a:rPr lang="it-IT" altLang="it-IT" dirty="0" err="1">
+                <a:ea typeface="ＭＳ Ｐゴシック" pitchFamily="34" charset="-128"/>
+              </a:rPr>
+              <a:t>its</a:t>
+            </a:r>
+            <a:r>
+              <a:rPr lang="it-IT" altLang="it-IT" dirty="0">
+                <a:ea typeface="ＭＳ Ｐゴシック" pitchFamily="34" charset="-128"/>
+              </a:rPr>
+              <a:t> </a:t>
+            </a:r>
+            <a:r>
+              <a:rPr lang="it-IT" altLang="it-IT" dirty="0" err="1">
+                <a:ea typeface="ＭＳ Ｐゴシック" pitchFamily="34" charset="-128"/>
+              </a:rPr>
+              <a:t>own</a:t>
+            </a:r>
+            <a:r>
+              <a:rPr lang="it-IT" altLang="it-IT" dirty="0">
+                <a:ea typeface="ＭＳ Ｐゴシック" pitchFamily="34" charset="-128"/>
+              </a:rPr>
+              <a:t> root certificate list</a:t>
+            </a:r>
+          </a:p>
+          <a:p>
+            <a:pPr marL="514350" indent="-514350">
+              <a:buFont typeface="Franklin Gothic Medium" pitchFamily="34" charset="0"/>
+              <a:buAutoNum type="arabicPeriod"/>
+              <a:defRPr/>
+            </a:pPr>
+            <a:r>
+              <a:rPr lang="it-IT" altLang="it-IT" sz="2800" dirty="0">
+                <a:ea typeface="ＭＳ Ｐゴシック" pitchFamily="34" charset="-128"/>
+              </a:rPr>
+              <a:t>The CA </a:t>
+            </a:r>
+            <a:r>
+              <a:rPr lang="it-IT" altLang="it-IT" sz="2800" dirty="0" err="1">
+                <a:ea typeface="ＭＳ Ｐゴシック" pitchFamily="34" charset="-128"/>
+              </a:rPr>
+              <a:t>trusted</a:t>
+            </a:r>
+            <a:r>
+              <a:rPr lang="it-IT" altLang="it-IT" sz="2800" dirty="0">
+                <a:ea typeface="ＭＳ Ｐゴシック" pitchFamily="34" charset="-128"/>
+              </a:rPr>
+              <a:t> list </a:t>
+            </a:r>
+            <a:r>
+              <a:rPr lang="it-IT" altLang="it-IT" sz="2800" dirty="0" err="1">
+                <a:ea typeface="ＭＳ Ｐゴシック" pitchFamily="34" charset="-128"/>
+              </a:rPr>
+              <a:t>is</a:t>
+            </a:r>
+            <a:r>
+              <a:rPr lang="it-IT" altLang="it-IT" sz="2800" dirty="0">
+                <a:ea typeface="ＭＳ Ｐゴシック" pitchFamily="34" charset="-128"/>
+              </a:rPr>
+              <a:t> </a:t>
+            </a:r>
+            <a:r>
+              <a:rPr lang="it-IT" altLang="it-IT" sz="2800" dirty="0" err="1">
+                <a:ea typeface="ＭＳ Ｐゴシック" pitchFamily="34" charset="-128"/>
+              </a:rPr>
+              <a:t>as</a:t>
+            </a:r>
+            <a:r>
+              <a:rPr lang="it-IT" altLang="it-IT" sz="2800" dirty="0">
+                <a:ea typeface="ＭＳ Ｐゴシック" pitchFamily="34" charset="-128"/>
+              </a:rPr>
+              <a:t> </a:t>
+            </a:r>
+            <a:r>
+              <a:rPr lang="it-IT" altLang="it-IT" sz="2800" dirty="0" err="1">
+                <a:ea typeface="ＭＳ Ｐゴシック" pitchFamily="34" charset="-128"/>
+              </a:rPr>
+              <a:t>weak</a:t>
+            </a:r>
+            <a:r>
+              <a:rPr lang="it-IT" altLang="it-IT" sz="2800" dirty="0">
+                <a:ea typeface="ＭＳ Ｐゴシック" pitchFamily="34" charset="-128"/>
+              </a:rPr>
+              <a:t> </a:t>
+            </a:r>
+            <a:r>
+              <a:rPr lang="it-IT" altLang="it-IT" sz="2800" dirty="0" err="1">
+                <a:ea typeface="ＭＳ Ｐゴシック" pitchFamily="34" charset="-128"/>
+              </a:rPr>
+              <a:t>as</a:t>
+            </a:r>
+            <a:r>
+              <a:rPr lang="it-IT" altLang="it-IT" sz="2800" dirty="0">
+                <a:ea typeface="ＭＳ Ｐゴシック" pitchFamily="34" charset="-128"/>
+              </a:rPr>
+              <a:t> the </a:t>
+            </a:r>
+            <a:r>
+              <a:rPr lang="it-IT" altLang="it-IT" sz="2800" dirty="0" err="1">
+                <a:ea typeface="ＭＳ Ｐゴシック" pitchFamily="34" charset="-128"/>
+              </a:rPr>
+              <a:t>weakest</a:t>
+            </a:r>
+            <a:r>
+              <a:rPr lang="it-IT" altLang="it-IT" sz="2800" dirty="0">
+                <a:ea typeface="ＭＳ Ｐゴシック" pitchFamily="34" charset="-128"/>
+              </a:rPr>
+              <a:t> CA in the </a:t>
+            </a:r>
+            <a:r>
+              <a:rPr lang="it-IT" altLang="it-IT" sz="2800" dirty="0" err="1">
+                <a:ea typeface="ＭＳ Ｐゴシック" pitchFamily="34" charset="-128"/>
+              </a:rPr>
+              <a:t>bunch</a:t>
+            </a:r>
+            <a:endParaRPr lang="it-IT" altLang="it-IT" dirty="0">
+              <a:ea typeface="ＭＳ Ｐゴシック" pitchFamily="34" charset="-128"/>
+            </a:endParaRPr>
+          </a:p>
+          <a:p>
+            <a:pPr marL="514350" indent="-514350">
+              <a:buFont typeface="Franklin Gothic Medium" pitchFamily="34" charset="0"/>
+              <a:buAutoNum type="arabicPeriod"/>
+              <a:defRPr/>
+            </a:pPr>
+            <a:r>
+              <a:rPr lang="it-IT" altLang="it-IT" dirty="0">
+                <a:ea typeface="ＭＳ Ｐゴシック" pitchFamily="34" charset="-128"/>
+              </a:rPr>
+              <a:t>Trust the </a:t>
+            </a:r>
+            <a:r>
+              <a:rPr lang="it-IT" altLang="it-IT" dirty="0" err="1">
+                <a:ea typeface="ＭＳ Ｐゴシック" pitchFamily="34" charset="-128"/>
+              </a:rPr>
+              <a:t>association</a:t>
+            </a:r>
+            <a:r>
+              <a:rPr lang="it-IT" altLang="it-IT" dirty="0">
+                <a:ea typeface="ＭＳ Ｐゴシック" pitchFamily="34" charset="-128"/>
+              </a:rPr>
+              <a:t> </a:t>
+            </a:r>
+            <a:r>
+              <a:rPr lang="it-IT" altLang="it-IT" dirty="0" err="1">
+                <a:ea typeface="ＭＳ Ｐゴシック" pitchFamily="34" charset="-128"/>
+              </a:rPr>
+              <a:t>between</a:t>
+            </a:r>
+            <a:r>
+              <a:rPr lang="it-IT" altLang="it-IT" dirty="0">
+                <a:ea typeface="ＭＳ Ｐゴシック" pitchFamily="34" charset="-128"/>
+              </a:rPr>
+              <a:t> </a:t>
+            </a:r>
+          </a:p>
+          <a:p>
             <a:pPr marL="0" indent="0">
               <a:buNone/>
               <a:defRPr/>
             </a:pPr>
             <a:r>
-              <a:rPr lang="it-IT" dirty="0">
-                <a:ea typeface="ＭＳ Ｐゴシック" pitchFamily="-107" charset="-128"/>
-              </a:rPr>
-              <a:t>5. Trust </a:t>
-            </a:r>
-            <a:r>
-              <a:rPr lang="it-IT" dirty="0" err="1">
-                <a:ea typeface="ＭＳ Ｐゴシック" pitchFamily="-107" charset="-128"/>
-              </a:rPr>
-              <a:t>that</a:t>
-            </a:r>
-            <a:r>
-              <a:rPr lang="it-IT" dirty="0">
-                <a:ea typeface="ＭＳ Ｐゴシック" pitchFamily="-107" charset="-128"/>
-              </a:rPr>
-              <a:t> CA </a:t>
-            </a:r>
-            <a:r>
-              <a:rPr lang="it-IT" dirty="0" err="1">
-                <a:ea typeface="ＭＳ Ｐゴシック" pitchFamily="-107" charset="-128"/>
-              </a:rPr>
-              <a:t>is</a:t>
-            </a:r>
-            <a:r>
-              <a:rPr lang="it-IT" dirty="0">
-                <a:ea typeface="ＭＳ Ｐゴシック" pitchFamily="-107" charset="-128"/>
-              </a:rPr>
-              <a:t> an authority on the </a:t>
-            </a:r>
-            <a:r>
-              <a:rPr lang="it-IT" dirty="0" err="1">
-                <a:ea typeface="ＭＳ Ｐゴシック" pitchFamily="-107" charset="-128"/>
-              </a:rPr>
-              <a:t>binding</a:t>
-            </a:r>
-            <a:r>
-              <a:rPr lang="it-IT" dirty="0">
-                <a:ea typeface="ＭＳ Ｐゴシック" pitchFamily="-107" charset="-128"/>
-              </a:rPr>
-              <a:t> </a:t>
-            </a:r>
-            <a:r>
-              <a:rPr lang="it-IT" dirty="0" err="1">
-                <a:ea typeface="ＭＳ Ｐゴシック" pitchFamily="-107" charset="-128"/>
-              </a:rPr>
-              <a:t>which</a:t>
-            </a:r>
-            <a:r>
-              <a:rPr lang="it-IT" dirty="0">
-                <a:ea typeface="ＭＳ Ｐゴシック" pitchFamily="-107" charset="-128"/>
-              </a:rPr>
-              <a:t> CA </a:t>
-            </a:r>
-            <a:r>
-              <a:rPr lang="it-IT" dirty="0" err="1">
-                <a:ea typeface="ＭＳ Ｐゴシック" pitchFamily="-107" charset="-128"/>
-              </a:rPr>
-              <a:t>signs</a:t>
-            </a:r>
-            <a:r>
-              <a:rPr lang="it-IT" dirty="0">
-                <a:ea typeface="ＭＳ Ｐゴシック" pitchFamily="-107" charset="-128"/>
-              </a:rPr>
-              <a:t> for (e.g. DNS, e-mail)</a:t>
+              <a:rPr lang="it-IT" altLang="it-IT" dirty="0">
+                <a:ea typeface="ＭＳ Ｐゴシック" pitchFamily="34" charset="-128"/>
+              </a:rPr>
+              <a:t>	Identity</a:t>
+            </a:r>
+            <a:r>
+              <a:rPr lang="it-IT" altLang="it-IT" dirty="0">
+                <a:ea typeface="ＭＳ Ｐゴシック" pitchFamily="34" charset="-128"/>
+                <a:sym typeface="Wingdings" pitchFamily="2" charset="2"/>
+              </a:rPr>
+              <a:t>  </a:t>
+            </a:r>
+            <a:r>
+              <a:rPr lang="it-IT" altLang="it-IT" dirty="0">
+                <a:ea typeface="ＭＳ Ｐゴシック" pitchFamily="34" charset="-128"/>
+              </a:rPr>
+              <a:t>Certificate </a:t>
             </a:r>
           </a:p>
           <a:p>
@@ -10413,273 +10336,35 @@
               <a:defRPr/>
             </a:pPr>
             <a:r>
-              <a:rPr lang="it-IT" dirty="0">
-                <a:ea typeface="ＭＳ Ｐゴシック" pitchFamily="-107" charset="-128"/>
-              </a:rPr>
-              <a:t>6. </a:t>
-            </a:r>
-            <a:r>
-              <a:rPr lang="it-IT" dirty="0" err="1">
-                <a:ea typeface="ＭＳ Ｐゴシック" pitchFamily="-107" charset="-128"/>
-              </a:rPr>
-              <a:t>Assumes</a:t>
-            </a:r>
-            <a:r>
-              <a:rPr lang="it-IT" dirty="0">
-                <a:ea typeface="ＭＳ Ｐゴシック" pitchFamily="-107" charset="-128"/>
-              </a:rPr>
-              <a:t> </a:t>
-            </a:r>
-            <a:r>
-              <a:rPr lang="it-IT" dirty="0" err="1">
-                <a:ea typeface="ＭＳ Ｐゴシック" pitchFamily="-107" charset="-128"/>
-              </a:rPr>
-              <a:t>that</a:t>
-            </a:r>
-            <a:r>
-              <a:rPr lang="it-IT" dirty="0">
-                <a:ea typeface="ＭＳ Ｐゴシック" pitchFamily="-107" charset="-128"/>
-              </a:rPr>
-              <a:t> </a:t>
-            </a:r>
-            <a:r>
-              <a:rPr lang="it-IT" dirty="0" err="1">
-                <a:ea typeface="ＭＳ Ｐゴシック" pitchFamily="-107" charset="-128"/>
-              </a:rPr>
-              <a:t>user</a:t>
-            </a:r>
-            <a:r>
-              <a:rPr lang="it-IT" dirty="0">
-                <a:ea typeface="ＭＳ Ｐゴシック" pitchFamily="-107" charset="-128"/>
-              </a:rPr>
-              <a:t> </a:t>
-            </a:r>
-            <a:r>
-              <a:rPr lang="it-IT" dirty="0" err="1">
-                <a:ea typeface="ＭＳ Ｐゴシック" pitchFamily="-107" charset="-128"/>
-              </a:rPr>
-              <a:t>understands</a:t>
-            </a:r>
-            <a:r>
-              <a:rPr lang="it-IT" dirty="0">
-                <a:ea typeface="ＭＳ Ｐゴシック" pitchFamily="-107" charset="-128"/>
-              </a:rPr>
-              <a:t> (part of) PKI</a:t>
-            </a:r>
-          </a:p>
-          <a:p>
-            <a:pPr marL="0" indent="0">
-              <a:buNone/>
-              <a:defRPr/>
-            </a:pPr>
-            <a:r>
-              <a:rPr lang="it-IT" dirty="0">
-                <a:ea typeface="ＭＳ Ｐゴシック" pitchFamily="-107" charset="-128"/>
-              </a:rPr>
-              <a:t>7. RA+CA </a:t>
-            </a:r>
-            <a:r>
-              <a:rPr lang="it-IT" dirty="0" err="1">
-                <a:ea typeface="ＭＳ Ｐゴシック" pitchFamily="-107" charset="-128"/>
-              </a:rPr>
-              <a:t>binding</a:t>
-            </a:r>
-            <a:r>
-              <a:rPr lang="it-IT" dirty="0">
-                <a:ea typeface="ＭＳ Ｐゴシック" pitchFamily="-107" charset="-128"/>
-              </a:rPr>
-              <a:t> </a:t>
-            </a:r>
-            <a:r>
-              <a:rPr lang="it-IT" dirty="0" err="1">
-                <a:ea typeface="ＭＳ Ｐゴシック" pitchFamily="-107" charset="-128"/>
-              </a:rPr>
-              <a:t>is</a:t>
-            </a:r>
-            <a:r>
-              <a:rPr lang="it-IT" dirty="0">
-                <a:ea typeface="ＭＳ Ｐゴシック" pitchFamily="-107" charset="-128"/>
-              </a:rPr>
-              <a:t> </a:t>
-            </a:r>
-            <a:r>
-              <a:rPr lang="it-IT" dirty="0" err="1">
-                <a:ea typeface="ＭＳ Ｐゴシック" pitchFamily="-107" charset="-128"/>
-              </a:rPr>
-              <a:t>trusted</a:t>
-            </a:r>
-            <a:endParaRPr lang="it-IT" dirty="0">
-              <a:ea typeface="ＭＳ Ｐゴシック" pitchFamily="-107" charset="-128"/>
-            </a:endParaRPr>
-          </a:p>
-          <a:p>
-            <a:pPr marL="0" indent="0">
-              <a:buNone/>
-              <a:defRPr/>
-            </a:pPr>
-            <a:r>
-              <a:rPr lang="it-IT" dirty="0">
-                <a:ea typeface="ＭＳ Ｐゴシック" pitchFamily="-107" charset="-128"/>
-              </a:rPr>
-              <a:t>8. RA </a:t>
-            </a:r>
-            <a:r>
-              <a:rPr lang="it-IT" dirty="0" err="1">
-                <a:ea typeface="ＭＳ Ｐゴシック" pitchFamily="-107" charset="-128"/>
-              </a:rPr>
-              <a:t>well</a:t>
-            </a:r>
-            <a:r>
-              <a:rPr lang="it-IT" dirty="0">
-                <a:ea typeface="ＭＳ Ｐゴシック" pitchFamily="-107" charset="-128"/>
-              </a:rPr>
-              <a:t> </a:t>
-            </a:r>
-            <a:r>
-              <a:rPr lang="it-IT" dirty="0" err="1">
-                <a:ea typeface="ＭＳ Ｐゴシック" pitchFamily="-107" charset="-128"/>
-              </a:rPr>
-              <a:t>identifies</a:t>
-            </a:r>
-            <a:r>
-              <a:rPr lang="it-IT" dirty="0">
-                <a:ea typeface="ＭＳ Ｐゴシック" pitchFamily="-107" charset="-128"/>
-              </a:rPr>
-              <a:t> the certificate </a:t>
-            </a:r>
-            <a:r>
-              <a:rPr lang="it-IT" dirty="0" err="1">
-                <a:ea typeface="ＭＳ Ｐゴシック" pitchFamily="-107" charset="-128"/>
-              </a:rPr>
-              <a:t>requester</a:t>
-            </a:r>
-            <a:endParaRPr lang="it-IT" dirty="0">
-              <a:ea typeface="ＭＳ Ｐゴシック" pitchFamily="-107" charset="-128"/>
-            </a:endParaRPr>
-          </a:p>
-          <a:p>
-            <a:pPr marL="0" indent="0">
-              <a:buNone/>
-              <a:defRPr/>
-            </a:pPr>
-            <a:r>
-              <a:rPr lang="it-IT" dirty="0">
-                <a:ea typeface="ＭＳ Ｐゴシック" pitchFamily="-107" charset="-128"/>
-              </a:rPr>
-              <a:t>9. Certificate </a:t>
-            </a:r>
-            <a:r>
-              <a:rPr lang="it-IT" dirty="0" err="1">
-                <a:ea typeface="ＭＳ Ｐゴシック" pitchFamily="-107" charset="-128"/>
-              </a:rPr>
-              <a:t>practices</a:t>
-            </a:r>
-            <a:r>
-              <a:rPr lang="it-IT" dirty="0">
-                <a:ea typeface="ＭＳ Ｐゴシック" pitchFamily="-107" charset="-128"/>
-              </a:rPr>
-              <a:t> (CSP) are </a:t>
-            </a:r>
-            <a:r>
-              <a:rPr lang="it-IT" dirty="0" err="1">
-                <a:ea typeface="ＭＳ Ｐゴシック" pitchFamily="-107" charset="-128"/>
-              </a:rPr>
-              <a:t>respected</a:t>
-            </a:r>
-            <a:endParaRPr lang="it-IT" dirty="0">
-              <a:ea typeface="ＭＳ Ｐゴシック" pitchFamily="-107" charset="-128"/>
-            </a:endParaRPr>
-          </a:p>
-          <a:p>
-            <a:pPr marL="0" indent="0">
-              <a:buNone/>
-              <a:defRPr/>
-            </a:pPr>
-            <a:r>
-              <a:rPr lang="it-IT" dirty="0">
-                <a:ea typeface="ＭＳ Ｐゴシック" pitchFamily="-107" charset="-128"/>
-              </a:rPr>
-              <a:t>10. Single </a:t>
-            </a:r>
-            <a:r>
-              <a:rPr lang="it-IT" dirty="0" err="1">
-                <a:ea typeface="ＭＳ Ｐゴシック" pitchFamily="-107" charset="-128"/>
-              </a:rPr>
-              <a:t>sign</a:t>
-            </a:r>
-            <a:r>
-              <a:rPr lang="it-IT" dirty="0">
-                <a:ea typeface="ＭＳ Ｐゴシック" pitchFamily="-107" charset="-128"/>
-              </a:rPr>
-              <a:t>-on </a:t>
-            </a:r>
-            <a:r>
-              <a:rPr lang="it-IT" dirty="0" err="1">
-                <a:ea typeface="ＭＳ Ｐゴシック" pitchFamily="-107" charset="-128"/>
-              </a:rPr>
-              <a:t>practices</a:t>
-            </a:r>
-            <a:r>
-              <a:rPr lang="it-IT" dirty="0">
-                <a:ea typeface="ＭＳ Ｐゴシック" pitchFamily="-107" charset="-128"/>
-              </a:rPr>
-              <a:t> are a </a:t>
-            </a:r>
-            <a:r>
-              <a:rPr lang="it-IT" dirty="0" err="1">
-                <a:ea typeface="ＭＳ Ｐゴシック" pitchFamily="-107" charset="-128"/>
-              </a:rPr>
-              <a:t>problem</a:t>
-            </a:r>
-            <a:endParaRPr lang="it-IT" dirty="0">
-              <a:ea typeface="ＭＳ Ｐゴシック" pitchFamily="-107" charset="-128"/>
-            </a:endParaRPr>
-          </a:p>
-          <a:p>
-            <a:pPr marL="0" indent="0">
-              <a:buNone/>
-              <a:defRPr/>
-            </a:pPr>
-            <a:endParaRPr lang="it-IT" dirty="0">
-              <a:ea typeface="ＭＳ Ｐゴシック" pitchFamily="-107" charset="-128"/>
-            </a:endParaRPr>
-          </a:p>
-          <a:p>
-            <a:pPr marL="0" indent="0">
-              <a:buNone/>
-              <a:defRPr/>
-            </a:pPr>
-            <a:endParaRPr lang="it-IT" dirty="0">
-              <a:ea typeface="ＭＳ Ｐゴシック" pitchFamily="-107" charset="-128"/>
-            </a:endParaRPr>
-          </a:p>
-          <a:p>
-            <a:pPr marL="0" indent="0">
-              <a:buNone/>
-              <a:defRPr/>
-            </a:pPr>
-            <a:endParaRPr lang="it-IT" dirty="0">
-              <a:ea typeface="ＭＳ Ｐゴシック" pitchFamily="-107" charset="-128"/>
-            </a:endParaRPr>
-          </a:p>
-          <a:p>
-            <a:pPr marL="514350" indent="-514350">
-              <a:buFont typeface="+mj-lt"/>
-              <a:buAutoNum type="arabicPeriod"/>
-              <a:defRPr/>
-            </a:pPr>
-            <a:endParaRPr lang="it-IT" sz="3600" dirty="0">
-              <a:ea typeface="ＭＳ Ｐゴシック" pitchFamily="-107" charset="-128"/>
-            </a:endParaRPr>
-          </a:p>
-          <a:p>
-            <a:pPr marL="0" indent="0">
-              <a:buNone/>
-              <a:defRPr/>
-            </a:pPr>
-            <a:endParaRPr lang="it-IT" dirty="0">
-              <a:ea typeface="ＭＳ Ｐゴシック" pitchFamily="-107" charset="-128"/>
-            </a:endParaRPr>
+              <a:rPr lang="it-IT" altLang="it-IT" dirty="0">
+                <a:ea typeface="ＭＳ Ｐゴシック" pitchFamily="34" charset="-128"/>
+              </a:rPr>
+              <a:t>	(</a:t>
+            </a:r>
+            <a:r>
+              <a:rPr lang="it-IT" altLang="it-IT" dirty="0" err="1">
+                <a:ea typeface="ＭＳ Ｐゴシック" pitchFamily="34" charset="-128"/>
+              </a:rPr>
+              <a:t>homonymies</a:t>
+            </a:r>
+            <a:r>
+              <a:rPr lang="it-IT" altLang="it-IT" dirty="0">
+                <a:ea typeface="ＭＳ Ｐゴシック" pitchFamily="34" charset="-128"/>
+              </a:rPr>
+              <a:t> are </a:t>
+            </a:r>
+            <a:r>
+              <a:rPr lang="it-IT" altLang="it-IT" dirty="0" err="1">
+                <a:ea typeface="ＭＳ Ｐゴシック" pitchFamily="34" charset="-128"/>
+              </a:rPr>
+              <a:t>possible</a:t>
+            </a:r>
+            <a:r>
+              <a:rPr lang="it-IT" altLang="it-IT" dirty="0">
+                <a:ea typeface="ＭＳ Ｐゴシック" pitchFamily="34" charset="-128"/>
+              </a:rPr>
+              <a:t>)</a:t>
+            </a:r>
           </a:p>
         </p:txBody>
       </p:sp>
@@ -10692,6 +10377,432 @@
 </file>
 
 <file path=ppt/slides/slide27.xml><?xml version="1.0" encoding="utf-8"?>
+<p:sld xmlns:a="http://schemas.openxmlformats.org/drawingml/2006/main" xmlns:r="http://schemas.openxmlformats.org/officeDocument/2006/relationships" xmlns:p="http://schemas.openxmlformats.org/presentationml/2006/main">
+  <p:cSld>
+    <p:spTree>
+      <p:nvGrpSpPr>
+        <p:cNvPr id="1" name=""/>
+        <p:cNvGrpSpPr/>
+        <p:nvPr/>
+      </p:nvGrpSpPr>
+      <p:grpSpPr>
+        <a:xfrm>
+          <a:off x="0" y="0"/>
+          <a:ext cx="0" cy="0"/>
+          <a:chOff x="0" y="0"/>
+          <a:chExt cx="0" cy="0"/>
+        </a:xfrm>
+      </p:grpSpPr>
+      <p:sp>
+        <p:nvSpPr>
+          <p:cNvPr id="84994" name="Titolo 1">
+            <a:extLst>
+              <a:ext uri="{FF2B5EF4-FFF2-40B4-BE49-F238E27FC236}">
+                <a16:creationId xmlns:a16="http://schemas.microsoft.com/office/drawing/2014/main" id="{AD88CBA9-D587-4A5A-91E0-D6DA5200B6B4}"/>
+              </a:ext>
+            </a:extLst>
+          </p:cNvPr>
+          <p:cNvSpPr>
+            <a:spLocks noGrp="1"/>
+          </p:cNvSpPr>
+          <p:nvPr>
+            <p:ph type="title"/>
+          </p:nvPr>
+        </p:nvSpPr>
+        <p:spPr/>
+        <p:txBody>
+          <a:bodyPr/>
+          <a:lstStyle/>
+          <a:p>
+            <a:pPr eaLnBrk="1" hangingPunct="1"/>
+            <a:r>
+              <a:rPr lang="it-IT" altLang="it-IT">
+                <a:ea typeface="MS PGothic" panose="020B0600070205080204" pitchFamily="34" charset="-128"/>
+              </a:rPr>
+              <a:t>PKI Assumptions #2</a:t>
+            </a:r>
+          </a:p>
+        </p:txBody>
+      </p:sp>
+      <p:sp>
+        <p:nvSpPr>
+          <p:cNvPr id="3" name="Segnaposto contenuto 2">
+            <a:extLst>
+              <a:ext uri="{FF2B5EF4-FFF2-40B4-BE49-F238E27FC236}">
+                <a16:creationId xmlns:a16="http://schemas.microsoft.com/office/drawing/2014/main" id="{14D4D58E-F411-4F7C-8768-20F3523A814E}"/>
+              </a:ext>
+            </a:extLst>
+          </p:cNvPr>
+          <p:cNvSpPr>
+            <a:spLocks noGrp="1"/>
+          </p:cNvSpPr>
+          <p:nvPr>
+            <p:ph idx="1"/>
+          </p:nvPr>
+        </p:nvSpPr>
+        <p:spPr/>
+        <p:txBody>
+          <a:bodyPr rtlCol="0">
+            <a:normAutofit/>
+          </a:bodyPr>
+          <a:lstStyle/>
+          <a:p>
+            <a:pPr marL="0" indent="0">
+              <a:buNone/>
+              <a:defRPr/>
+            </a:pPr>
+            <a:r>
+              <a:rPr lang="it-IT" dirty="0">
+                <a:ea typeface="ＭＳ Ｐゴシック" pitchFamily="-107" charset="-128"/>
+              </a:rPr>
+              <a:t>5. Trust </a:t>
+            </a:r>
+            <a:r>
+              <a:rPr lang="it-IT" dirty="0" err="1">
+                <a:ea typeface="ＭＳ Ｐゴシック" pitchFamily="-107" charset="-128"/>
+              </a:rPr>
+              <a:t>that</a:t>
+            </a:r>
+            <a:r>
+              <a:rPr lang="it-IT" dirty="0">
+                <a:ea typeface="ＭＳ Ｐゴシック" pitchFamily="-107" charset="-128"/>
+              </a:rPr>
+              <a:t> CA </a:t>
+            </a:r>
+            <a:r>
+              <a:rPr lang="it-IT" dirty="0" err="1">
+                <a:ea typeface="ＭＳ Ｐゴシック" pitchFamily="-107" charset="-128"/>
+              </a:rPr>
+              <a:t>is</a:t>
+            </a:r>
+            <a:r>
+              <a:rPr lang="it-IT" dirty="0">
+                <a:ea typeface="ＭＳ Ｐゴシック" pitchFamily="-107" charset="-128"/>
+              </a:rPr>
+              <a:t> an authority on the </a:t>
+            </a:r>
+            <a:r>
+              <a:rPr lang="it-IT" dirty="0" err="1">
+                <a:ea typeface="ＭＳ Ｐゴシック" pitchFamily="-107" charset="-128"/>
+              </a:rPr>
+              <a:t>binding</a:t>
+            </a:r>
+            <a:r>
+              <a:rPr lang="it-IT" dirty="0">
+                <a:ea typeface="ＭＳ Ｐゴシック" pitchFamily="-107" charset="-128"/>
+              </a:rPr>
+              <a:t> </a:t>
+            </a:r>
+            <a:r>
+              <a:rPr lang="it-IT" dirty="0" err="1">
+                <a:ea typeface="ＭＳ Ｐゴシック" pitchFamily="-107" charset="-128"/>
+              </a:rPr>
+              <a:t>which</a:t>
+            </a:r>
+            <a:r>
+              <a:rPr lang="it-IT" dirty="0">
+                <a:ea typeface="ＭＳ Ｐゴシック" pitchFamily="-107" charset="-128"/>
+              </a:rPr>
+              <a:t> CA </a:t>
+            </a:r>
+            <a:r>
+              <a:rPr lang="it-IT" dirty="0" err="1">
+                <a:ea typeface="ＭＳ Ｐゴシック" pitchFamily="-107" charset="-128"/>
+              </a:rPr>
+              <a:t>signs</a:t>
+            </a:r>
+            <a:r>
+              <a:rPr lang="it-IT" dirty="0">
+                <a:ea typeface="ＭＳ Ｐゴシック" pitchFamily="-107" charset="-128"/>
+              </a:rPr>
+              <a:t> for (e.g. DNS, e-mail)</a:t>
+            </a:r>
+          </a:p>
+          <a:p>
+            <a:pPr marL="0" indent="0">
+              <a:buNone/>
+              <a:defRPr/>
+            </a:pPr>
+            <a:r>
+              <a:rPr lang="it-IT" dirty="0">
+                <a:ea typeface="ＭＳ Ｐゴシック" pitchFamily="-107" charset="-128"/>
+              </a:rPr>
+              <a:t>6. </a:t>
+            </a:r>
+            <a:r>
+              <a:rPr lang="it-IT" dirty="0" err="1">
+                <a:ea typeface="ＭＳ Ｐゴシック" pitchFamily="-107" charset="-128"/>
+              </a:rPr>
+              <a:t>Assumes</a:t>
+            </a:r>
+            <a:r>
+              <a:rPr lang="it-IT" dirty="0">
+                <a:ea typeface="ＭＳ Ｐゴシック" pitchFamily="-107" charset="-128"/>
+              </a:rPr>
+              <a:t> </a:t>
+            </a:r>
+            <a:r>
+              <a:rPr lang="it-IT" dirty="0" err="1">
+                <a:ea typeface="ＭＳ Ｐゴシック" pitchFamily="-107" charset="-128"/>
+              </a:rPr>
+              <a:t>that</a:t>
+            </a:r>
+            <a:r>
+              <a:rPr lang="it-IT" dirty="0">
+                <a:ea typeface="ＭＳ Ｐゴシック" pitchFamily="-107" charset="-128"/>
+              </a:rPr>
+              <a:t> </a:t>
+            </a:r>
+            <a:r>
+              <a:rPr lang="it-IT" dirty="0" err="1">
+                <a:ea typeface="ＭＳ Ｐゴシック" pitchFamily="-107" charset="-128"/>
+              </a:rPr>
+              <a:t>user</a:t>
+            </a:r>
+            <a:r>
+              <a:rPr lang="it-IT" dirty="0">
+                <a:ea typeface="ＭＳ Ｐゴシック" pitchFamily="-107" charset="-128"/>
+              </a:rPr>
+              <a:t> </a:t>
+            </a:r>
+            <a:r>
+              <a:rPr lang="it-IT" dirty="0" err="1">
+                <a:ea typeface="ＭＳ Ｐゴシック" pitchFamily="-107" charset="-128"/>
+              </a:rPr>
+              <a:t>understands</a:t>
+            </a:r>
+            <a:r>
+              <a:rPr lang="it-IT" dirty="0">
+                <a:ea typeface="ＭＳ Ｐゴシック" pitchFamily="-107" charset="-128"/>
+              </a:rPr>
+              <a:t> (part of) PKI</a:t>
+            </a:r>
+          </a:p>
+          <a:p>
+            <a:pPr marL="0" indent="0">
+              <a:buNone/>
+              <a:defRPr/>
+            </a:pPr>
+            <a:r>
+              <a:rPr lang="it-IT" dirty="0">
+                <a:ea typeface="ＭＳ Ｐゴシック" pitchFamily="-107" charset="-128"/>
+              </a:rPr>
+              <a:t>7. RA+CA </a:t>
+            </a:r>
+            <a:r>
+              <a:rPr lang="it-IT" dirty="0" err="1">
+                <a:ea typeface="ＭＳ Ｐゴシック" pitchFamily="-107" charset="-128"/>
+              </a:rPr>
+              <a:t>binding</a:t>
+            </a:r>
+            <a:r>
+              <a:rPr lang="it-IT" dirty="0">
+                <a:ea typeface="ＭＳ Ｐゴシック" pitchFamily="-107" charset="-128"/>
+              </a:rPr>
+              <a:t> </a:t>
+            </a:r>
+            <a:r>
+              <a:rPr lang="it-IT" dirty="0" err="1">
+                <a:ea typeface="ＭＳ Ｐゴシック" pitchFamily="-107" charset="-128"/>
+              </a:rPr>
+              <a:t>is</a:t>
+            </a:r>
+            <a:r>
+              <a:rPr lang="it-IT" dirty="0">
+                <a:ea typeface="ＭＳ Ｐゴシック" pitchFamily="-107" charset="-128"/>
+              </a:rPr>
+              <a:t> </a:t>
+            </a:r>
+            <a:r>
+              <a:rPr lang="it-IT" dirty="0" err="1">
+                <a:ea typeface="ＭＳ Ｐゴシック" pitchFamily="-107" charset="-128"/>
+              </a:rPr>
+              <a:t>trusted</a:t>
+            </a:r>
+            <a:endParaRPr lang="it-IT" dirty="0">
+              <a:ea typeface="ＭＳ Ｐゴシック" pitchFamily="-107" charset="-128"/>
+            </a:endParaRPr>
+          </a:p>
+          <a:p>
+            <a:pPr marL="0" indent="0">
+              <a:buNone/>
+              <a:defRPr/>
+            </a:pPr>
+            <a:r>
+              <a:rPr lang="it-IT" dirty="0">
+                <a:ea typeface="ＭＳ Ｐゴシック" pitchFamily="-107" charset="-128"/>
+              </a:rPr>
+              <a:t>8. RA </a:t>
+            </a:r>
+            <a:r>
+              <a:rPr lang="it-IT" dirty="0" err="1">
+                <a:ea typeface="ＭＳ Ｐゴシック" pitchFamily="-107" charset="-128"/>
+              </a:rPr>
+              <a:t>well</a:t>
+            </a:r>
+            <a:r>
+              <a:rPr lang="it-IT" dirty="0">
+                <a:ea typeface="ＭＳ Ｐゴシック" pitchFamily="-107" charset="-128"/>
+              </a:rPr>
+              <a:t> </a:t>
+            </a:r>
+            <a:r>
+              <a:rPr lang="it-IT" dirty="0" err="1">
+                <a:ea typeface="ＭＳ Ｐゴシック" pitchFamily="-107" charset="-128"/>
+              </a:rPr>
+              <a:t>identifies</a:t>
+            </a:r>
+            <a:r>
+              <a:rPr lang="it-IT" dirty="0">
+                <a:ea typeface="ＭＳ Ｐゴシック" pitchFamily="-107" charset="-128"/>
+              </a:rPr>
+              <a:t> the certificate </a:t>
+            </a:r>
+            <a:r>
+              <a:rPr lang="it-IT" dirty="0" err="1">
+                <a:ea typeface="ＭＳ Ｐゴシック" pitchFamily="-107" charset="-128"/>
+              </a:rPr>
+              <a:t>requester</a:t>
+            </a:r>
+            <a:endParaRPr lang="it-IT" dirty="0">
+              <a:ea typeface="ＭＳ Ｐゴシック" pitchFamily="-107" charset="-128"/>
+            </a:endParaRPr>
+          </a:p>
+          <a:p>
+            <a:pPr marL="0" indent="0">
+              <a:buNone/>
+              <a:defRPr/>
+            </a:pPr>
+            <a:r>
+              <a:rPr lang="it-IT" dirty="0">
+                <a:ea typeface="ＭＳ Ｐゴシック" pitchFamily="-107" charset="-128"/>
+              </a:rPr>
+              <a:t>9. Certificate </a:t>
+            </a:r>
+            <a:r>
+              <a:rPr lang="it-IT" dirty="0" err="1">
+                <a:ea typeface="ＭＳ Ｐゴシック" pitchFamily="-107" charset="-128"/>
+              </a:rPr>
+              <a:t>practices</a:t>
+            </a:r>
+            <a:r>
+              <a:rPr lang="it-IT" dirty="0">
+                <a:ea typeface="ＭＳ Ｐゴシック" pitchFamily="-107" charset="-128"/>
+              </a:rPr>
+              <a:t> (CSP) are </a:t>
+            </a:r>
+            <a:r>
+              <a:rPr lang="it-IT" dirty="0" err="1">
+                <a:ea typeface="ＭＳ Ｐゴシック" pitchFamily="-107" charset="-128"/>
+              </a:rPr>
+              <a:t>respected</a:t>
+            </a:r>
+            <a:endParaRPr lang="it-IT" dirty="0">
+              <a:ea typeface="ＭＳ Ｐゴシック" pitchFamily="-107" charset="-128"/>
+            </a:endParaRPr>
+          </a:p>
+          <a:p>
+            <a:pPr marL="0" indent="0">
+              <a:buNone/>
+              <a:defRPr/>
+            </a:pPr>
+            <a:r>
+              <a:rPr lang="it-IT" dirty="0">
+                <a:ea typeface="ＭＳ Ｐゴシック" pitchFamily="-107" charset="-128"/>
+              </a:rPr>
+              <a:t>10. Single </a:t>
+            </a:r>
+            <a:r>
+              <a:rPr lang="it-IT" dirty="0" err="1">
+                <a:ea typeface="ＭＳ Ｐゴシック" pitchFamily="-107" charset="-128"/>
+              </a:rPr>
+              <a:t>sign</a:t>
+            </a:r>
+            <a:r>
+              <a:rPr lang="it-IT" dirty="0">
+                <a:ea typeface="ＭＳ Ｐゴシック" pitchFamily="-107" charset="-128"/>
+              </a:rPr>
+              <a:t>-on </a:t>
+            </a:r>
+            <a:r>
+              <a:rPr lang="it-IT" dirty="0" err="1">
+                <a:ea typeface="ＭＳ Ｐゴシック" pitchFamily="-107" charset="-128"/>
+              </a:rPr>
+              <a:t>practices</a:t>
+            </a:r>
+            <a:r>
+              <a:rPr lang="it-IT" dirty="0">
+                <a:ea typeface="ＭＳ Ｐゴシック" pitchFamily="-107" charset="-128"/>
+              </a:rPr>
+              <a:t> are a </a:t>
+            </a:r>
+            <a:r>
+              <a:rPr lang="it-IT" dirty="0" err="1">
+                <a:ea typeface="ＭＳ Ｐゴシック" pitchFamily="-107" charset="-128"/>
+              </a:rPr>
+              <a:t>problem</a:t>
+            </a:r>
+            <a:endParaRPr lang="it-IT" dirty="0">
+              <a:ea typeface="ＭＳ Ｐゴシック" pitchFamily="-107" charset="-128"/>
+            </a:endParaRPr>
+          </a:p>
+          <a:p>
+            <a:pPr marL="0" indent="0">
+              <a:buNone/>
+              <a:defRPr/>
+            </a:pPr>
+            <a:endParaRPr lang="it-IT" dirty="0">
+              <a:ea typeface="ＭＳ Ｐゴシック" pitchFamily="-107" charset="-128"/>
+            </a:endParaRPr>
+          </a:p>
+          <a:p>
+            <a:pPr marL="0" indent="0">
+              <a:buNone/>
+              <a:defRPr/>
+            </a:pPr>
+            <a:endParaRPr lang="it-IT" dirty="0">
+              <a:ea typeface="ＭＳ Ｐゴシック" pitchFamily="-107" charset="-128"/>
+            </a:endParaRPr>
+          </a:p>
+          <a:p>
+            <a:pPr marL="0" indent="0">
+              <a:buNone/>
+              <a:defRPr/>
+            </a:pPr>
+            <a:endParaRPr lang="it-IT" dirty="0">
+              <a:ea typeface="ＭＳ Ｐゴシック" pitchFamily="-107" charset="-128"/>
+            </a:endParaRPr>
+          </a:p>
+          <a:p>
+            <a:pPr marL="514350" indent="-514350">
+              <a:buFont typeface="+mj-lt"/>
+              <a:buAutoNum type="arabicPeriod"/>
+              <a:defRPr/>
+            </a:pPr>
+            <a:endParaRPr lang="it-IT" sz="3600" dirty="0">
+              <a:ea typeface="ＭＳ Ｐゴシック" pitchFamily="-107" charset="-128"/>
+            </a:endParaRPr>
+          </a:p>
+          <a:p>
+            <a:pPr marL="0" indent="0">
+              <a:buNone/>
+              <a:defRPr/>
+            </a:pPr>
+            <a:endParaRPr lang="it-IT" dirty="0">
+              <a:ea typeface="ＭＳ Ｐゴシック" pitchFamily="-107" charset="-128"/>
+            </a:endParaRPr>
+          </a:p>
+        </p:txBody>
+      </p:sp>
+    </p:spTree>
+  </p:cSld>
+  <p:clrMapOvr>
+    <a:masterClrMapping/>
+  </p:clrMapOvr>
+</p:sld>
+</file>
+
+<file path=ppt/slides/slide28.xml><?xml version="1.0" encoding="utf-8"?>
 <p:sld xmlns:a="http://schemas.openxmlformats.org/drawingml/2006/main" xmlns:r="http://schemas.openxmlformats.org/officeDocument/2006/relationships" xmlns:p="http://schemas.openxmlformats.org/presentationml/2006/main">
   <p:cSld>
     <p:spTree>
